--- a/doc/diagrams/packageDiagram.pptx
+++ b/doc/diagrams/packageDiagram.pptx
@@ -289,7 +289,7 @@
             <a:fld id="{1D8BD707-D9CF-40AE-B4C6-C98DA3205C09}" type="datetimeFigureOut">
               <a:rPr lang="en-US" smtClean="0"/>
               <a:pPr/>
-              <a:t>7/5/2012</a:t>
+              <a:t>7/6/2012</a:t>
             </a:fld>
             <a:endParaRPr lang="en-US"/>
           </a:p>
@@ -456,7 +456,7 @@
             <a:fld id="{1D8BD707-D9CF-40AE-B4C6-C98DA3205C09}" type="datetimeFigureOut">
               <a:rPr lang="en-US" smtClean="0"/>
               <a:pPr/>
-              <a:t>7/5/2012</a:t>
+              <a:t>7/6/2012</a:t>
             </a:fld>
             <a:endParaRPr lang="en-US"/>
           </a:p>
@@ -633,7 +633,7 @@
             <a:fld id="{1D8BD707-D9CF-40AE-B4C6-C98DA3205C09}" type="datetimeFigureOut">
               <a:rPr lang="en-US" smtClean="0"/>
               <a:pPr/>
-              <a:t>7/5/2012</a:t>
+              <a:t>7/6/2012</a:t>
             </a:fld>
             <a:endParaRPr lang="en-US"/>
           </a:p>
@@ -800,7 +800,7 @@
             <a:fld id="{1D8BD707-D9CF-40AE-B4C6-C98DA3205C09}" type="datetimeFigureOut">
               <a:rPr lang="en-US" smtClean="0"/>
               <a:pPr/>
-              <a:t>7/5/2012</a:t>
+              <a:t>7/6/2012</a:t>
             </a:fld>
             <a:endParaRPr lang="en-US"/>
           </a:p>
@@ -1043,7 +1043,7 @@
             <a:fld id="{1D8BD707-D9CF-40AE-B4C6-C98DA3205C09}" type="datetimeFigureOut">
               <a:rPr lang="en-US" smtClean="0"/>
               <a:pPr/>
-              <a:t>7/5/2012</a:t>
+              <a:t>7/6/2012</a:t>
             </a:fld>
             <a:endParaRPr lang="en-US"/>
           </a:p>
@@ -1328,7 +1328,7 @@
             <a:fld id="{1D8BD707-D9CF-40AE-B4C6-C98DA3205C09}" type="datetimeFigureOut">
               <a:rPr lang="en-US" smtClean="0"/>
               <a:pPr/>
-              <a:t>7/5/2012</a:t>
+              <a:t>7/6/2012</a:t>
             </a:fld>
             <a:endParaRPr lang="en-US"/>
           </a:p>
@@ -1747,7 +1747,7 @@
             <a:fld id="{1D8BD707-D9CF-40AE-B4C6-C98DA3205C09}" type="datetimeFigureOut">
               <a:rPr lang="en-US" smtClean="0"/>
               <a:pPr/>
-              <a:t>7/5/2012</a:t>
+              <a:t>7/6/2012</a:t>
             </a:fld>
             <a:endParaRPr lang="en-US"/>
           </a:p>
@@ -1862,7 +1862,7 @@
             <a:fld id="{1D8BD707-D9CF-40AE-B4C6-C98DA3205C09}" type="datetimeFigureOut">
               <a:rPr lang="en-US" smtClean="0"/>
               <a:pPr/>
-              <a:t>7/5/2012</a:t>
+              <a:t>7/6/2012</a:t>
             </a:fld>
             <a:endParaRPr lang="en-US"/>
           </a:p>
@@ -1954,7 +1954,7 @@
             <a:fld id="{1D8BD707-D9CF-40AE-B4C6-C98DA3205C09}" type="datetimeFigureOut">
               <a:rPr lang="en-US" smtClean="0"/>
               <a:pPr/>
-              <a:t>7/5/2012</a:t>
+              <a:t>7/6/2012</a:t>
             </a:fld>
             <a:endParaRPr lang="en-US"/>
           </a:p>
@@ -2228,7 +2228,7 @@
             <a:fld id="{1D8BD707-D9CF-40AE-B4C6-C98DA3205C09}" type="datetimeFigureOut">
               <a:rPr lang="en-US" smtClean="0"/>
               <a:pPr/>
-              <a:t>7/5/2012</a:t>
+              <a:t>7/6/2012</a:t>
             </a:fld>
             <a:endParaRPr lang="en-US"/>
           </a:p>
@@ -2478,7 +2478,7 @@
             <a:fld id="{1D8BD707-D9CF-40AE-B4C6-C98DA3205C09}" type="datetimeFigureOut">
               <a:rPr lang="en-US" smtClean="0"/>
               <a:pPr/>
-              <a:t>7/5/2012</a:t>
+              <a:t>7/6/2012</a:t>
             </a:fld>
             <a:endParaRPr lang="en-US"/>
           </a:p>
@@ -2688,7 +2688,7 @@
             <a:fld id="{1D8BD707-D9CF-40AE-B4C6-C98DA3205C09}" type="datetimeFigureOut">
               <a:rPr lang="en-US" smtClean="0"/>
               <a:pPr/>
-              <a:t>7/5/2012</a:t>
+              <a:t>7/6/2012</a:t>
             </a:fld>
             <a:endParaRPr lang="en-US"/>
           </a:p>
@@ -4596,7 +4596,7 @@
         </p:nvCxnSpPr>
         <p:spPr>
           <a:xfrm>
-            <a:off x="2514600" y="6019800"/>
+            <a:off x="2514600" y="5105400"/>
             <a:ext cx="1752600" cy="0"/>
           </a:xfrm>
           <a:prstGeom prst="straightConnector1">
@@ -4827,7 +4827,7 @@
         <p:spPr>
           <a:xfrm>
             <a:off x="4876800" y="3124200"/>
-            <a:ext cx="0" cy="1188578"/>
+            <a:ext cx="0" cy="457200"/>
           </a:xfrm>
           <a:prstGeom prst="straightConnector1">
             <a:avLst/>
@@ -4984,7 +4984,7 @@
         </p:nvGrpSpPr>
         <p:grpSpPr>
           <a:xfrm>
-            <a:off x="4267200" y="5562600"/>
+            <a:off x="4267200" y="4648200"/>
             <a:ext cx="1371600" cy="762000"/>
             <a:chOff x="-228600" y="1371600"/>
             <a:chExt cx="1371600" cy="762000"/>
@@ -5110,8 +5110,8 @@
         </p:nvCxnSpPr>
         <p:spPr>
           <a:xfrm>
-            <a:off x="4876800" y="4783508"/>
-            <a:ext cx="0" cy="914400"/>
+            <a:off x="4876800" y="4191000"/>
+            <a:ext cx="0" cy="609600"/>
           </a:xfrm>
           <a:prstGeom prst="straightConnector1">
             <a:avLst/>
@@ -5148,8 +5148,8 @@
         </p:nvCxnSpPr>
         <p:spPr>
           <a:xfrm flipV="1">
-            <a:off x="7010400" y="1192849"/>
-            <a:ext cx="0" cy="2910913"/>
+            <a:off x="7010400" y="1443528"/>
+            <a:ext cx="0" cy="462186"/>
           </a:xfrm>
           <a:prstGeom prst="straightConnector1">
             <a:avLst/>
@@ -5186,7 +5186,7 @@
         </p:nvGrpSpPr>
         <p:grpSpPr>
           <a:xfrm>
-            <a:off x="4267200" y="3962400"/>
+            <a:off x="4267200" y="3429000"/>
             <a:ext cx="1371600" cy="762000"/>
             <a:chOff x="-228600" y="1371600"/>
             <a:chExt cx="1371600" cy="762000"/>
@@ -5312,68 +5312,161 @@
           </p:txBody>
         </p:sp>
       </p:grpSp>
-      <p:sp>
-        <p:nvSpPr>
-          <p:cNvPr id="50" name="Freeform 49"/>
-          <p:cNvSpPr/>
+      <p:grpSp>
+        <p:nvGrpSpPr>
+          <p:cNvPr id="57" name="Group 56"/>
+          <p:cNvGrpSpPr/>
           <p:nvPr/>
-        </p:nvSpPr>
+        </p:nvGrpSpPr>
+        <p:grpSpPr>
+          <a:xfrm>
+            <a:off x="4191000" y="5867400"/>
+            <a:ext cx="1447800" cy="762000"/>
+            <a:chOff x="-304800" y="1371600"/>
+            <a:chExt cx="1447800" cy="762000"/>
+          </a:xfrm>
+          <a:solidFill>
+            <a:schemeClr val="bg1"/>
+          </a:solidFill>
+        </p:grpSpPr>
+        <p:sp>
+          <p:nvSpPr>
+            <p:cNvPr id="58" name="Rectangle 57"/>
+            <p:cNvSpPr/>
+            <p:nvPr/>
+          </p:nvSpPr>
+          <p:spPr>
+            <a:xfrm>
+              <a:off x="-304800" y="1524000"/>
+              <a:ext cx="1447800" cy="609600"/>
+            </a:xfrm>
+            <a:prstGeom prst="rect">
+              <a:avLst/>
+            </a:prstGeom>
+            <a:grpFill/>
+            <a:ln>
+              <a:solidFill>
+                <a:srgbClr val="7030A0"/>
+              </a:solidFill>
+            </a:ln>
+          </p:spPr>
+          <p:style>
+            <a:lnRef idx="2">
+              <a:schemeClr val="accent1">
+                <a:shade val="50000"/>
+              </a:schemeClr>
+            </a:lnRef>
+            <a:fillRef idx="1">
+              <a:schemeClr val="accent1"/>
+            </a:fillRef>
+            <a:effectRef idx="0">
+              <a:schemeClr val="accent1"/>
+            </a:effectRef>
+            <a:fontRef idx="minor">
+              <a:schemeClr val="lt1"/>
+            </a:fontRef>
+          </p:style>
+          <p:txBody>
+            <a:bodyPr rtlCol="0" anchor="ctr"/>
+            <a:lstStyle/>
+            <a:p>
+              <a:pPr algn="ctr"/>
+              <a:r>
+                <a:rPr lang="en-US" sz="1400" b="1" dirty="0" smtClean="0">
+                  <a:solidFill>
+                    <a:srgbClr val="7030A0"/>
+                  </a:solidFill>
+                </a:rPr>
+                <a:t>logic</a:t>
+              </a:r>
+              <a:r>
+                <a:rPr lang="en-US" sz="1400" b="1" dirty="0" smtClean="0">
+                  <a:solidFill>
+                    <a:srgbClr val="7030A0"/>
+                  </a:solidFill>
+                </a:rPr>
+                <a:t>::automated</a:t>
+              </a:r>
+              <a:endParaRPr lang="en-SG" sz="1400" b="1" dirty="0">
+                <a:solidFill>
+                  <a:srgbClr val="7030A0"/>
+                </a:solidFill>
+              </a:endParaRPr>
+            </a:p>
+          </p:txBody>
+        </p:sp>
+        <p:sp>
+          <p:nvSpPr>
+            <p:cNvPr id="60" name="Rectangle 59"/>
+            <p:cNvSpPr/>
+            <p:nvPr/>
+          </p:nvSpPr>
+          <p:spPr>
+            <a:xfrm>
+              <a:off x="647700" y="1371600"/>
+              <a:ext cx="495300" cy="152400"/>
+            </a:xfrm>
+            <a:prstGeom prst="rect">
+              <a:avLst/>
+            </a:prstGeom>
+            <a:grpFill/>
+            <a:ln>
+              <a:solidFill>
+                <a:srgbClr val="7030A0"/>
+              </a:solidFill>
+            </a:ln>
+          </p:spPr>
+          <p:style>
+            <a:lnRef idx="2">
+              <a:schemeClr val="accent1">
+                <a:shade val="50000"/>
+              </a:schemeClr>
+            </a:lnRef>
+            <a:fillRef idx="1">
+              <a:schemeClr val="accent1"/>
+            </a:fillRef>
+            <a:effectRef idx="0">
+              <a:schemeClr val="accent1"/>
+            </a:effectRef>
+            <a:fontRef idx="minor">
+              <a:schemeClr val="lt1"/>
+            </a:fontRef>
+          </p:style>
+          <p:txBody>
+            <a:bodyPr rtlCol="0" anchor="ctr"/>
+            <a:lstStyle/>
+            <a:p>
+              <a:pPr algn="ctr"/>
+              <a:endParaRPr lang="en-SG" sz="1400" b="1">
+                <a:solidFill>
+                  <a:srgbClr val="7030A0"/>
+                </a:solidFill>
+              </a:endParaRPr>
+            </a:p>
+          </p:txBody>
+        </p:sp>
+      </p:grpSp>
+      <p:cxnSp>
+        <p:nvCxnSpPr>
+          <p:cNvPr id="62" name="Straight Arrow Connector 61"/>
+          <p:cNvCxnSpPr/>
+          <p:nvPr/>
+        </p:nvCxnSpPr>
         <p:spPr>
           <a:xfrm>
-            <a:off x="2982482" y="3124200"/>
-            <a:ext cx="1256232" cy="1316053"/>
+            <a:off x="4876800" y="5410200"/>
+            <a:ext cx="0" cy="609600"/>
           </a:xfrm>
-          <a:custGeom>
+          <a:prstGeom prst="straightConnector1">
             <a:avLst/>
-            <a:gdLst>
-              <a:gd name="connsiteX0" fmla="*/ 0 w 1256232"/>
-              <a:gd name="connsiteY0" fmla="*/ 0 h 1316053"/>
-              <a:gd name="connsiteX1" fmla="*/ 264920 w 1256232"/>
-              <a:gd name="connsiteY1" fmla="*/ 0 h 1316053"/>
-              <a:gd name="connsiteX2" fmla="*/ 264920 w 1256232"/>
-              <a:gd name="connsiteY2" fmla="*/ 1316053 h 1316053"/>
-              <a:gd name="connsiteX3" fmla="*/ 1256232 w 1256232"/>
-              <a:gd name="connsiteY3" fmla="*/ 1316053 h 1316053"/>
-            </a:gdLst>
-            <a:ahLst/>
-            <a:cxnLst>
-              <a:cxn ang="0">
-                <a:pos x="connsiteX0" y="connsiteY0"/>
-              </a:cxn>
-              <a:cxn ang="0">
-                <a:pos x="connsiteX1" y="connsiteY1"/>
-              </a:cxn>
-              <a:cxn ang="0">
-                <a:pos x="connsiteX2" y="connsiteY2"/>
-              </a:cxn>
-              <a:cxn ang="0">
-                <a:pos x="connsiteX3" y="connsiteY3"/>
-              </a:cxn>
-            </a:cxnLst>
-            <a:rect l="l" t="t" r="r" b="b"/>
-            <a:pathLst>
-              <a:path w="1256232" h="1316053">
-                <a:moveTo>
-                  <a:pt x="0" y="0"/>
-                </a:moveTo>
-                <a:lnTo>
-                  <a:pt x="264920" y="0"/>
-                </a:lnTo>
-                <a:lnTo>
-                  <a:pt x="264920" y="1316053"/>
-                </a:lnTo>
-                <a:lnTo>
-                  <a:pt x="1256232" y="1316053"/>
-                </a:lnTo>
-              </a:path>
-            </a:pathLst>
-          </a:custGeom>
+          </a:prstGeom>
           <a:ln w="38100">
             <a:solidFill>
-              <a:schemeClr val="accent1"/>
+              <a:srgbClr val="7030A0"/>
             </a:solidFill>
             <a:prstDash val="sysDot"/>
-            <a:tailEnd type="arrow"/>
+            <a:headEnd type="arrow" w="med" len="med"/>
+            <a:tailEnd type="none" w="med" len="med"/>
           </a:ln>
         </p:spPr>
         <p:style>
@@ -5390,15 +5483,90 @@
             <a:schemeClr val="tx1"/>
           </a:fontRef>
         </p:style>
-        <p:txBody>
-          <a:bodyPr rtlCol="0" anchor="ctr"/>
-          <a:lstStyle/>
-          <a:p>
-            <a:pPr algn="ctr"/>
-            <a:endParaRPr lang="en-SG"/>
-          </a:p>
-        </p:txBody>
-      </p:sp>
+      </p:cxnSp>
+      <p:cxnSp>
+        <p:nvCxnSpPr>
+          <p:cNvPr id="41" name="Elbow Connector 40"/>
+          <p:cNvCxnSpPr>
+            <a:endCxn id="16" idx="3"/>
+          </p:cNvCxnSpPr>
+          <p:nvPr/>
+        </p:nvCxnSpPr>
+        <p:spPr>
+          <a:xfrm rot="5400000" flipH="1" flipV="1">
+            <a:off x="4419600" y="3276600"/>
+            <a:ext cx="1676400" cy="762000"/>
+          </a:xfrm>
+          <a:prstGeom prst="bentConnector4">
+            <a:avLst>
+              <a:gd name="adj1" fmla="val 637"/>
+              <a:gd name="adj2" fmla="val 130000"/>
+            </a:avLst>
+          </a:prstGeom>
+          <a:ln w="38100">
+            <a:solidFill>
+              <a:srgbClr val="7030A0"/>
+            </a:solidFill>
+            <a:prstDash val="sysDot"/>
+            <a:headEnd type="none" w="med" len="med"/>
+            <a:tailEnd type="arrow" w="med" len="med"/>
+          </a:ln>
+        </p:spPr>
+        <p:style>
+          <a:lnRef idx="1">
+            <a:schemeClr val="accent1"/>
+          </a:lnRef>
+          <a:fillRef idx="0">
+            <a:schemeClr val="accent1"/>
+          </a:fillRef>
+          <a:effectRef idx="0">
+            <a:schemeClr val="accent1"/>
+          </a:effectRef>
+          <a:fontRef idx="minor">
+            <a:schemeClr val="tx1"/>
+          </a:fontRef>
+        </p:style>
+      </p:cxnSp>
+      <p:cxnSp>
+        <p:nvCxnSpPr>
+          <p:cNvPr id="64" name="Straight Arrow Connector 63"/>
+          <p:cNvCxnSpPr>
+            <a:stCxn id="13" idx="1"/>
+          </p:cNvCxnSpPr>
+          <p:nvPr/>
+        </p:nvCxnSpPr>
+        <p:spPr>
+          <a:xfrm flipH="1" flipV="1">
+            <a:off x="3010968" y="3020225"/>
+            <a:ext cx="1256232" cy="865975"/>
+          </a:xfrm>
+          <a:prstGeom prst="straightConnector1">
+            <a:avLst/>
+          </a:prstGeom>
+          <a:ln w="38100">
+            <a:solidFill>
+              <a:schemeClr val="accent1"/>
+            </a:solidFill>
+            <a:prstDash val="sysDot"/>
+            <a:headEnd type="arrow" w="med" len="med"/>
+            <a:tailEnd type="none" w="med" len="med"/>
+          </a:ln>
+        </p:spPr>
+        <p:style>
+          <a:lnRef idx="1">
+            <a:schemeClr val="accent1"/>
+          </a:lnRef>
+          <a:fillRef idx="0">
+            <a:schemeClr val="accent1"/>
+          </a:fillRef>
+          <a:effectRef idx="0">
+            <a:schemeClr val="accent1"/>
+          </a:effectRef>
+          <a:fontRef idx="minor">
+            <a:schemeClr val="tx1"/>
+          </a:fontRef>
+        </p:style>
+      </p:cxnSp>
     </p:spTree>
     <p:extLst>
       <p:ext uri="{BB962C8B-B14F-4D97-AF65-F5344CB8AC3E}">

--- a/doc/diagrams/packageDiagram.pptx
+++ b/doc/diagrams/packageDiagram.pptx
@@ -3608,7 +3608,7 @@
         </p:nvGrpSpPr>
         <p:grpSpPr>
           <a:xfrm>
-            <a:off x="7239000" y="2514600"/>
+            <a:off x="7086600" y="2514600"/>
             <a:ext cx="1371600" cy="762000"/>
             <a:chOff x="-228600" y="1371600"/>
             <a:chExt cx="1371600" cy="762000"/>
@@ -3735,9 +3735,9 @@
         <p:grpSpPr>
           <a:xfrm>
             <a:off x="6858000" y="3958839"/>
-            <a:ext cx="1371600" cy="762000"/>
-            <a:chOff x="-228600" y="1371600"/>
-            <a:chExt cx="1371600" cy="762000"/>
+            <a:ext cx="1600200" cy="762000"/>
+            <a:chOff x="-457200" y="1371600"/>
+            <a:chExt cx="1600200" cy="762000"/>
           </a:xfrm>
           <a:solidFill>
             <a:schemeClr val="bg1"/>
@@ -3751,8 +3751,8 @@
           </p:nvSpPr>
           <p:spPr>
             <a:xfrm>
-              <a:off x="-228600" y="1524000"/>
-              <a:ext cx="1371600" cy="609600"/>
+              <a:off x="-457200" y="1524000"/>
+              <a:ext cx="1600200" cy="609600"/>
             </a:xfrm>
             <a:prstGeom prst="rect">
               <a:avLst/>
@@ -3791,7 +3791,7 @@
                     <a:srgbClr val="00B050"/>
                   </a:solidFill>
                 </a:rPr>
-                <a:t>storage</a:t>
+                <a:t>storage::manager</a:t>
               </a:r>
               <a:r>
                 <a:rPr lang="en-SG" sz="1400" b="1" dirty="0" smtClean="0">
@@ -5567,6 +5567,333 @@
           </a:fontRef>
         </p:style>
       </p:cxnSp>
+      <p:grpSp>
+        <p:nvGrpSpPr>
+          <p:cNvPr id="73" name="Group 72"/>
+          <p:cNvGrpSpPr/>
+          <p:nvPr/>
+        </p:nvGrpSpPr>
+        <p:grpSpPr>
+          <a:xfrm>
+            <a:off x="4343400" y="380999"/>
+            <a:ext cx="1371600" cy="762000"/>
+            <a:chOff x="-228600" y="1371600"/>
+            <a:chExt cx="1371600" cy="762000"/>
+          </a:xfrm>
+          <a:solidFill>
+            <a:schemeClr val="bg1"/>
+          </a:solidFill>
+        </p:grpSpPr>
+        <p:sp>
+          <p:nvSpPr>
+            <p:cNvPr id="74" name="Rectangle 73"/>
+            <p:cNvSpPr/>
+            <p:nvPr/>
+          </p:nvSpPr>
+          <p:spPr>
+            <a:xfrm>
+              <a:off x="-228600" y="1524000"/>
+              <a:ext cx="1371600" cy="609600"/>
+            </a:xfrm>
+            <a:prstGeom prst="rect">
+              <a:avLst/>
+            </a:prstGeom>
+            <a:grpFill/>
+            <a:ln>
+              <a:solidFill>
+                <a:schemeClr val="accent5"/>
+              </a:solidFill>
+            </a:ln>
+          </p:spPr>
+          <p:style>
+            <a:lnRef idx="2">
+              <a:schemeClr val="accent1">
+                <a:shade val="50000"/>
+              </a:schemeClr>
+            </a:lnRef>
+            <a:fillRef idx="1">
+              <a:schemeClr val="accent1"/>
+            </a:fillRef>
+            <a:effectRef idx="0">
+              <a:schemeClr val="accent1"/>
+            </a:effectRef>
+            <a:fontRef idx="minor">
+              <a:schemeClr val="lt1"/>
+            </a:fontRef>
+          </p:style>
+          <p:txBody>
+            <a:bodyPr rtlCol="0" anchor="ctr"/>
+            <a:lstStyle/>
+            <a:p>
+              <a:r>
+                <a:rPr lang="en-US" sz="1400" b="1" dirty="0" smtClean="0">
+                  <a:solidFill>
+                    <a:schemeClr val="accent5"/>
+                  </a:solidFill>
+                </a:rPr>
+                <a:t>common</a:t>
+              </a:r>
+              <a:br>
+                <a:rPr lang="en-US" sz="1400" b="1" dirty="0" smtClean="0">
+                  <a:solidFill>
+                    <a:schemeClr val="accent5"/>
+                  </a:solidFill>
+                </a:rPr>
+              </a:br>
+              <a:r>
+                <a:rPr lang="en-US" sz="1400" b="1" dirty="0" smtClean="0">
+                  <a:solidFill>
+                    <a:schemeClr val="accent5"/>
+                  </a:solidFill>
+                </a:rPr>
+                <a:t>    </a:t>
+              </a:r>
+              <a:r>
+                <a:rPr lang="en-US" sz="1400" b="1" dirty="0" smtClean="0">
+                  <a:solidFill>
+                    <a:schemeClr val="accent5"/>
+                  </a:solidFill>
+                </a:rPr>
+                <a:t>::exception</a:t>
+              </a:r>
+              <a:endParaRPr lang="en-SG" sz="1400" b="1" dirty="0">
+                <a:solidFill>
+                  <a:schemeClr val="accent5"/>
+                </a:solidFill>
+              </a:endParaRPr>
+            </a:p>
+          </p:txBody>
+        </p:sp>
+        <p:sp>
+          <p:nvSpPr>
+            <p:cNvPr id="76" name="Rectangle 75"/>
+            <p:cNvSpPr/>
+            <p:nvPr/>
+          </p:nvSpPr>
+          <p:spPr>
+            <a:xfrm>
+              <a:off x="647700" y="1371600"/>
+              <a:ext cx="495300" cy="152400"/>
+            </a:xfrm>
+            <a:prstGeom prst="rect">
+              <a:avLst/>
+            </a:prstGeom>
+            <a:grpFill/>
+            <a:ln>
+              <a:solidFill>
+                <a:schemeClr val="accent5"/>
+              </a:solidFill>
+            </a:ln>
+          </p:spPr>
+          <p:style>
+            <a:lnRef idx="2">
+              <a:schemeClr val="accent1">
+                <a:shade val="50000"/>
+              </a:schemeClr>
+            </a:lnRef>
+            <a:fillRef idx="1">
+              <a:schemeClr val="accent1"/>
+            </a:fillRef>
+            <a:effectRef idx="0">
+              <a:schemeClr val="accent1"/>
+            </a:effectRef>
+            <a:fontRef idx="minor">
+              <a:schemeClr val="lt1"/>
+            </a:fontRef>
+          </p:style>
+          <p:txBody>
+            <a:bodyPr rtlCol="0" anchor="ctr"/>
+            <a:lstStyle/>
+            <a:p>
+              <a:endParaRPr lang="en-SG" sz="1400" b="1">
+                <a:solidFill>
+                  <a:schemeClr val="accent5"/>
+                </a:solidFill>
+              </a:endParaRPr>
+            </a:p>
+          </p:txBody>
+        </p:sp>
+      </p:grpSp>
+      <p:grpSp>
+        <p:nvGrpSpPr>
+          <p:cNvPr id="77" name="Group 76"/>
+          <p:cNvGrpSpPr/>
+          <p:nvPr/>
+        </p:nvGrpSpPr>
+        <p:grpSpPr>
+          <a:xfrm>
+            <a:off x="6781800" y="5422306"/>
+            <a:ext cx="1676400" cy="762000"/>
+            <a:chOff x="-533400" y="1371600"/>
+            <a:chExt cx="1676400" cy="762000"/>
+          </a:xfrm>
+          <a:solidFill>
+            <a:schemeClr val="bg1"/>
+          </a:solidFill>
+        </p:grpSpPr>
+        <p:sp>
+          <p:nvSpPr>
+            <p:cNvPr id="78" name="Rectangle 77"/>
+            <p:cNvSpPr/>
+            <p:nvPr/>
+          </p:nvSpPr>
+          <p:spPr>
+            <a:xfrm>
+              <a:off x="-533400" y="1524000"/>
+              <a:ext cx="1676400" cy="609600"/>
+            </a:xfrm>
+            <a:prstGeom prst="rect">
+              <a:avLst/>
+            </a:prstGeom>
+            <a:grpFill/>
+            <a:ln>
+              <a:solidFill>
+                <a:srgbClr val="00B050"/>
+              </a:solidFill>
+            </a:ln>
+          </p:spPr>
+          <p:style>
+            <a:lnRef idx="2">
+              <a:schemeClr val="accent1">
+                <a:shade val="50000"/>
+              </a:schemeClr>
+            </a:lnRef>
+            <a:fillRef idx="1">
+              <a:schemeClr val="accent1"/>
+            </a:fillRef>
+            <a:effectRef idx="0">
+              <a:schemeClr val="accent1"/>
+            </a:effectRef>
+            <a:fontRef idx="minor">
+              <a:schemeClr val="lt1"/>
+            </a:fontRef>
+          </p:style>
+          <p:txBody>
+            <a:bodyPr rtlCol="0" anchor="ctr"/>
+            <a:lstStyle/>
+            <a:p>
+              <a:pPr algn="ctr"/>
+              <a:r>
+                <a:rPr lang="en-US" sz="1400" b="1" dirty="0" smtClean="0">
+                  <a:solidFill>
+                    <a:srgbClr val="00B050"/>
+                  </a:solidFill>
+                </a:rPr>
+                <a:t>storage::</a:t>
+              </a:r>
+              <a:r>
+                <a:rPr lang="en-US" sz="1400" b="1" dirty="0" err="1" smtClean="0">
+                  <a:solidFill>
+                    <a:srgbClr val="00B050"/>
+                  </a:solidFill>
+                </a:rPr>
+                <a:t>datastore</a:t>
+              </a:r>
+              <a:r>
+                <a:rPr lang="en-SG" sz="1400" b="1" dirty="0" smtClean="0">
+                  <a:solidFill>
+                    <a:srgbClr val="00B050"/>
+                  </a:solidFill>
+                </a:rPr>
+                <a:t> </a:t>
+              </a:r>
+              <a:endParaRPr lang="en-US" sz="1400" b="1" dirty="0" smtClean="0">
+                <a:solidFill>
+                  <a:srgbClr val="00B050"/>
+                </a:solidFill>
+              </a:endParaRPr>
+            </a:p>
+          </p:txBody>
+        </p:sp>
+        <p:sp>
+          <p:nvSpPr>
+            <p:cNvPr id="79" name="Rectangle 78"/>
+            <p:cNvSpPr/>
+            <p:nvPr/>
+          </p:nvSpPr>
+          <p:spPr>
+            <a:xfrm>
+              <a:off x="647700" y="1371600"/>
+              <a:ext cx="495300" cy="152400"/>
+            </a:xfrm>
+            <a:prstGeom prst="rect">
+              <a:avLst/>
+            </a:prstGeom>
+            <a:grpFill/>
+            <a:ln>
+              <a:solidFill>
+                <a:srgbClr val="00B050"/>
+              </a:solidFill>
+            </a:ln>
+          </p:spPr>
+          <p:style>
+            <a:lnRef idx="2">
+              <a:schemeClr val="accent1">
+                <a:shade val="50000"/>
+              </a:schemeClr>
+            </a:lnRef>
+            <a:fillRef idx="1">
+              <a:schemeClr val="accent1"/>
+            </a:fillRef>
+            <a:effectRef idx="0">
+              <a:schemeClr val="accent1"/>
+            </a:effectRef>
+            <a:fontRef idx="minor">
+              <a:schemeClr val="lt1"/>
+            </a:fontRef>
+          </p:style>
+          <p:txBody>
+            <a:bodyPr rtlCol="0" anchor="ctr"/>
+            <a:lstStyle/>
+            <a:p>
+              <a:pPr algn="ctr"/>
+              <a:endParaRPr lang="en-SG" sz="1400" b="1">
+                <a:solidFill>
+                  <a:srgbClr val="00B050"/>
+                </a:solidFill>
+              </a:endParaRPr>
+            </a:p>
+          </p:txBody>
+        </p:sp>
+      </p:grpSp>
+      <p:cxnSp>
+        <p:nvCxnSpPr>
+          <p:cNvPr id="80" name="Straight Arrow Connector 79"/>
+          <p:cNvCxnSpPr/>
+          <p:nvPr/>
+        </p:nvCxnSpPr>
+        <p:spPr>
+          <a:xfrm>
+            <a:off x="7620000" y="4724400"/>
+            <a:ext cx="0" cy="841403"/>
+          </a:xfrm>
+          <a:prstGeom prst="straightConnector1">
+            <a:avLst/>
+          </a:prstGeom>
+          <a:ln w="38100">
+            <a:solidFill>
+              <a:srgbClr val="00B050"/>
+            </a:solidFill>
+            <a:prstDash val="sysDot"/>
+            <a:headEnd type="none" w="med" len="med"/>
+            <a:tailEnd type="arrow" w="med" len="med"/>
+          </a:ln>
+        </p:spPr>
+        <p:style>
+          <a:lnRef idx="1">
+            <a:schemeClr val="accent1"/>
+          </a:lnRef>
+          <a:fillRef idx="0">
+            <a:schemeClr val="accent1"/>
+          </a:fillRef>
+          <a:effectRef idx="0">
+            <a:schemeClr val="accent1"/>
+          </a:effectRef>
+          <a:fontRef idx="minor">
+            <a:schemeClr val="tx1"/>
+          </a:fontRef>
+        </p:style>
+      </p:cxnSp>
     </p:spTree>
     <p:extLst>
       <p:ext uri="{BB962C8B-B14F-4D97-AF65-F5344CB8AC3E}">

--- a/doc/diagrams/packageDiagram.pptx
+++ b/doc/diagrams/packageDiagram.pptx
@@ -289,7 +289,7 @@
             <a:fld id="{1D8BD707-D9CF-40AE-B4C6-C98DA3205C09}" type="datetimeFigureOut">
               <a:rPr lang="en-US" smtClean="0"/>
               <a:pPr/>
-              <a:t>7/6/2012</a:t>
+              <a:t>7/8/2012</a:t>
             </a:fld>
             <a:endParaRPr lang="en-US"/>
           </a:p>
@@ -456,7 +456,7 @@
             <a:fld id="{1D8BD707-D9CF-40AE-B4C6-C98DA3205C09}" type="datetimeFigureOut">
               <a:rPr lang="en-US" smtClean="0"/>
               <a:pPr/>
-              <a:t>7/6/2012</a:t>
+              <a:t>7/8/2012</a:t>
             </a:fld>
             <a:endParaRPr lang="en-US"/>
           </a:p>
@@ -633,7 +633,7 @@
             <a:fld id="{1D8BD707-D9CF-40AE-B4C6-C98DA3205C09}" type="datetimeFigureOut">
               <a:rPr lang="en-US" smtClean="0"/>
               <a:pPr/>
-              <a:t>7/6/2012</a:t>
+              <a:t>7/8/2012</a:t>
             </a:fld>
             <a:endParaRPr lang="en-US"/>
           </a:p>
@@ -800,7 +800,7 @@
             <a:fld id="{1D8BD707-D9CF-40AE-B4C6-C98DA3205C09}" type="datetimeFigureOut">
               <a:rPr lang="en-US" smtClean="0"/>
               <a:pPr/>
-              <a:t>7/6/2012</a:t>
+              <a:t>7/8/2012</a:t>
             </a:fld>
             <a:endParaRPr lang="en-US"/>
           </a:p>
@@ -1043,7 +1043,7 @@
             <a:fld id="{1D8BD707-D9CF-40AE-B4C6-C98DA3205C09}" type="datetimeFigureOut">
               <a:rPr lang="en-US" smtClean="0"/>
               <a:pPr/>
-              <a:t>7/6/2012</a:t>
+              <a:t>7/8/2012</a:t>
             </a:fld>
             <a:endParaRPr lang="en-US"/>
           </a:p>
@@ -1328,7 +1328,7 @@
             <a:fld id="{1D8BD707-D9CF-40AE-B4C6-C98DA3205C09}" type="datetimeFigureOut">
               <a:rPr lang="en-US" smtClean="0"/>
               <a:pPr/>
-              <a:t>7/6/2012</a:t>
+              <a:t>7/8/2012</a:t>
             </a:fld>
             <a:endParaRPr lang="en-US"/>
           </a:p>
@@ -1747,7 +1747,7 @@
             <a:fld id="{1D8BD707-D9CF-40AE-B4C6-C98DA3205C09}" type="datetimeFigureOut">
               <a:rPr lang="en-US" smtClean="0"/>
               <a:pPr/>
-              <a:t>7/6/2012</a:t>
+              <a:t>7/8/2012</a:t>
             </a:fld>
             <a:endParaRPr lang="en-US"/>
           </a:p>
@@ -1862,7 +1862,7 @@
             <a:fld id="{1D8BD707-D9CF-40AE-B4C6-C98DA3205C09}" type="datetimeFigureOut">
               <a:rPr lang="en-US" smtClean="0"/>
               <a:pPr/>
-              <a:t>7/6/2012</a:t>
+              <a:t>7/8/2012</a:t>
             </a:fld>
             <a:endParaRPr lang="en-US"/>
           </a:p>
@@ -1954,7 +1954,7 @@
             <a:fld id="{1D8BD707-D9CF-40AE-B4C6-C98DA3205C09}" type="datetimeFigureOut">
               <a:rPr lang="en-US" smtClean="0"/>
               <a:pPr/>
-              <a:t>7/6/2012</a:t>
+              <a:t>7/8/2012</a:t>
             </a:fld>
             <a:endParaRPr lang="en-US"/>
           </a:p>
@@ -2228,7 +2228,7 @@
             <a:fld id="{1D8BD707-D9CF-40AE-B4C6-C98DA3205C09}" type="datetimeFigureOut">
               <a:rPr lang="en-US" smtClean="0"/>
               <a:pPr/>
-              <a:t>7/6/2012</a:t>
+              <a:t>7/8/2012</a:t>
             </a:fld>
             <a:endParaRPr lang="en-US"/>
           </a:p>
@@ -2478,7 +2478,7 @@
             <a:fld id="{1D8BD707-D9CF-40AE-B4C6-C98DA3205C09}" type="datetimeFigureOut">
               <a:rPr lang="en-US" smtClean="0"/>
               <a:pPr/>
-              <a:t>7/6/2012</a:t>
+              <a:t>7/8/2012</a:t>
             </a:fld>
             <a:endParaRPr lang="en-US"/>
           </a:p>
@@ -2688,7 +2688,7 @@
             <a:fld id="{1D8BD707-D9CF-40AE-B4C6-C98DA3205C09}" type="datetimeFigureOut">
               <a:rPr lang="en-US" smtClean="0"/>
               <a:pPr/>
-              <a:t>7/6/2012</a:t>
+              <a:t>7/8/2012</a:t>
             </a:fld>
             <a:endParaRPr lang="en-US"/>
           </a:p>
@@ -3067,8 +3067,8 @@
         </p:nvSpPr>
         <p:spPr>
           <a:xfrm>
-            <a:off x="381000" y="3958840"/>
-            <a:ext cx="2133600" cy="2746762"/>
+            <a:off x="381000" y="4644640"/>
+            <a:ext cx="2133600" cy="1984760"/>
           </a:xfrm>
           <a:prstGeom prst="roundRect">
             <a:avLst>
@@ -3248,7 +3248,7 @@
         <p:spPr>
           <a:xfrm>
             <a:off x="1219200" y="1905000"/>
-            <a:ext cx="1752600" cy="1752600"/>
+            <a:ext cx="1752600" cy="2514600"/>
           </a:xfrm>
           <a:prstGeom prst="roundRect">
             <a:avLst>
@@ -3366,10 +3366,10 @@
         </p:nvGrpSpPr>
         <p:grpSpPr>
           <a:xfrm>
-            <a:off x="1447800" y="2435551"/>
-            <a:ext cx="1371600" cy="762000"/>
+            <a:off x="1447800" y="3505200"/>
+            <a:ext cx="1371600" cy="609600"/>
             <a:chOff x="-228600" y="1371600"/>
-            <a:chExt cx="1371600" cy="762000"/>
+            <a:chExt cx="1371600" cy="609600"/>
           </a:xfrm>
           <a:solidFill>
             <a:schemeClr val="bg1"/>
@@ -3384,7 +3384,7 @@
           <p:spPr>
             <a:xfrm>
               <a:off x="-228600" y="1524000"/>
-              <a:ext cx="1371600" cy="609600"/>
+              <a:ext cx="1371600" cy="457200"/>
             </a:xfrm>
             <a:prstGeom prst="rect">
               <a:avLst/>
@@ -3419,6 +3419,14 @@
                   </a:solidFill>
                 </a:rPr>
                 <a:t>ui</a:t>
+              </a:r>
+              <a:r>
+                <a:rPr lang="en-US" sz="1400" b="1" dirty="0" smtClean="0">
+                  <a:solidFill>
+                    <a:schemeClr val="tx2"/>
+                  </a:solidFill>
+                </a:rPr>
+                <a:t>::operation</a:t>
               </a:r>
               <a:endParaRPr lang="en-SG" sz="1400" b="1" dirty="0">
                 <a:solidFill>
@@ -3868,7 +3876,7 @@
         </p:nvGrpSpPr>
         <p:grpSpPr>
           <a:xfrm>
-            <a:off x="838200" y="5178039"/>
+            <a:off x="762000" y="5863839"/>
             <a:ext cx="1371600" cy="536961"/>
             <a:chOff x="-228600" y="1371600"/>
             <a:chExt cx="1371600" cy="536961"/>
@@ -3998,159 +4006,13 @@
       </p:grpSp>
       <p:grpSp>
         <p:nvGrpSpPr>
-          <p:cNvPr id="27" name="Group 26"/>
-          <p:cNvGrpSpPr/>
-          <p:nvPr/>
-        </p:nvGrpSpPr>
-        <p:grpSpPr>
-          <a:xfrm>
-            <a:off x="609600" y="5983479"/>
-            <a:ext cx="1371600" cy="536961"/>
-            <a:chOff x="-228600" y="1371600"/>
-            <a:chExt cx="1371600" cy="536961"/>
-          </a:xfrm>
-          <a:solidFill>
-            <a:schemeClr val="bg1"/>
-          </a:solidFill>
-        </p:grpSpPr>
-        <p:sp>
-          <p:nvSpPr>
-            <p:cNvPr id="28" name="Rectangle 27"/>
-            <p:cNvSpPr/>
-            <p:nvPr/>
-          </p:nvSpPr>
-          <p:spPr>
-            <a:xfrm>
-              <a:off x="-228600" y="1524000"/>
-              <a:ext cx="1371600" cy="384561"/>
-            </a:xfrm>
-            <a:prstGeom prst="rect">
-              <a:avLst/>
-            </a:prstGeom>
-            <a:grpFill/>
-            <a:ln>
-              <a:solidFill>
-                <a:schemeClr val="accent2">
-                  <a:lumMod val="75000"/>
-                </a:schemeClr>
-              </a:solidFill>
-            </a:ln>
-          </p:spPr>
-          <p:style>
-            <a:lnRef idx="2">
-              <a:schemeClr val="accent1">
-                <a:shade val="50000"/>
-              </a:schemeClr>
-            </a:lnRef>
-            <a:fillRef idx="1">
-              <a:schemeClr val="accent1"/>
-            </a:fillRef>
-            <a:effectRef idx="0">
-              <a:schemeClr val="accent1"/>
-            </a:effectRef>
-            <a:fontRef idx="minor">
-              <a:schemeClr val="lt1"/>
-            </a:fontRef>
-          </p:style>
-          <p:txBody>
-            <a:bodyPr rtlCol="0" anchor="ctr"/>
-            <a:lstStyle/>
-            <a:p>
-              <a:pPr algn="ctr"/>
-              <a:r>
-                <a:rPr lang="en-US" sz="1400" b="1" dirty="0" smtClean="0">
-                  <a:solidFill>
-                    <a:schemeClr val="accent2">
-                      <a:lumMod val="75000"/>
-                    </a:schemeClr>
-                  </a:solidFill>
-                </a:rPr>
-                <a:t>test::</a:t>
-              </a:r>
-              <a:r>
-                <a:rPr lang="en-US" sz="1400" b="1" dirty="0" err="1" smtClean="0">
-                  <a:solidFill>
-                    <a:schemeClr val="accent2">
-                      <a:lumMod val="75000"/>
-                    </a:schemeClr>
-                  </a:solidFill>
-                </a:rPr>
-                <a:t>util</a:t>
-              </a:r>
-              <a:endParaRPr lang="en-SG" sz="1400" b="1" dirty="0">
-                <a:solidFill>
-                  <a:schemeClr val="accent2">
-                    <a:lumMod val="75000"/>
-                  </a:schemeClr>
-                </a:solidFill>
-              </a:endParaRPr>
-            </a:p>
-          </p:txBody>
-        </p:sp>
-        <p:sp>
-          <p:nvSpPr>
-            <p:cNvPr id="29" name="Rectangle 28"/>
-            <p:cNvSpPr/>
-            <p:nvPr/>
-          </p:nvSpPr>
-          <p:spPr>
-            <a:xfrm>
-              <a:off x="647700" y="1371600"/>
-              <a:ext cx="495300" cy="152400"/>
-            </a:xfrm>
-            <a:prstGeom prst="rect">
-              <a:avLst/>
-            </a:prstGeom>
-            <a:grpFill/>
-            <a:ln>
-              <a:solidFill>
-                <a:schemeClr val="accent2">
-                  <a:lumMod val="75000"/>
-                </a:schemeClr>
-              </a:solidFill>
-            </a:ln>
-          </p:spPr>
-          <p:style>
-            <a:lnRef idx="2">
-              <a:schemeClr val="accent1">
-                <a:shade val="50000"/>
-              </a:schemeClr>
-            </a:lnRef>
-            <a:fillRef idx="1">
-              <a:schemeClr val="accent1"/>
-            </a:fillRef>
-            <a:effectRef idx="0">
-              <a:schemeClr val="accent1"/>
-            </a:effectRef>
-            <a:fontRef idx="minor">
-              <a:schemeClr val="lt1"/>
-            </a:fontRef>
-          </p:style>
-          <p:txBody>
-            <a:bodyPr rtlCol="0" anchor="ctr"/>
-            <a:lstStyle/>
-            <a:p>
-              <a:pPr algn="ctr"/>
-              <a:endParaRPr lang="en-SG" sz="1400" b="1">
-                <a:solidFill>
-                  <a:schemeClr val="accent2">
-                    <a:lumMod val="75000"/>
-                  </a:schemeClr>
-                </a:solidFill>
-              </a:endParaRPr>
-            </a:p>
-          </p:txBody>
-        </p:sp>
-      </p:grpSp>
-      <p:grpSp>
-        <p:nvGrpSpPr>
           <p:cNvPr id="30" name="Group 29"/>
           <p:cNvGrpSpPr/>
           <p:nvPr/>
         </p:nvGrpSpPr>
         <p:grpSpPr>
           <a:xfrm>
-            <a:off x="609600" y="4312778"/>
+            <a:off x="762000" y="4998578"/>
             <a:ext cx="1371600" cy="602833"/>
             <a:chOff x="-228600" y="1371600"/>
             <a:chExt cx="1371600" cy="602833"/>
@@ -4787,7 +4649,7 @@
         <p:spPr>
           <a:xfrm>
             <a:off x="750962" y="1447802"/>
-            <a:ext cx="9969" cy="2511037"/>
+            <a:ext cx="11038" cy="3200398"/>
           </a:xfrm>
           <a:prstGeom prst="straightConnector1">
             <a:avLst/>
@@ -4858,93 +4720,13 @@
       </p:cxnSp>
       <p:cxnSp>
         <p:nvCxnSpPr>
-          <p:cNvPr id="61" name="Straight Arrow Connector 60"/>
-          <p:cNvCxnSpPr/>
-          <p:nvPr/>
-        </p:nvCxnSpPr>
-        <p:spPr>
-          <a:xfrm flipV="1">
-            <a:off x="741110" y="4953000"/>
-            <a:ext cx="0" cy="1143000"/>
-          </a:xfrm>
-          <a:prstGeom prst="straightConnector1">
-            <a:avLst/>
-          </a:prstGeom>
-          <a:ln w="38100">
-            <a:solidFill>
-              <a:schemeClr val="accent2">
-                <a:lumMod val="75000"/>
-              </a:schemeClr>
-            </a:solidFill>
-            <a:prstDash val="sysDot"/>
-            <a:headEnd type="arrow" w="med" len="med"/>
-            <a:tailEnd type="none" w="med" len="med"/>
-          </a:ln>
-        </p:spPr>
-        <p:style>
-          <a:lnRef idx="1">
-            <a:schemeClr val="accent1"/>
-          </a:lnRef>
-          <a:fillRef idx="0">
-            <a:schemeClr val="accent1"/>
-          </a:fillRef>
-          <a:effectRef idx="0">
-            <a:schemeClr val="accent1"/>
-          </a:effectRef>
-          <a:fontRef idx="minor">
-            <a:schemeClr val="tx1"/>
-          </a:fontRef>
-        </p:style>
-      </p:cxnSp>
-      <p:cxnSp>
-        <p:nvCxnSpPr>
           <p:cNvPr id="63" name="Straight Arrow Connector 62"/>
           <p:cNvCxnSpPr/>
           <p:nvPr/>
         </p:nvCxnSpPr>
         <p:spPr>
           <a:xfrm>
-            <a:off x="1066800" y="4953000"/>
-            <a:ext cx="0" cy="379221"/>
-          </a:xfrm>
-          <a:prstGeom prst="straightConnector1">
-            <a:avLst/>
-          </a:prstGeom>
-          <a:ln w="38100">
-            <a:solidFill>
-              <a:schemeClr val="accent2">
-                <a:lumMod val="75000"/>
-              </a:schemeClr>
-            </a:solidFill>
-            <a:prstDash val="sysDot"/>
-            <a:headEnd type="none" w="med" len="med"/>
-            <a:tailEnd type="arrow" w="med" len="med"/>
-          </a:ln>
-        </p:spPr>
-        <p:style>
-          <a:lnRef idx="1">
-            <a:schemeClr val="accent1"/>
-          </a:lnRef>
-          <a:fillRef idx="0">
-            <a:schemeClr val="accent1"/>
-          </a:fillRef>
-          <a:effectRef idx="0">
-            <a:schemeClr val="accent1"/>
-          </a:effectRef>
-          <a:fontRef idx="minor">
-            <a:schemeClr val="tx1"/>
-          </a:fontRef>
-        </p:style>
-      </p:cxnSp>
-      <p:cxnSp>
-        <p:nvCxnSpPr>
-          <p:cNvPr id="68" name="Straight Arrow Connector 67"/>
-          <p:cNvCxnSpPr/>
-          <p:nvPr/>
-        </p:nvCxnSpPr>
-        <p:spPr>
-          <a:xfrm>
-            <a:off x="1066800" y="5756658"/>
+            <a:off x="1219200" y="5638800"/>
             <a:ext cx="0" cy="379221"/>
           </a:xfrm>
           <a:prstGeom prst="straightConnector1">
@@ -5377,15 +5159,7 @@
                     <a:srgbClr val="7030A0"/>
                   </a:solidFill>
                 </a:rPr>
-                <a:t>logic</a:t>
-              </a:r>
-              <a:r>
-                <a:rPr lang="en-US" sz="1400" b="1" dirty="0" smtClean="0">
-                  <a:solidFill>
-                    <a:srgbClr val="7030A0"/>
-                  </a:solidFill>
-                </a:rPr>
-                <a:t>::automated</a:t>
+                <a:t>logic::automated</a:t>
               </a:r>
               <a:endParaRPr lang="en-SG" sz="1400" b="1" dirty="0">
                 <a:solidFill>
@@ -5536,9 +5310,9 @@
           <p:nvPr/>
         </p:nvCxnSpPr>
         <p:spPr>
-          <a:xfrm flipH="1" flipV="1">
-            <a:off x="3010968" y="3020225"/>
-            <a:ext cx="1256232" cy="865975"/>
+          <a:xfrm flipH="1">
+            <a:off x="2819400" y="3886200"/>
+            <a:ext cx="1447800" cy="0"/>
           </a:xfrm>
           <a:prstGeom prst="straightConnector1">
             <a:avLst/>
@@ -5646,15 +5420,7 @@
                     <a:schemeClr val="accent5"/>
                   </a:solidFill>
                 </a:rPr>
-                <a:t>    </a:t>
-              </a:r>
-              <a:r>
-                <a:rPr lang="en-US" sz="1400" b="1" dirty="0" smtClean="0">
-                  <a:solidFill>
-                    <a:schemeClr val="accent5"/>
-                  </a:solidFill>
-                </a:rPr>
-                <a:t>::exception</a:t>
+                <a:t>    ::exception</a:t>
               </a:r>
               <a:endParaRPr lang="en-SG" sz="1400" b="1" dirty="0">
                 <a:solidFill>
@@ -5894,10 +5660,175 @@
           </a:fontRef>
         </p:style>
       </p:cxnSp>
+      <p:grpSp>
+        <p:nvGrpSpPr>
+          <p:cNvPr id="84" name="Group 83"/>
+          <p:cNvGrpSpPr/>
+          <p:nvPr/>
+        </p:nvGrpSpPr>
+        <p:grpSpPr>
+          <a:xfrm>
+            <a:off x="1447800" y="2286000"/>
+            <a:ext cx="1371600" cy="609600"/>
+            <a:chOff x="-228600" y="1371600"/>
+            <a:chExt cx="1371600" cy="609600"/>
+          </a:xfrm>
+          <a:solidFill>
+            <a:schemeClr val="bg1"/>
+          </a:solidFill>
+        </p:grpSpPr>
+        <p:sp>
+          <p:nvSpPr>
+            <p:cNvPr id="85" name="Rectangle 84"/>
+            <p:cNvSpPr/>
+            <p:nvPr/>
+          </p:nvSpPr>
+          <p:spPr>
+            <a:xfrm>
+              <a:off x="-228600" y="1524000"/>
+              <a:ext cx="1371600" cy="457200"/>
+            </a:xfrm>
+            <a:prstGeom prst="rect">
+              <a:avLst/>
+            </a:prstGeom>
+            <a:grpFill/>
+          </p:spPr>
+          <p:style>
+            <a:lnRef idx="2">
+              <a:schemeClr val="accent1">
+                <a:shade val="50000"/>
+              </a:schemeClr>
+            </a:lnRef>
+            <a:fillRef idx="1">
+              <a:schemeClr val="accent1"/>
+            </a:fillRef>
+            <a:effectRef idx="0">
+              <a:schemeClr val="accent1"/>
+            </a:effectRef>
+            <a:fontRef idx="minor">
+              <a:schemeClr val="lt1"/>
+            </a:fontRef>
+          </p:style>
+          <p:txBody>
+            <a:bodyPr rtlCol="0" anchor="ctr"/>
+            <a:lstStyle/>
+            <a:p>
+              <a:pPr algn="ctr"/>
+              <a:r>
+                <a:rPr lang="en-US" sz="1400" b="1" dirty="0" err="1" smtClean="0">
+                  <a:solidFill>
+                    <a:schemeClr val="tx2"/>
+                  </a:solidFill>
+                </a:rPr>
+                <a:t>ui</a:t>
+              </a:r>
+              <a:r>
+                <a:rPr lang="en-US" sz="1400" b="1" dirty="0" smtClean="0">
+                  <a:solidFill>
+                    <a:schemeClr val="tx2"/>
+                  </a:solidFill>
+                </a:rPr>
+                <a:t>::page</a:t>
+              </a:r>
+              <a:endParaRPr lang="en-SG" sz="1400" b="1" dirty="0">
+                <a:solidFill>
+                  <a:schemeClr val="tx2"/>
+                </a:solidFill>
+              </a:endParaRPr>
+            </a:p>
+          </p:txBody>
+        </p:sp>
+        <p:sp>
+          <p:nvSpPr>
+            <p:cNvPr id="86" name="Rectangle 85"/>
+            <p:cNvSpPr/>
+            <p:nvPr/>
+          </p:nvSpPr>
+          <p:spPr>
+            <a:xfrm>
+              <a:off x="647700" y="1371600"/>
+              <a:ext cx="495300" cy="152400"/>
+            </a:xfrm>
+            <a:prstGeom prst="rect">
+              <a:avLst/>
+            </a:prstGeom>
+            <a:grpFill/>
+          </p:spPr>
+          <p:style>
+            <a:lnRef idx="2">
+              <a:schemeClr val="accent1">
+                <a:shade val="50000"/>
+              </a:schemeClr>
+            </a:lnRef>
+            <a:fillRef idx="1">
+              <a:schemeClr val="accent1"/>
+            </a:fillRef>
+            <a:effectRef idx="0">
+              <a:schemeClr val="accent1"/>
+            </a:effectRef>
+            <a:fontRef idx="minor">
+              <a:schemeClr val="lt1"/>
+            </a:fontRef>
+          </p:style>
+          <p:txBody>
+            <a:bodyPr rtlCol="0" anchor="ctr"/>
+            <a:lstStyle/>
+            <a:p>
+              <a:pPr algn="ctr"/>
+              <a:endParaRPr lang="en-SG" sz="1400" b="1">
+                <a:solidFill>
+                  <a:schemeClr val="tx2"/>
+                </a:solidFill>
+              </a:endParaRPr>
+            </a:p>
+          </p:txBody>
+        </p:sp>
+      </p:grpSp>
+      <p:cxnSp>
+        <p:nvCxnSpPr>
+          <p:cNvPr id="87" name="Straight Arrow Connector 86"/>
+          <p:cNvCxnSpPr>
+            <a:stCxn id="9" idx="0"/>
+            <a:endCxn id="85" idx="2"/>
+          </p:cNvCxnSpPr>
+          <p:nvPr/>
+        </p:nvCxnSpPr>
+        <p:spPr>
+          <a:xfrm flipV="1">
+            <a:off x="2133600" y="2895600"/>
+            <a:ext cx="0" cy="762000"/>
+          </a:xfrm>
+          <a:prstGeom prst="straightConnector1">
+            <a:avLst/>
+          </a:prstGeom>
+          <a:ln w="38100">
+            <a:solidFill>
+              <a:schemeClr val="accent1"/>
+            </a:solidFill>
+            <a:prstDash val="sysDot"/>
+            <a:headEnd type="arrow" w="med" len="med"/>
+            <a:tailEnd type="none" w="med" len="med"/>
+          </a:ln>
+        </p:spPr>
+        <p:style>
+          <a:lnRef idx="1">
+            <a:schemeClr val="accent1"/>
+          </a:lnRef>
+          <a:fillRef idx="0">
+            <a:schemeClr val="accent1"/>
+          </a:fillRef>
+          <a:effectRef idx="0">
+            <a:schemeClr val="accent1"/>
+          </a:effectRef>
+          <a:fontRef idx="minor">
+            <a:schemeClr val="tx1"/>
+          </a:fontRef>
+        </p:style>
+      </p:cxnSp>
     </p:spTree>
     <p:extLst>
       <p:ext uri="{BB962C8B-B14F-4D97-AF65-F5344CB8AC3E}">
-        <p14:creationId xmlns:p14="http://schemas.microsoft.com/office/powerpoint/2010/main" val="2312643091"/>
+        <p14:creationId xmlns:p14="http://schemas.microsoft.com/office/powerpoint/2010/main" xmlns="" val="2312643091"/>
       </p:ext>
     </p:extLst>
   </p:cSld>

--- a/doc/diagrams/packageDiagram.pptx
+++ b/doc/diagrams/packageDiagram.pptx
@@ -3426,7 +3426,7 @@
                     <a:schemeClr val="tx2"/>
                   </a:solidFill>
                 </a:rPr>
-                <a:t>::operation</a:t>
+                <a:t>::controller</a:t>
               </a:r>
               <a:endParaRPr lang="en-SG" sz="1400" b="1" dirty="0">
                 <a:solidFill>
@@ -5728,7 +5728,7 @@
                     <a:schemeClr val="tx2"/>
                   </a:solidFill>
                 </a:rPr>
-                <a:t>::page</a:t>
+                <a:t>::view</a:t>
               </a:r>
               <a:endParaRPr lang="en-SG" sz="1400" b="1" dirty="0">
                 <a:solidFill>

--- a/doc/diagrams/packageDiagram.pptx
+++ b/doc/diagrams/packageDiagram.pptx
@@ -289,7 +289,7 @@
             <a:fld id="{1D8BD707-D9CF-40AE-B4C6-C98DA3205C09}" type="datetimeFigureOut">
               <a:rPr lang="en-US" smtClean="0"/>
               <a:pPr/>
-              <a:t>7/8/2012</a:t>
+              <a:t>7/12/2012</a:t>
             </a:fld>
             <a:endParaRPr lang="en-US"/>
           </a:p>
@@ -456,7 +456,7 @@
             <a:fld id="{1D8BD707-D9CF-40AE-B4C6-C98DA3205C09}" type="datetimeFigureOut">
               <a:rPr lang="en-US" smtClean="0"/>
               <a:pPr/>
-              <a:t>7/8/2012</a:t>
+              <a:t>7/12/2012</a:t>
             </a:fld>
             <a:endParaRPr lang="en-US"/>
           </a:p>
@@ -633,7 +633,7 @@
             <a:fld id="{1D8BD707-D9CF-40AE-B4C6-C98DA3205C09}" type="datetimeFigureOut">
               <a:rPr lang="en-US" smtClean="0"/>
               <a:pPr/>
-              <a:t>7/8/2012</a:t>
+              <a:t>7/12/2012</a:t>
             </a:fld>
             <a:endParaRPr lang="en-US"/>
           </a:p>
@@ -800,7 +800,7 @@
             <a:fld id="{1D8BD707-D9CF-40AE-B4C6-C98DA3205C09}" type="datetimeFigureOut">
               <a:rPr lang="en-US" smtClean="0"/>
               <a:pPr/>
-              <a:t>7/8/2012</a:t>
+              <a:t>7/12/2012</a:t>
             </a:fld>
             <a:endParaRPr lang="en-US"/>
           </a:p>
@@ -1043,7 +1043,7 @@
             <a:fld id="{1D8BD707-D9CF-40AE-B4C6-C98DA3205C09}" type="datetimeFigureOut">
               <a:rPr lang="en-US" smtClean="0"/>
               <a:pPr/>
-              <a:t>7/8/2012</a:t>
+              <a:t>7/12/2012</a:t>
             </a:fld>
             <a:endParaRPr lang="en-US"/>
           </a:p>
@@ -1328,7 +1328,7 @@
             <a:fld id="{1D8BD707-D9CF-40AE-B4C6-C98DA3205C09}" type="datetimeFigureOut">
               <a:rPr lang="en-US" smtClean="0"/>
               <a:pPr/>
-              <a:t>7/8/2012</a:t>
+              <a:t>7/12/2012</a:t>
             </a:fld>
             <a:endParaRPr lang="en-US"/>
           </a:p>
@@ -1747,7 +1747,7 @@
             <a:fld id="{1D8BD707-D9CF-40AE-B4C6-C98DA3205C09}" type="datetimeFigureOut">
               <a:rPr lang="en-US" smtClean="0"/>
               <a:pPr/>
-              <a:t>7/8/2012</a:t>
+              <a:t>7/12/2012</a:t>
             </a:fld>
             <a:endParaRPr lang="en-US"/>
           </a:p>
@@ -1862,7 +1862,7 @@
             <a:fld id="{1D8BD707-D9CF-40AE-B4C6-C98DA3205C09}" type="datetimeFigureOut">
               <a:rPr lang="en-US" smtClean="0"/>
               <a:pPr/>
-              <a:t>7/8/2012</a:t>
+              <a:t>7/12/2012</a:t>
             </a:fld>
             <a:endParaRPr lang="en-US"/>
           </a:p>
@@ -1954,7 +1954,7 @@
             <a:fld id="{1D8BD707-D9CF-40AE-B4C6-C98DA3205C09}" type="datetimeFigureOut">
               <a:rPr lang="en-US" smtClean="0"/>
               <a:pPr/>
-              <a:t>7/8/2012</a:t>
+              <a:t>7/12/2012</a:t>
             </a:fld>
             <a:endParaRPr lang="en-US"/>
           </a:p>
@@ -2228,7 +2228,7 @@
             <a:fld id="{1D8BD707-D9CF-40AE-B4C6-C98DA3205C09}" type="datetimeFigureOut">
               <a:rPr lang="en-US" smtClean="0"/>
               <a:pPr/>
-              <a:t>7/8/2012</a:t>
+              <a:t>7/12/2012</a:t>
             </a:fld>
             <a:endParaRPr lang="en-US"/>
           </a:p>
@@ -2478,7 +2478,7 @@
             <a:fld id="{1D8BD707-D9CF-40AE-B4C6-C98DA3205C09}" type="datetimeFigureOut">
               <a:rPr lang="en-US" smtClean="0"/>
               <a:pPr/>
-              <a:t>7/8/2012</a:t>
+              <a:t>7/12/2012</a:t>
             </a:fld>
             <a:endParaRPr lang="en-US"/>
           </a:p>
@@ -2688,7 +2688,7 @@
             <a:fld id="{1D8BD707-D9CF-40AE-B4C6-C98DA3205C09}" type="datetimeFigureOut">
               <a:rPr lang="en-US" smtClean="0"/>
               <a:pPr/>
-              <a:t>7/8/2012</a:t>
+              <a:t>7/12/2012</a:t>
             </a:fld>
             <a:endParaRPr lang="en-US"/>
           </a:p>
@@ -3616,10 +3616,10 @@
         </p:nvGrpSpPr>
         <p:grpSpPr>
           <a:xfrm>
-            <a:off x="7086600" y="2514600"/>
-            <a:ext cx="1371600" cy="762000"/>
-            <a:chOff x="-228600" y="1371600"/>
-            <a:chExt cx="1371600" cy="762000"/>
+            <a:off x="6858000" y="2514600"/>
+            <a:ext cx="1600200" cy="762000"/>
+            <a:chOff x="-457200" y="1371600"/>
+            <a:chExt cx="1600200" cy="762000"/>
           </a:xfrm>
           <a:solidFill>
             <a:schemeClr val="bg1"/>
@@ -3633,8 +3633,8 @@
           </p:nvSpPr>
           <p:spPr>
             <a:xfrm>
-              <a:off x="-228600" y="1524000"/>
-              <a:ext cx="1371600" cy="609600"/>
+              <a:off x="-457200" y="1524000"/>
+              <a:ext cx="1600200" cy="609600"/>
             </a:xfrm>
             <a:prstGeom prst="rect">
               <a:avLst/>
@@ -3799,7 +3799,23 @@
                     <a:srgbClr val="00B050"/>
                   </a:solidFill>
                 </a:rPr>
-                <a:t>storage::manager</a:t>
+                <a:t>storage</a:t>
+              </a:r>
+              <a:r>
+                <a:rPr lang="en-US" sz="1400" b="1" dirty="0" smtClean="0">
+                  <a:solidFill>
+                    <a:srgbClr val="00B050"/>
+                  </a:solidFill>
+                </a:rPr>
+                <a:t>::</a:t>
+              </a:r>
+              <a:r>
+                <a:rPr lang="en-US" sz="1400" b="1" dirty="0" err="1" smtClean="0">
+                  <a:solidFill>
+                    <a:srgbClr val="00B050"/>
+                  </a:solidFill>
+                </a:rPr>
+                <a:t>api</a:t>
               </a:r>
               <a:r>
                 <a:rPr lang="en-SG" sz="1400" b="1" dirty="0" smtClean="0">
@@ -5787,15 +5803,12 @@
       <p:cxnSp>
         <p:nvCxnSpPr>
           <p:cNvPr id="87" name="Straight Arrow Connector 86"/>
-          <p:cNvCxnSpPr>
-            <a:stCxn id="9" idx="0"/>
-            <a:endCxn id="85" idx="2"/>
-          </p:cNvCxnSpPr>
+          <p:cNvCxnSpPr/>
           <p:nvPr/>
         </p:nvCxnSpPr>
         <p:spPr>
           <a:xfrm flipV="1">
-            <a:off x="2133600" y="2895600"/>
+            <a:off x="2057400" y="2895600"/>
             <a:ext cx="0" cy="762000"/>
           </a:xfrm>
           <a:prstGeom prst="straightConnector1">
@@ -5828,7 +5841,7 @@
     </p:spTree>
     <p:extLst>
       <p:ext uri="{BB962C8B-B14F-4D97-AF65-F5344CB8AC3E}">
-        <p14:creationId xmlns:p14="http://schemas.microsoft.com/office/powerpoint/2010/main" xmlns="" val="2312643091"/>
+        <p14:creationId xmlns:p14="http://schemas.microsoft.com/office/powerpoint/2010/main" val="2312643091"/>
       </p:ext>
     </p:extLst>
   </p:cSld>

--- a/doc/diagrams/packageDiagram.pptx
+++ b/doc/diagrams/packageDiagram.pptx
@@ -289,7 +289,7 @@
             <a:fld id="{1D8BD707-D9CF-40AE-B4C6-C98DA3205C09}" type="datetimeFigureOut">
               <a:rPr lang="en-US" smtClean="0"/>
               <a:pPr/>
-              <a:t>7/12/2012</a:t>
+              <a:t>14/8/12</a:t>
             </a:fld>
             <a:endParaRPr lang="en-US"/>
           </a:p>
@@ -456,7 +456,7 @@
             <a:fld id="{1D8BD707-D9CF-40AE-B4C6-C98DA3205C09}" type="datetimeFigureOut">
               <a:rPr lang="en-US" smtClean="0"/>
               <a:pPr/>
-              <a:t>7/12/2012</a:t>
+              <a:t>14/8/12</a:t>
             </a:fld>
             <a:endParaRPr lang="en-US"/>
           </a:p>
@@ -633,7 +633,7 @@
             <a:fld id="{1D8BD707-D9CF-40AE-B4C6-C98DA3205C09}" type="datetimeFigureOut">
               <a:rPr lang="en-US" smtClean="0"/>
               <a:pPr/>
-              <a:t>7/12/2012</a:t>
+              <a:t>14/8/12</a:t>
             </a:fld>
             <a:endParaRPr lang="en-US"/>
           </a:p>
@@ -800,7 +800,7 @@
             <a:fld id="{1D8BD707-D9CF-40AE-B4C6-C98DA3205C09}" type="datetimeFigureOut">
               <a:rPr lang="en-US" smtClean="0"/>
               <a:pPr/>
-              <a:t>7/12/2012</a:t>
+              <a:t>14/8/12</a:t>
             </a:fld>
             <a:endParaRPr lang="en-US"/>
           </a:p>
@@ -1043,7 +1043,7 @@
             <a:fld id="{1D8BD707-D9CF-40AE-B4C6-C98DA3205C09}" type="datetimeFigureOut">
               <a:rPr lang="en-US" smtClean="0"/>
               <a:pPr/>
-              <a:t>7/12/2012</a:t>
+              <a:t>14/8/12</a:t>
             </a:fld>
             <a:endParaRPr lang="en-US"/>
           </a:p>
@@ -1328,7 +1328,7 @@
             <a:fld id="{1D8BD707-D9CF-40AE-B4C6-C98DA3205C09}" type="datetimeFigureOut">
               <a:rPr lang="en-US" smtClean="0"/>
               <a:pPr/>
-              <a:t>7/12/2012</a:t>
+              <a:t>14/8/12</a:t>
             </a:fld>
             <a:endParaRPr lang="en-US"/>
           </a:p>
@@ -1747,7 +1747,7 @@
             <a:fld id="{1D8BD707-D9CF-40AE-B4C6-C98DA3205C09}" type="datetimeFigureOut">
               <a:rPr lang="en-US" smtClean="0"/>
               <a:pPr/>
-              <a:t>7/12/2012</a:t>
+              <a:t>14/8/12</a:t>
             </a:fld>
             <a:endParaRPr lang="en-US"/>
           </a:p>
@@ -1862,7 +1862,7 @@
             <a:fld id="{1D8BD707-D9CF-40AE-B4C6-C98DA3205C09}" type="datetimeFigureOut">
               <a:rPr lang="en-US" smtClean="0"/>
               <a:pPr/>
-              <a:t>7/12/2012</a:t>
+              <a:t>14/8/12</a:t>
             </a:fld>
             <a:endParaRPr lang="en-US"/>
           </a:p>
@@ -1954,7 +1954,7 @@
             <a:fld id="{1D8BD707-D9CF-40AE-B4C6-C98DA3205C09}" type="datetimeFigureOut">
               <a:rPr lang="en-US" smtClean="0"/>
               <a:pPr/>
-              <a:t>7/12/2012</a:t>
+              <a:t>14/8/12</a:t>
             </a:fld>
             <a:endParaRPr lang="en-US"/>
           </a:p>
@@ -2228,7 +2228,7 @@
             <a:fld id="{1D8BD707-D9CF-40AE-B4C6-C98DA3205C09}" type="datetimeFigureOut">
               <a:rPr lang="en-US" smtClean="0"/>
               <a:pPr/>
-              <a:t>7/12/2012</a:t>
+              <a:t>14/8/12</a:t>
             </a:fld>
             <a:endParaRPr lang="en-US"/>
           </a:p>
@@ -2478,7 +2478,7 @@
             <a:fld id="{1D8BD707-D9CF-40AE-B4C6-C98DA3205C09}" type="datetimeFigureOut">
               <a:rPr lang="en-US" smtClean="0"/>
               <a:pPr/>
-              <a:t>7/12/2012</a:t>
+              <a:t>14/8/12</a:t>
             </a:fld>
             <a:endParaRPr lang="en-US"/>
           </a:p>
@@ -2688,7 +2688,7 @@
             <a:fld id="{1D8BD707-D9CF-40AE-B4C6-C98DA3205C09}" type="datetimeFigureOut">
               <a:rPr lang="en-US" smtClean="0"/>
               <a:pPr/>
-              <a:t>7/12/2012</a:t>
+              <a:t>14/8/12</a:t>
             </a:fld>
             <a:endParaRPr lang="en-US"/>
           </a:p>
@@ -3799,15 +3799,7 @@
                     <a:srgbClr val="00B050"/>
                   </a:solidFill>
                 </a:rPr>
-                <a:t>storage</a:t>
-              </a:r>
-              <a:r>
-                <a:rPr lang="en-US" sz="1400" b="1" dirty="0" smtClean="0">
-                  <a:solidFill>
-                    <a:srgbClr val="00B050"/>
-                  </a:solidFill>
-                </a:rPr>
-                <a:t>::</a:t>
+                <a:t>storage::</a:t>
               </a:r>
               <a:r>
                 <a:rPr lang="en-US" sz="1400" b="1" dirty="0" err="1" smtClean="0">
@@ -4164,7 +4156,7 @@
         </p:nvGrpSpPr>
         <p:grpSpPr>
           <a:xfrm>
-            <a:off x="6705600" y="430849"/>
+            <a:off x="6934200" y="381000"/>
             <a:ext cx="1371600" cy="762000"/>
             <a:chOff x="-228600" y="1371600"/>
             <a:chExt cx="1371600" cy="762000"/>
@@ -4215,12 +4207,28 @@
             <a:lstStyle/>
             <a:p>
               <a:r>
+                <a:rPr lang="en-US" sz="1400" b="1" dirty="0">
+                  <a:solidFill>
+                    <a:schemeClr val="accent5"/>
+                  </a:solidFill>
+                </a:rPr>
+                <a:t>C</a:t>
+              </a:r>
+              <a:r>
+                <a:rPr lang="en-US" sz="1400" b="1" smtClean="0">
+                  <a:solidFill>
+                    <a:schemeClr val="accent5"/>
+                  </a:solidFill>
+                </a:rPr>
+                <a:t>ommon</a:t>
+              </a:r>
+              <a:r>
                 <a:rPr lang="en-US" sz="1400" b="1" dirty="0" smtClean="0">
                   <a:solidFill>
                     <a:schemeClr val="accent5"/>
                   </a:solidFill>
                 </a:rPr>
-                <a:t>common</a:t>
+                <a:t/>
               </a:r>
               <a:br>
                 <a:rPr lang="en-US" sz="1400" b="1" dirty="0" smtClean="0">
@@ -4311,9 +4319,9 @@
         </p:nvGrpSpPr>
         <p:grpSpPr>
           <a:xfrm>
-            <a:off x="1981200" y="380999"/>
+            <a:off x="1905000" y="380999"/>
             <a:ext cx="1371600" cy="762000"/>
-            <a:chOff x="-228600" y="1371600"/>
+            <a:chOff x="-304800" y="1371600"/>
             <a:chExt cx="1371600" cy="762000"/>
           </a:xfrm>
           <a:solidFill>
@@ -4328,7 +4336,7 @@
           </p:nvSpPr>
           <p:spPr>
             <a:xfrm>
-              <a:off x="-228600" y="1524000"/>
+              <a:off x="-304800" y="1524000"/>
               <a:ext cx="1371600" cy="609600"/>
             </a:xfrm>
             <a:prstGeom prst="rect">
@@ -4363,12 +4371,12 @@
             <a:p>
               <a:pPr algn="ctr"/>
               <a:r>
-                <a:rPr lang="en-US" sz="1400" b="1" dirty="0" smtClean="0">
+                <a:rPr lang="en-US" sz="1400" b="1" dirty="0" err="1" smtClean="0">
                   <a:solidFill>
                     <a:schemeClr val="accent5"/>
                   </a:solidFill>
                 </a:rPr>
-                <a:t>common</a:t>
+                <a:t>BuildProperties</a:t>
               </a:r>
               <a:endParaRPr lang="en-SG" sz="1400" b="1" dirty="0">
                 <a:solidFill>
@@ -4386,7 +4394,7 @@
           </p:nvSpPr>
           <p:spPr>
             <a:xfrm>
-              <a:off x="647700" y="1371600"/>
+              <a:off x="571500" y="1371600"/>
               <a:ext cx="495300" cy="152400"/>
             </a:xfrm>
             <a:prstGeom prst="rect">
@@ -5365,7 +5373,7 @@
         </p:nvGrpSpPr>
         <p:grpSpPr>
           <a:xfrm>
-            <a:off x="4343400" y="380999"/>
+            <a:off x="5257800" y="380999"/>
             <a:ext cx="1371600" cy="762000"/>
             <a:chOff x="-228600" y="1371600"/>
             <a:chExt cx="1371600" cy="762000"/>
@@ -5416,12 +5424,28 @@
             <a:lstStyle/>
             <a:p>
               <a:r>
+                <a:rPr lang="en-US" sz="1400" b="1" dirty="0">
+                  <a:solidFill>
+                    <a:schemeClr val="accent5"/>
+                  </a:solidFill>
+                </a:rPr>
+                <a:t>C</a:t>
+              </a:r>
+              <a:r>
                 <a:rPr lang="en-US" sz="1400" b="1" dirty="0" smtClean="0">
                   <a:solidFill>
                     <a:schemeClr val="accent5"/>
                   </a:solidFill>
                 </a:rPr>
-                <a:t>common</a:t>
+                <a:t>ommon</a:t>
+              </a:r>
+              <a:r>
+                <a:rPr lang="en-US" sz="1400" b="1" dirty="0" smtClean="0">
+                  <a:solidFill>
+                    <a:schemeClr val="accent5"/>
+                  </a:solidFill>
+                </a:rPr>
+                <a:t/>
               </a:r>
               <a:br>
                 <a:rPr lang="en-US" sz="1400" b="1" dirty="0" smtClean="0">
@@ -5838,6 +5862,140 @@
           </a:fontRef>
         </p:style>
       </p:cxnSp>
+      <p:grpSp>
+        <p:nvGrpSpPr>
+          <p:cNvPr id="65" name="Group 64"/>
+          <p:cNvGrpSpPr/>
+          <p:nvPr/>
+        </p:nvGrpSpPr>
+        <p:grpSpPr>
+          <a:xfrm>
+            <a:off x="3581400" y="381000"/>
+            <a:ext cx="1371600" cy="762000"/>
+            <a:chOff x="-228600" y="1371600"/>
+            <a:chExt cx="1371600" cy="762000"/>
+          </a:xfrm>
+          <a:solidFill>
+            <a:schemeClr val="bg1"/>
+          </a:solidFill>
+        </p:grpSpPr>
+        <p:sp>
+          <p:nvSpPr>
+            <p:cNvPr id="66" name="Rectangle 65"/>
+            <p:cNvSpPr/>
+            <p:nvPr/>
+          </p:nvSpPr>
+          <p:spPr>
+            <a:xfrm>
+              <a:off x="-228600" y="1524000"/>
+              <a:ext cx="1371600" cy="609600"/>
+            </a:xfrm>
+            <a:prstGeom prst="rect">
+              <a:avLst/>
+            </a:prstGeom>
+            <a:grpFill/>
+            <a:ln>
+              <a:solidFill>
+                <a:schemeClr val="accent5"/>
+              </a:solidFill>
+            </a:ln>
+          </p:spPr>
+          <p:style>
+            <a:lnRef idx="2">
+              <a:schemeClr val="accent1">
+                <a:shade val="50000"/>
+              </a:schemeClr>
+            </a:lnRef>
+            <a:fillRef idx="1">
+              <a:schemeClr val="accent1"/>
+            </a:fillRef>
+            <a:effectRef idx="0">
+              <a:schemeClr val="accent1"/>
+            </a:effectRef>
+            <a:fontRef idx="minor">
+              <a:schemeClr val="lt1"/>
+            </a:fontRef>
+          </p:style>
+          <p:txBody>
+            <a:bodyPr rtlCol="0" anchor="ctr"/>
+            <a:lstStyle/>
+            <a:p>
+              <a:pPr algn="ctr"/>
+              <a:r>
+                <a:rPr lang="en-US" sz="1400" b="1" dirty="0">
+                  <a:solidFill>
+                    <a:schemeClr val="accent5"/>
+                  </a:solidFill>
+                </a:rPr>
+                <a:t>C</a:t>
+              </a:r>
+              <a:r>
+                <a:rPr lang="en-US" sz="1400" b="1" dirty="0" smtClean="0">
+                  <a:solidFill>
+                    <a:schemeClr val="accent5"/>
+                  </a:solidFill>
+                </a:rPr>
+                <a:t>ommon</a:t>
+              </a:r>
+              <a:endParaRPr lang="en-SG" sz="1400" b="1" dirty="0">
+                <a:solidFill>
+                  <a:schemeClr val="accent5"/>
+                </a:solidFill>
+              </a:endParaRPr>
+            </a:p>
+          </p:txBody>
+        </p:sp>
+        <p:sp>
+          <p:nvSpPr>
+            <p:cNvPr id="67" name="Rectangle 66"/>
+            <p:cNvSpPr/>
+            <p:nvPr/>
+          </p:nvSpPr>
+          <p:spPr>
+            <a:xfrm>
+              <a:off x="647700" y="1371600"/>
+              <a:ext cx="495300" cy="152400"/>
+            </a:xfrm>
+            <a:prstGeom prst="rect">
+              <a:avLst/>
+            </a:prstGeom>
+            <a:grpFill/>
+            <a:ln>
+              <a:solidFill>
+                <a:schemeClr val="accent5"/>
+              </a:solidFill>
+            </a:ln>
+          </p:spPr>
+          <p:style>
+            <a:lnRef idx="2">
+              <a:schemeClr val="accent1">
+                <a:shade val="50000"/>
+              </a:schemeClr>
+            </a:lnRef>
+            <a:fillRef idx="1">
+              <a:schemeClr val="accent1"/>
+            </a:fillRef>
+            <a:effectRef idx="0">
+              <a:schemeClr val="accent1"/>
+            </a:effectRef>
+            <a:fontRef idx="minor">
+              <a:schemeClr val="lt1"/>
+            </a:fontRef>
+          </p:style>
+          <p:txBody>
+            <a:bodyPr rtlCol="0" anchor="ctr"/>
+            <a:lstStyle/>
+            <a:p>
+              <a:pPr algn="ctr"/>
+              <a:endParaRPr lang="en-SG" sz="1400" b="1">
+                <a:solidFill>
+                  <a:schemeClr val="accent5"/>
+                </a:solidFill>
+              </a:endParaRPr>
+            </a:p>
+          </p:txBody>
+        </p:sp>
+      </p:grpSp>
     </p:spTree>
     <p:extLst>
       <p:ext uri="{BB962C8B-B14F-4D97-AF65-F5344CB8AC3E}">
@@ -5851,7 +6009,7 @@
   <p:timing>
     <p:tnLst>
       <p:par>
-        <p:cTn id="1" dur="indefinite" restart="never" nodeType="tmRoot"/>
+        <p:cTn xmlns:p14="http://schemas.microsoft.com/office/powerpoint/2010/main" id="1" dur="indefinite" restart="never" nodeType="tmRoot"/>
       </p:par>
     </p:tnLst>
   </p:timing>

--- a/doc/diagrams/packageDiagram.pptx
+++ b/doc/diagrams/packageDiagram.pptx
@@ -289,7 +289,7 @@
             <a:fld id="{1D8BD707-D9CF-40AE-B4C6-C98DA3205C09}" type="datetimeFigureOut">
               <a:rPr lang="en-US" smtClean="0"/>
               <a:pPr/>
-              <a:t>14/8/12</a:t>
+              <a:t>7/12/2012</a:t>
             </a:fld>
             <a:endParaRPr lang="en-US"/>
           </a:p>
@@ -456,7 +456,7 @@
             <a:fld id="{1D8BD707-D9CF-40AE-B4C6-C98DA3205C09}" type="datetimeFigureOut">
               <a:rPr lang="en-US" smtClean="0"/>
               <a:pPr/>
-              <a:t>14/8/12</a:t>
+              <a:t>7/12/2012</a:t>
             </a:fld>
             <a:endParaRPr lang="en-US"/>
           </a:p>
@@ -633,7 +633,7 @@
             <a:fld id="{1D8BD707-D9CF-40AE-B4C6-C98DA3205C09}" type="datetimeFigureOut">
               <a:rPr lang="en-US" smtClean="0"/>
               <a:pPr/>
-              <a:t>14/8/12</a:t>
+              <a:t>7/12/2012</a:t>
             </a:fld>
             <a:endParaRPr lang="en-US"/>
           </a:p>
@@ -800,7 +800,7 @@
             <a:fld id="{1D8BD707-D9CF-40AE-B4C6-C98DA3205C09}" type="datetimeFigureOut">
               <a:rPr lang="en-US" smtClean="0"/>
               <a:pPr/>
-              <a:t>14/8/12</a:t>
+              <a:t>7/12/2012</a:t>
             </a:fld>
             <a:endParaRPr lang="en-US"/>
           </a:p>
@@ -1043,7 +1043,7 @@
             <a:fld id="{1D8BD707-D9CF-40AE-B4C6-C98DA3205C09}" type="datetimeFigureOut">
               <a:rPr lang="en-US" smtClean="0"/>
               <a:pPr/>
-              <a:t>14/8/12</a:t>
+              <a:t>7/12/2012</a:t>
             </a:fld>
             <a:endParaRPr lang="en-US"/>
           </a:p>
@@ -1328,7 +1328,7 @@
             <a:fld id="{1D8BD707-D9CF-40AE-B4C6-C98DA3205C09}" type="datetimeFigureOut">
               <a:rPr lang="en-US" smtClean="0"/>
               <a:pPr/>
-              <a:t>14/8/12</a:t>
+              <a:t>7/12/2012</a:t>
             </a:fld>
             <a:endParaRPr lang="en-US"/>
           </a:p>
@@ -1747,7 +1747,7 @@
             <a:fld id="{1D8BD707-D9CF-40AE-B4C6-C98DA3205C09}" type="datetimeFigureOut">
               <a:rPr lang="en-US" smtClean="0"/>
               <a:pPr/>
-              <a:t>14/8/12</a:t>
+              <a:t>7/12/2012</a:t>
             </a:fld>
             <a:endParaRPr lang="en-US"/>
           </a:p>
@@ -1862,7 +1862,7 @@
             <a:fld id="{1D8BD707-D9CF-40AE-B4C6-C98DA3205C09}" type="datetimeFigureOut">
               <a:rPr lang="en-US" smtClean="0"/>
               <a:pPr/>
-              <a:t>14/8/12</a:t>
+              <a:t>7/12/2012</a:t>
             </a:fld>
             <a:endParaRPr lang="en-US"/>
           </a:p>
@@ -1954,7 +1954,7 @@
             <a:fld id="{1D8BD707-D9CF-40AE-B4C6-C98DA3205C09}" type="datetimeFigureOut">
               <a:rPr lang="en-US" smtClean="0"/>
               <a:pPr/>
-              <a:t>14/8/12</a:t>
+              <a:t>7/12/2012</a:t>
             </a:fld>
             <a:endParaRPr lang="en-US"/>
           </a:p>
@@ -2228,7 +2228,7 @@
             <a:fld id="{1D8BD707-D9CF-40AE-B4C6-C98DA3205C09}" type="datetimeFigureOut">
               <a:rPr lang="en-US" smtClean="0"/>
               <a:pPr/>
-              <a:t>14/8/12</a:t>
+              <a:t>7/12/2012</a:t>
             </a:fld>
             <a:endParaRPr lang="en-US"/>
           </a:p>
@@ -2478,7 +2478,7 @@
             <a:fld id="{1D8BD707-D9CF-40AE-B4C6-C98DA3205C09}" type="datetimeFigureOut">
               <a:rPr lang="en-US" smtClean="0"/>
               <a:pPr/>
-              <a:t>14/8/12</a:t>
+              <a:t>7/12/2012</a:t>
             </a:fld>
             <a:endParaRPr lang="en-US"/>
           </a:p>
@@ -2688,7 +2688,7 @@
             <a:fld id="{1D8BD707-D9CF-40AE-B4C6-C98DA3205C09}" type="datetimeFigureOut">
               <a:rPr lang="en-US" smtClean="0"/>
               <a:pPr/>
-              <a:t>14/8/12</a:t>
+              <a:t>7/12/2012</a:t>
             </a:fld>
             <a:endParaRPr lang="en-US"/>
           </a:p>
@@ -3799,7 +3799,15 @@
                     <a:srgbClr val="00B050"/>
                   </a:solidFill>
                 </a:rPr>
-                <a:t>storage::</a:t>
+                <a:t>storage</a:t>
+              </a:r>
+              <a:r>
+                <a:rPr lang="en-US" sz="1400" b="1" dirty="0" smtClean="0">
+                  <a:solidFill>
+                    <a:srgbClr val="00B050"/>
+                  </a:solidFill>
+                </a:rPr>
+                <a:t>::</a:t>
               </a:r>
               <a:r>
                 <a:rPr lang="en-US" sz="1400" b="1" dirty="0" err="1" smtClean="0">
@@ -4156,7 +4164,7 @@
         </p:nvGrpSpPr>
         <p:grpSpPr>
           <a:xfrm>
-            <a:off x="6934200" y="381000"/>
+            <a:off x="6705600" y="430849"/>
             <a:ext cx="1371600" cy="762000"/>
             <a:chOff x="-228600" y="1371600"/>
             <a:chExt cx="1371600" cy="762000"/>
@@ -4207,28 +4215,12 @@
             <a:lstStyle/>
             <a:p>
               <a:r>
-                <a:rPr lang="en-US" sz="1400" b="1" dirty="0">
-                  <a:solidFill>
-                    <a:schemeClr val="accent5"/>
-                  </a:solidFill>
-                </a:rPr>
-                <a:t>C</a:t>
-              </a:r>
-              <a:r>
-                <a:rPr lang="en-US" sz="1400" b="1" smtClean="0">
-                  <a:solidFill>
-                    <a:schemeClr val="accent5"/>
-                  </a:solidFill>
-                </a:rPr>
-                <a:t>ommon</a:t>
-              </a:r>
-              <a:r>
                 <a:rPr lang="en-US" sz="1400" b="1" dirty="0" smtClean="0">
                   <a:solidFill>
                     <a:schemeClr val="accent5"/>
                   </a:solidFill>
                 </a:rPr>
-                <a:t/>
+                <a:t>common</a:t>
               </a:r>
               <a:br>
                 <a:rPr lang="en-US" sz="1400" b="1" dirty="0" smtClean="0">
@@ -4319,9 +4311,9 @@
         </p:nvGrpSpPr>
         <p:grpSpPr>
           <a:xfrm>
-            <a:off x="1905000" y="380999"/>
+            <a:off x="1981200" y="380999"/>
             <a:ext cx="1371600" cy="762000"/>
-            <a:chOff x="-304800" y="1371600"/>
+            <a:chOff x="-228600" y="1371600"/>
             <a:chExt cx="1371600" cy="762000"/>
           </a:xfrm>
           <a:solidFill>
@@ -4336,7 +4328,7 @@
           </p:nvSpPr>
           <p:spPr>
             <a:xfrm>
-              <a:off x="-304800" y="1524000"/>
+              <a:off x="-228600" y="1524000"/>
               <a:ext cx="1371600" cy="609600"/>
             </a:xfrm>
             <a:prstGeom prst="rect">
@@ -4371,12 +4363,12 @@
             <a:p>
               <a:pPr algn="ctr"/>
               <a:r>
-                <a:rPr lang="en-US" sz="1400" b="1" dirty="0" err="1" smtClean="0">
+                <a:rPr lang="en-US" sz="1400" b="1" dirty="0" smtClean="0">
                   <a:solidFill>
                     <a:schemeClr val="accent5"/>
                   </a:solidFill>
                 </a:rPr>
-                <a:t>BuildProperties</a:t>
+                <a:t>common</a:t>
               </a:r>
               <a:endParaRPr lang="en-SG" sz="1400" b="1" dirty="0">
                 <a:solidFill>
@@ -4394,7 +4386,7 @@
           </p:nvSpPr>
           <p:spPr>
             <a:xfrm>
-              <a:off x="571500" y="1371600"/>
+              <a:off x="647700" y="1371600"/>
               <a:ext cx="495300" cy="152400"/>
             </a:xfrm>
             <a:prstGeom prst="rect">
@@ -5373,7 +5365,7 @@
         </p:nvGrpSpPr>
         <p:grpSpPr>
           <a:xfrm>
-            <a:off x="5257800" y="380999"/>
+            <a:off x="4343400" y="380999"/>
             <a:ext cx="1371600" cy="762000"/>
             <a:chOff x="-228600" y="1371600"/>
             <a:chExt cx="1371600" cy="762000"/>
@@ -5424,28 +5416,12 @@
             <a:lstStyle/>
             <a:p>
               <a:r>
-                <a:rPr lang="en-US" sz="1400" b="1" dirty="0">
-                  <a:solidFill>
-                    <a:schemeClr val="accent5"/>
-                  </a:solidFill>
-                </a:rPr>
-                <a:t>C</a:t>
-              </a:r>
-              <a:r>
                 <a:rPr lang="en-US" sz="1400" b="1" dirty="0" smtClean="0">
                   <a:solidFill>
                     <a:schemeClr val="accent5"/>
                   </a:solidFill>
                 </a:rPr>
-                <a:t>ommon</a:t>
-              </a:r>
-              <a:r>
-                <a:rPr lang="en-US" sz="1400" b="1" dirty="0" smtClean="0">
-                  <a:solidFill>
-                    <a:schemeClr val="accent5"/>
-                  </a:solidFill>
-                </a:rPr>
-                <a:t/>
+                <a:t>common</a:t>
               </a:r>
               <a:br>
                 <a:rPr lang="en-US" sz="1400" b="1" dirty="0" smtClean="0">
@@ -5862,140 +5838,6 @@
           </a:fontRef>
         </p:style>
       </p:cxnSp>
-      <p:grpSp>
-        <p:nvGrpSpPr>
-          <p:cNvPr id="65" name="Group 64"/>
-          <p:cNvGrpSpPr/>
-          <p:nvPr/>
-        </p:nvGrpSpPr>
-        <p:grpSpPr>
-          <a:xfrm>
-            <a:off x="3581400" y="381000"/>
-            <a:ext cx="1371600" cy="762000"/>
-            <a:chOff x="-228600" y="1371600"/>
-            <a:chExt cx="1371600" cy="762000"/>
-          </a:xfrm>
-          <a:solidFill>
-            <a:schemeClr val="bg1"/>
-          </a:solidFill>
-        </p:grpSpPr>
-        <p:sp>
-          <p:nvSpPr>
-            <p:cNvPr id="66" name="Rectangle 65"/>
-            <p:cNvSpPr/>
-            <p:nvPr/>
-          </p:nvSpPr>
-          <p:spPr>
-            <a:xfrm>
-              <a:off x="-228600" y="1524000"/>
-              <a:ext cx="1371600" cy="609600"/>
-            </a:xfrm>
-            <a:prstGeom prst="rect">
-              <a:avLst/>
-            </a:prstGeom>
-            <a:grpFill/>
-            <a:ln>
-              <a:solidFill>
-                <a:schemeClr val="accent5"/>
-              </a:solidFill>
-            </a:ln>
-          </p:spPr>
-          <p:style>
-            <a:lnRef idx="2">
-              <a:schemeClr val="accent1">
-                <a:shade val="50000"/>
-              </a:schemeClr>
-            </a:lnRef>
-            <a:fillRef idx="1">
-              <a:schemeClr val="accent1"/>
-            </a:fillRef>
-            <a:effectRef idx="0">
-              <a:schemeClr val="accent1"/>
-            </a:effectRef>
-            <a:fontRef idx="minor">
-              <a:schemeClr val="lt1"/>
-            </a:fontRef>
-          </p:style>
-          <p:txBody>
-            <a:bodyPr rtlCol="0" anchor="ctr"/>
-            <a:lstStyle/>
-            <a:p>
-              <a:pPr algn="ctr"/>
-              <a:r>
-                <a:rPr lang="en-US" sz="1400" b="1" dirty="0">
-                  <a:solidFill>
-                    <a:schemeClr val="accent5"/>
-                  </a:solidFill>
-                </a:rPr>
-                <a:t>C</a:t>
-              </a:r>
-              <a:r>
-                <a:rPr lang="en-US" sz="1400" b="1" dirty="0" smtClean="0">
-                  <a:solidFill>
-                    <a:schemeClr val="accent5"/>
-                  </a:solidFill>
-                </a:rPr>
-                <a:t>ommon</a:t>
-              </a:r>
-              <a:endParaRPr lang="en-SG" sz="1400" b="1" dirty="0">
-                <a:solidFill>
-                  <a:schemeClr val="accent5"/>
-                </a:solidFill>
-              </a:endParaRPr>
-            </a:p>
-          </p:txBody>
-        </p:sp>
-        <p:sp>
-          <p:nvSpPr>
-            <p:cNvPr id="67" name="Rectangle 66"/>
-            <p:cNvSpPr/>
-            <p:nvPr/>
-          </p:nvSpPr>
-          <p:spPr>
-            <a:xfrm>
-              <a:off x="647700" y="1371600"/>
-              <a:ext cx="495300" cy="152400"/>
-            </a:xfrm>
-            <a:prstGeom prst="rect">
-              <a:avLst/>
-            </a:prstGeom>
-            <a:grpFill/>
-            <a:ln>
-              <a:solidFill>
-                <a:schemeClr val="accent5"/>
-              </a:solidFill>
-            </a:ln>
-          </p:spPr>
-          <p:style>
-            <a:lnRef idx="2">
-              <a:schemeClr val="accent1">
-                <a:shade val="50000"/>
-              </a:schemeClr>
-            </a:lnRef>
-            <a:fillRef idx="1">
-              <a:schemeClr val="accent1"/>
-            </a:fillRef>
-            <a:effectRef idx="0">
-              <a:schemeClr val="accent1"/>
-            </a:effectRef>
-            <a:fontRef idx="minor">
-              <a:schemeClr val="lt1"/>
-            </a:fontRef>
-          </p:style>
-          <p:txBody>
-            <a:bodyPr rtlCol="0" anchor="ctr"/>
-            <a:lstStyle/>
-            <a:p>
-              <a:pPr algn="ctr"/>
-              <a:endParaRPr lang="en-SG" sz="1400" b="1">
-                <a:solidFill>
-                  <a:schemeClr val="accent5"/>
-                </a:solidFill>
-              </a:endParaRPr>
-            </a:p>
-          </p:txBody>
-        </p:sp>
-      </p:grpSp>
     </p:spTree>
     <p:extLst>
       <p:ext uri="{BB962C8B-B14F-4D97-AF65-F5344CB8AC3E}">
@@ -6009,7 +5851,7 @@
   <p:timing>
     <p:tnLst>
       <p:par>
-        <p:cTn xmlns:p14="http://schemas.microsoft.com/office/powerpoint/2010/main" id="1" dur="indefinite" restart="never" nodeType="tmRoot"/>
+        <p:cTn id="1" dur="indefinite" restart="never" nodeType="tmRoot"/>
       </p:par>
     </p:tnLst>
   </p:timing>

--- a/doc/diagrams/packageDiagram.pptx
+++ b/doc/diagrams/packageDiagram.pptx
@@ -4,17 +4,20 @@
   <p:sldMasterIdLst>
     <p:sldMasterId id="2147483648" r:id="rId1"/>
   </p:sldMasterIdLst>
+  <p:notesMasterIdLst>
+    <p:notesMasterId r:id="rId3"/>
+  </p:notesMasterIdLst>
   <p:sldIdLst>
     <p:sldId id="256" r:id="rId2"/>
   </p:sldIdLst>
-  <p:sldSz cx="9144000" cy="6858000" type="screen4x3"/>
+  <p:sldSz cx="8640763" cy="6300788"/>
   <p:notesSz cx="6858000" cy="9144000"/>
   <p:defaultTextStyle>
     <a:defPPr>
       <a:defRPr lang="en-US"/>
     </a:defPPr>
-    <a:lvl1pPr marL="0" algn="l" defTabSz="914400" rtl="0" eaLnBrk="1" latinLnBrk="0" hangingPunct="1">
-      <a:defRPr sz="1800" kern="1200">
+    <a:lvl1pPr marL="0" algn="l" defTabSz="853775" rtl="0" eaLnBrk="1" latinLnBrk="0" hangingPunct="1">
+      <a:defRPr sz="1700" kern="1200">
         <a:solidFill>
           <a:schemeClr val="tx1"/>
         </a:solidFill>
@@ -23,8 +26,8 @@
         <a:cs typeface="+mn-cs"/>
       </a:defRPr>
     </a:lvl1pPr>
-    <a:lvl2pPr marL="457200" algn="l" defTabSz="914400" rtl="0" eaLnBrk="1" latinLnBrk="0" hangingPunct="1">
-      <a:defRPr sz="1800" kern="1200">
+    <a:lvl2pPr marL="426888" algn="l" defTabSz="853775" rtl="0" eaLnBrk="1" latinLnBrk="0" hangingPunct="1">
+      <a:defRPr sz="1700" kern="1200">
         <a:solidFill>
           <a:schemeClr val="tx1"/>
         </a:solidFill>
@@ -33,8 +36,8 @@
         <a:cs typeface="+mn-cs"/>
       </a:defRPr>
     </a:lvl2pPr>
-    <a:lvl3pPr marL="914400" algn="l" defTabSz="914400" rtl="0" eaLnBrk="1" latinLnBrk="0" hangingPunct="1">
-      <a:defRPr sz="1800" kern="1200">
+    <a:lvl3pPr marL="853775" algn="l" defTabSz="853775" rtl="0" eaLnBrk="1" latinLnBrk="0" hangingPunct="1">
+      <a:defRPr sz="1700" kern="1200">
         <a:solidFill>
           <a:schemeClr val="tx1"/>
         </a:solidFill>
@@ -43,8 +46,8 @@
         <a:cs typeface="+mn-cs"/>
       </a:defRPr>
     </a:lvl3pPr>
-    <a:lvl4pPr marL="1371600" algn="l" defTabSz="914400" rtl="0" eaLnBrk="1" latinLnBrk="0" hangingPunct="1">
-      <a:defRPr sz="1800" kern="1200">
+    <a:lvl4pPr marL="1280663" algn="l" defTabSz="853775" rtl="0" eaLnBrk="1" latinLnBrk="0" hangingPunct="1">
+      <a:defRPr sz="1700" kern="1200">
         <a:solidFill>
           <a:schemeClr val="tx1"/>
         </a:solidFill>
@@ -53,8 +56,8 @@
         <a:cs typeface="+mn-cs"/>
       </a:defRPr>
     </a:lvl4pPr>
-    <a:lvl5pPr marL="1828800" algn="l" defTabSz="914400" rtl="0" eaLnBrk="1" latinLnBrk="0" hangingPunct="1">
-      <a:defRPr sz="1800" kern="1200">
+    <a:lvl5pPr marL="1707551" algn="l" defTabSz="853775" rtl="0" eaLnBrk="1" latinLnBrk="0" hangingPunct="1">
+      <a:defRPr sz="1700" kern="1200">
         <a:solidFill>
           <a:schemeClr val="tx1"/>
         </a:solidFill>
@@ -63,8 +66,8 @@
         <a:cs typeface="+mn-cs"/>
       </a:defRPr>
     </a:lvl5pPr>
-    <a:lvl6pPr marL="2286000" algn="l" defTabSz="914400" rtl="0" eaLnBrk="1" latinLnBrk="0" hangingPunct="1">
-      <a:defRPr sz="1800" kern="1200">
+    <a:lvl6pPr marL="2134438" algn="l" defTabSz="853775" rtl="0" eaLnBrk="1" latinLnBrk="0" hangingPunct="1">
+      <a:defRPr sz="1700" kern="1200">
         <a:solidFill>
           <a:schemeClr val="tx1"/>
         </a:solidFill>
@@ -73,8 +76,8 @@
         <a:cs typeface="+mn-cs"/>
       </a:defRPr>
     </a:lvl6pPr>
-    <a:lvl7pPr marL="2743200" algn="l" defTabSz="914400" rtl="0" eaLnBrk="1" latinLnBrk="0" hangingPunct="1">
-      <a:defRPr sz="1800" kern="1200">
+    <a:lvl7pPr marL="2561326" algn="l" defTabSz="853775" rtl="0" eaLnBrk="1" latinLnBrk="0" hangingPunct="1">
+      <a:defRPr sz="1700" kern="1200">
         <a:solidFill>
           <a:schemeClr val="tx1"/>
         </a:solidFill>
@@ -83,8 +86,8 @@
         <a:cs typeface="+mn-cs"/>
       </a:defRPr>
     </a:lvl7pPr>
-    <a:lvl8pPr marL="3200400" algn="l" defTabSz="914400" rtl="0" eaLnBrk="1" latinLnBrk="0" hangingPunct="1">
-      <a:defRPr sz="1800" kern="1200">
+    <a:lvl8pPr marL="2988213" algn="l" defTabSz="853775" rtl="0" eaLnBrk="1" latinLnBrk="0" hangingPunct="1">
+      <a:defRPr sz="1700" kern="1200">
         <a:solidFill>
           <a:schemeClr val="tx1"/>
         </a:solidFill>
@@ -93,8 +96,8 @@
         <a:cs typeface="+mn-cs"/>
       </a:defRPr>
     </a:lvl8pPr>
-    <a:lvl9pPr marL="3657600" algn="l" defTabSz="914400" rtl="0" eaLnBrk="1" latinLnBrk="0" hangingPunct="1">
-      <a:defRPr sz="1800" kern="1200">
+    <a:lvl9pPr marL="3415101" algn="l" defTabSz="853775" rtl="0" eaLnBrk="1" latinLnBrk="0" hangingPunct="1">
+      <a:defRPr sz="1700" kern="1200">
         <a:solidFill>
           <a:schemeClr val="tx1"/>
         </a:solidFill>
@@ -105,6 +108,445 @@
     </a:lvl9pPr>
   </p:defaultTextStyle>
 </p:presentation>
+</file>
+
+<file path=ppt/notesMasters/notesMaster1.xml><?xml version="1.0" encoding="utf-8"?>
+<p:notesMaster xmlns:a="http://schemas.openxmlformats.org/drawingml/2006/main" xmlns:r="http://schemas.openxmlformats.org/officeDocument/2006/relationships" xmlns:p="http://schemas.openxmlformats.org/presentationml/2006/main">
+  <p:cSld>
+    <p:bg>
+      <p:bgRef idx="1001">
+        <a:schemeClr val="bg1"/>
+      </p:bgRef>
+    </p:bg>
+    <p:spTree>
+      <p:nvGrpSpPr>
+        <p:cNvPr id="1" name=""/>
+        <p:cNvGrpSpPr/>
+        <p:nvPr/>
+      </p:nvGrpSpPr>
+      <p:grpSpPr>
+        <a:xfrm>
+          <a:off x="0" y="0"/>
+          <a:ext cx="0" cy="0"/>
+          <a:chOff x="0" y="0"/>
+          <a:chExt cx="0" cy="0"/>
+        </a:xfrm>
+      </p:grpSpPr>
+      <p:sp>
+        <p:nvSpPr>
+          <p:cNvPr id="2" name="Header Placeholder 1"/>
+          <p:cNvSpPr>
+            <a:spLocks noGrp="1"/>
+          </p:cNvSpPr>
+          <p:nvPr>
+            <p:ph type="hdr" sz="quarter"/>
+          </p:nvPr>
+        </p:nvSpPr>
+        <p:spPr>
+          <a:xfrm>
+            <a:off x="0" y="0"/>
+            <a:ext cx="2971800" cy="457200"/>
+          </a:xfrm>
+          <a:prstGeom prst="rect">
+            <a:avLst/>
+          </a:prstGeom>
+        </p:spPr>
+        <p:txBody>
+          <a:bodyPr vert="horz" lIns="91440" tIns="45720" rIns="91440" bIns="45720" rtlCol="0"/>
+          <a:lstStyle>
+            <a:lvl1pPr algn="l">
+              <a:defRPr sz="1200"/>
+            </a:lvl1pPr>
+          </a:lstStyle>
+          <a:p>
+            <a:endParaRPr lang="en-SG"/>
+          </a:p>
+        </p:txBody>
+      </p:sp>
+      <p:sp>
+        <p:nvSpPr>
+          <p:cNvPr id="3" name="Date Placeholder 2"/>
+          <p:cNvSpPr>
+            <a:spLocks noGrp="1"/>
+          </p:cNvSpPr>
+          <p:nvPr>
+            <p:ph type="dt" idx="1"/>
+          </p:nvPr>
+        </p:nvSpPr>
+        <p:spPr>
+          <a:xfrm>
+            <a:off x="3884613" y="0"/>
+            <a:ext cx="2971800" cy="457200"/>
+          </a:xfrm>
+          <a:prstGeom prst="rect">
+            <a:avLst/>
+          </a:prstGeom>
+        </p:spPr>
+        <p:txBody>
+          <a:bodyPr vert="horz" lIns="91440" tIns="45720" rIns="91440" bIns="45720" rtlCol="0"/>
+          <a:lstStyle>
+            <a:lvl1pPr algn="r">
+              <a:defRPr sz="1200"/>
+            </a:lvl1pPr>
+          </a:lstStyle>
+          <a:p>
+            <a:fld id="{5D8FA8FF-20DC-44E5-8C35-13EAF0A5698C}" type="datetimeFigureOut">
+              <a:rPr lang="en-SG" smtClean="0"/>
+              <a:t>18/12/2012</a:t>
+            </a:fld>
+            <a:endParaRPr lang="en-SG"/>
+          </a:p>
+        </p:txBody>
+      </p:sp>
+      <p:sp>
+        <p:nvSpPr>
+          <p:cNvPr id="4" name="Slide Image Placeholder 3"/>
+          <p:cNvSpPr>
+            <a:spLocks noGrp="1" noRot="1" noChangeAspect="1"/>
+          </p:cNvSpPr>
+          <p:nvPr>
+            <p:ph type="sldImg" idx="2"/>
+          </p:nvPr>
+        </p:nvSpPr>
+        <p:spPr>
+          <a:xfrm>
+            <a:off x="1077913" y="685800"/>
+            <a:ext cx="4702175" cy="3429000"/>
+          </a:xfrm>
+          <a:prstGeom prst="rect">
+            <a:avLst/>
+          </a:prstGeom>
+          <a:noFill/>
+          <a:ln w="12700">
+            <a:solidFill>
+              <a:prstClr val="black"/>
+            </a:solidFill>
+          </a:ln>
+        </p:spPr>
+        <p:txBody>
+          <a:bodyPr vert="horz" lIns="91440" tIns="45720" rIns="91440" bIns="45720" rtlCol="0" anchor="ctr"/>
+          <a:lstStyle/>
+          <a:p>
+            <a:endParaRPr lang="en-SG"/>
+          </a:p>
+        </p:txBody>
+      </p:sp>
+      <p:sp>
+        <p:nvSpPr>
+          <p:cNvPr id="5" name="Notes Placeholder 4"/>
+          <p:cNvSpPr>
+            <a:spLocks noGrp="1"/>
+          </p:cNvSpPr>
+          <p:nvPr>
+            <p:ph type="body" sz="quarter" idx="3"/>
+          </p:nvPr>
+        </p:nvSpPr>
+        <p:spPr>
+          <a:xfrm>
+            <a:off x="685800" y="4343400"/>
+            <a:ext cx="5486400" cy="4114800"/>
+          </a:xfrm>
+          <a:prstGeom prst="rect">
+            <a:avLst/>
+          </a:prstGeom>
+        </p:spPr>
+        <p:txBody>
+          <a:bodyPr vert="horz" lIns="91440" tIns="45720" rIns="91440" bIns="45720" rtlCol="0"/>
+          <a:lstStyle/>
+          <a:p>
+            <a:pPr lvl="0"/>
+            <a:r>
+              <a:rPr lang="en-US" smtClean="0"/>
+              <a:t>Click to edit Master text styles</a:t>
+            </a:r>
+          </a:p>
+          <a:p>
+            <a:pPr lvl="1"/>
+            <a:r>
+              <a:rPr lang="en-US" smtClean="0"/>
+              <a:t>Second level</a:t>
+            </a:r>
+          </a:p>
+          <a:p>
+            <a:pPr lvl="2"/>
+            <a:r>
+              <a:rPr lang="en-US" smtClean="0"/>
+              <a:t>Third level</a:t>
+            </a:r>
+          </a:p>
+          <a:p>
+            <a:pPr lvl="3"/>
+            <a:r>
+              <a:rPr lang="en-US" smtClean="0"/>
+              <a:t>Fourth level</a:t>
+            </a:r>
+          </a:p>
+          <a:p>
+            <a:pPr lvl="4"/>
+            <a:r>
+              <a:rPr lang="en-US" smtClean="0"/>
+              <a:t>Fifth level</a:t>
+            </a:r>
+            <a:endParaRPr lang="en-SG"/>
+          </a:p>
+        </p:txBody>
+      </p:sp>
+      <p:sp>
+        <p:nvSpPr>
+          <p:cNvPr id="6" name="Footer Placeholder 5"/>
+          <p:cNvSpPr>
+            <a:spLocks noGrp="1"/>
+          </p:cNvSpPr>
+          <p:nvPr>
+            <p:ph type="ftr" sz="quarter" idx="4"/>
+          </p:nvPr>
+        </p:nvSpPr>
+        <p:spPr>
+          <a:xfrm>
+            <a:off x="0" y="8685213"/>
+            <a:ext cx="2971800" cy="457200"/>
+          </a:xfrm>
+          <a:prstGeom prst="rect">
+            <a:avLst/>
+          </a:prstGeom>
+        </p:spPr>
+        <p:txBody>
+          <a:bodyPr vert="horz" lIns="91440" tIns="45720" rIns="91440" bIns="45720" rtlCol="0" anchor="b"/>
+          <a:lstStyle>
+            <a:lvl1pPr algn="l">
+              <a:defRPr sz="1200"/>
+            </a:lvl1pPr>
+          </a:lstStyle>
+          <a:p>
+            <a:endParaRPr lang="en-SG"/>
+          </a:p>
+        </p:txBody>
+      </p:sp>
+      <p:sp>
+        <p:nvSpPr>
+          <p:cNvPr id="7" name="Slide Number Placeholder 6"/>
+          <p:cNvSpPr>
+            <a:spLocks noGrp="1"/>
+          </p:cNvSpPr>
+          <p:nvPr>
+            <p:ph type="sldNum" sz="quarter" idx="5"/>
+          </p:nvPr>
+        </p:nvSpPr>
+        <p:spPr>
+          <a:xfrm>
+            <a:off x="3884613" y="8685213"/>
+            <a:ext cx="2971800" cy="457200"/>
+          </a:xfrm>
+          <a:prstGeom prst="rect">
+            <a:avLst/>
+          </a:prstGeom>
+        </p:spPr>
+        <p:txBody>
+          <a:bodyPr vert="horz" lIns="91440" tIns="45720" rIns="91440" bIns="45720" rtlCol="0" anchor="b"/>
+          <a:lstStyle>
+            <a:lvl1pPr algn="r">
+              <a:defRPr sz="1200"/>
+            </a:lvl1pPr>
+          </a:lstStyle>
+          <a:p>
+            <a:fld id="{533A5AA4-18D7-48CB-8D4B-C9F7395BD002}" type="slidenum">
+              <a:rPr lang="en-SG" smtClean="0"/>
+              <a:t>‹#›</a:t>
+            </a:fld>
+            <a:endParaRPr lang="en-SG"/>
+          </a:p>
+        </p:txBody>
+      </p:sp>
+    </p:spTree>
+    <p:extLst>
+      <p:ext uri="{BB962C8B-B14F-4D97-AF65-F5344CB8AC3E}">
+        <p14:creationId xmlns:p14="http://schemas.microsoft.com/office/powerpoint/2010/main" val="2591710806"/>
+      </p:ext>
+    </p:extLst>
+  </p:cSld>
+  <p:clrMap bg1="lt1" tx1="dk1" bg2="lt2" tx2="dk2" accent1="accent1" accent2="accent2" accent3="accent3" accent4="accent4" accent5="accent5" accent6="accent6" hlink="hlink" folHlink="folHlink"/>
+  <p:notesStyle>
+    <a:lvl1pPr marL="0" algn="l" defTabSz="853775" rtl="0" eaLnBrk="1" latinLnBrk="0" hangingPunct="1">
+      <a:defRPr sz="1100" kern="1200">
+        <a:solidFill>
+          <a:schemeClr val="tx1"/>
+        </a:solidFill>
+        <a:latin typeface="+mn-lt"/>
+        <a:ea typeface="+mn-ea"/>
+        <a:cs typeface="+mn-cs"/>
+      </a:defRPr>
+    </a:lvl1pPr>
+    <a:lvl2pPr marL="426888" algn="l" defTabSz="853775" rtl="0" eaLnBrk="1" latinLnBrk="0" hangingPunct="1">
+      <a:defRPr sz="1100" kern="1200">
+        <a:solidFill>
+          <a:schemeClr val="tx1"/>
+        </a:solidFill>
+        <a:latin typeface="+mn-lt"/>
+        <a:ea typeface="+mn-ea"/>
+        <a:cs typeface="+mn-cs"/>
+      </a:defRPr>
+    </a:lvl2pPr>
+    <a:lvl3pPr marL="853775" algn="l" defTabSz="853775" rtl="0" eaLnBrk="1" latinLnBrk="0" hangingPunct="1">
+      <a:defRPr sz="1100" kern="1200">
+        <a:solidFill>
+          <a:schemeClr val="tx1"/>
+        </a:solidFill>
+        <a:latin typeface="+mn-lt"/>
+        <a:ea typeface="+mn-ea"/>
+        <a:cs typeface="+mn-cs"/>
+      </a:defRPr>
+    </a:lvl3pPr>
+    <a:lvl4pPr marL="1280663" algn="l" defTabSz="853775" rtl="0" eaLnBrk="1" latinLnBrk="0" hangingPunct="1">
+      <a:defRPr sz="1100" kern="1200">
+        <a:solidFill>
+          <a:schemeClr val="tx1"/>
+        </a:solidFill>
+        <a:latin typeface="+mn-lt"/>
+        <a:ea typeface="+mn-ea"/>
+        <a:cs typeface="+mn-cs"/>
+      </a:defRPr>
+    </a:lvl4pPr>
+    <a:lvl5pPr marL="1707551" algn="l" defTabSz="853775" rtl="0" eaLnBrk="1" latinLnBrk="0" hangingPunct="1">
+      <a:defRPr sz="1100" kern="1200">
+        <a:solidFill>
+          <a:schemeClr val="tx1"/>
+        </a:solidFill>
+        <a:latin typeface="+mn-lt"/>
+        <a:ea typeface="+mn-ea"/>
+        <a:cs typeface="+mn-cs"/>
+      </a:defRPr>
+    </a:lvl5pPr>
+    <a:lvl6pPr marL="2134438" algn="l" defTabSz="853775" rtl="0" eaLnBrk="1" latinLnBrk="0" hangingPunct="1">
+      <a:defRPr sz="1100" kern="1200">
+        <a:solidFill>
+          <a:schemeClr val="tx1"/>
+        </a:solidFill>
+        <a:latin typeface="+mn-lt"/>
+        <a:ea typeface="+mn-ea"/>
+        <a:cs typeface="+mn-cs"/>
+      </a:defRPr>
+    </a:lvl6pPr>
+    <a:lvl7pPr marL="2561326" algn="l" defTabSz="853775" rtl="0" eaLnBrk="1" latinLnBrk="0" hangingPunct="1">
+      <a:defRPr sz="1100" kern="1200">
+        <a:solidFill>
+          <a:schemeClr val="tx1"/>
+        </a:solidFill>
+        <a:latin typeface="+mn-lt"/>
+        <a:ea typeface="+mn-ea"/>
+        <a:cs typeface="+mn-cs"/>
+      </a:defRPr>
+    </a:lvl7pPr>
+    <a:lvl8pPr marL="2988213" algn="l" defTabSz="853775" rtl="0" eaLnBrk="1" latinLnBrk="0" hangingPunct="1">
+      <a:defRPr sz="1100" kern="1200">
+        <a:solidFill>
+          <a:schemeClr val="tx1"/>
+        </a:solidFill>
+        <a:latin typeface="+mn-lt"/>
+        <a:ea typeface="+mn-ea"/>
+        <a:cs typeface="+mn-cs"/>
+      </a:defRPr>
+    </a:lvl8pPr>
+    <a:lvl9pPr marL="3415101" algn="l" defTabSz="853775" rtl="0" eaLnBrk="1" latinLnBrk="0" hangingPunct="1">
+      <a:defRPr sz="1100" kern="1200">
+        <a:solidFill>
+          <a:schemeClr val="tx1"/>
+        </a:solidFill>
+        <a:latin typeface="+mn-lt"/>
+        <a:ea typeface="+mn-ea"/>
+        <a:cs typeface="+mn-cs"/>
+      </a:defRPr>
+    </a:lvl9pPr>
+  </p:notesStyle>
+</p:notesMaster>
+</file>
+
+<file path=ppt/notesSlides/notesSlide1.xml><?xml version="1.0" encoding="utf-8"?>
+<p:notes xmlns:a="http://schemas.openxmlformats.org/drawingml/2006/main" xmlns:r="http://schemas.openxmlformats.org/officeDocument/2006/relationships" xmlns:p="http://schemas.openxmlformats.org/presentationml/2006/main">
+  <p:cSld>
+    <p:spTree>
+      <p:nvGrpSpPr>
+        <p:cNvPr id="1" name=""/>
+        <p:cNvGrpSpPr/>
+        <p:nvPr/>
+      </p:nvGrpSpPr>
+      <p:grpSpPr>
+        <a:xfrm>
+          <a:off x="0" y="0"/>
+          <a:ext cx="0" cy="0"/>
+          <a:chOff x="0" y="0"/>
+          <a:chExt cx="0" cy="0"/>
+        </a:xfrm>
+      </p:grpSpPr>
+      <p:sp>
+        <p:nvSpPr>
+          <p:cNvPr id="2" name="Slide Image Placeholder 1"/>
+          <p:cNvSpPr>
+            <a:spLocks noGrp="1" noRot="1" noChangeAspect="1"/>
+          </p:cNvSpPr>
+          <p:nvPr>
+            <p:ph type="sldImg"/>
+          </p:nvPr>
+        </p:nvSpPr>
+        <p:spPr>
+          <a:xfrm>
+            <a:off x="1077913" y="685800"/>
+            <a:ext cx="4702175" cy="3429000"/>
+          </a:xfrm>
+        </p:spPr>
+      </p:sp>
+      <p:sp>
+        <p:nvSpPr>
+          <p:cNvPr id="3" name="Notes Placeholder 2"/>
+          <p:cNvSpPr>
+            <a:spLocks noGrp="1"/>
+          </p:cNvSpPr>
+          <p:nvPr>
+            <p:ph type="body" idx="1"/>
+          </p:nvPr>
+        </p:nvSpPr>
+        <p:spPr/>
+        <p:txBody>
+          <a:bodyPr/>
+          <a:lstStyle/>
+          <a:p>
+            <a:endParaRPr lang="en-SG" dirty="0"/>
+          </a:p>
+        </p:txBody>
+      </p:sp>
+      <p:sp>
+        <p:nvSpPr>
+          <p:cNvPr id="4" name="Slide Number Placeholder 3"/>
+          <p:cNvSpPr>
+            <a:spLocks noGrp="1"/>
+          </p:cNvSpPr>
+          <p:nvPr>
+            <p:ph type="sldNum" sz="quarter" idx="10"/>
+          </p:nvPr>
+        </p:nvSpPr>
+        <p:spPr/>
+        <p:txBody>
+          <a:bodyPr/>
+          <a:lstStyle/>
+          <a:p>
+            <a:fld id="{533A5AA4-18D7-48CB-8D4B-C9F7395BD002}" type="slidenum">
+              <a:rPr lang="en-SG" smtClean="0"/>
+              <a:t>1</a:t>
+            </a:fld>
+            <a:endParaRPr lang="en-SG"/>
+          </a:p>
+        </p:txBody>
+      </p:sp>
+    </p:spTree>
+    <p:extLst>
+      <p:ext uri="{BB962C8B-B14F-4D97-AF65-F5344CB8AC3E}">
+        <p14:creationId xmlns:p14="http://schemas.microsoft.com/office/powerpoint/2010/main" val="3432613659"/>
+      </p:ext>
+    </p:extLst>
+  </p:cSld>
+  <p:clrMapOvr>
+    <a:masterClrMapping/>
+  </p:clrMapOvr>
+</p:notes>
 </file>
 
 <file path=ppt/slideLayouts/slideLayout1.xml><?xml version="1.0" encoding="utf-8"?>
@@ -136,8 +578,8 @@
         </p:nvSpPr>
         <p:spPr>
           <a:xfrm>
-            <a:off x="685800" y="2130425"/>
-            <a:ext cx="7772400" cy="1470025"/>
+            <a:off x="648057" y="1957328"/>
+            <a:ext cx="7344649" cy="1350586"/>
           </a:xfrm>
         </p:spPr>
         <p:txBody>
@@ -164,8 +606,8 @@
         </p:nvSpPr>
         <p:spPr>
           <a:xfrm>
-            <a:off x="1371600" y="3886200"/>
-            <a:ext cx="6400800" cy="1752600"/>
+            <a:off x="1296115" y="3570447"/>
+            <a:ext cx="6048534" cy="1610201"/>
           </a:xfrm>
         </p:spPr>
         <p:txBody>
@@ -181,7 +623,7 @@
                 </a:solidFill>
               </a:defRPr>
             </a:lvl1pPr>
-            <a:lvl2pPr marL="457200" indent="0" algn="ctr">
+            <a:lvl2pPr marL="426888" indent="0" algn="ctr">
               <a:buNone/>
               <a:defRPr>
                 <a:solidFill>
@@ -191,7 +633,7 @@
                 </a:solidFill>
               </a:defRPr>
             </a:lvl2pPr>
-            <a:lvl3pPr marL="914400" indent="0" algn="ctr">
+            <a:lvl3pPr marL="853775" indent="0" algn="ctr">
               <a:buNone/>
               <a:defRPr>
                 <a:solidFill>
@@ -201,7 +643,7 @@
                 </a:solidFill>
               </a:defRPr>
             </a:lvl3pPr>
-            <a:lvl4pPr marL="1371600" indent="0" algn="ctr">
+            <a:lvl4pPr marL="1280663" indent="0" algn="ctr">
               <a:buNone/>
               <a:defRPr>
                 <a:solidFill>
@@ -211,7 +653,7 @@
                 </a:solidFill>
               </a:defRPr>
             </a:lvl4pPr>
-            <a:lvl5pPr marL="1828800" indent="0" algn="ctr">
+            <a:lvl5pPr marL="1707551" indent="0" algn="ctr">
               <a:buNone/>
               <a:defRPr>
                 <a:solidFill>
@@ -221,7 +663,7 @@
                 </a:solidFill>
               </a:defRPr>
             </a:lvl5pPr>
-            <a:lvl6pPr marL="2286000" indent="0" algn="ctr">
+            <a:lvl6pPr marL="2134438" indent="0" algn="ctr">
               <a:buNone/>
               <a:defRPr>
                 <a:solidFill>
@@ -231,7 +673,7 @@
                 </a:solidFill>
               </a:defRPr>
             </a:lvl6pPr>
-            <a:lvl7pPr marL="2743200" indent="0" algn="ctr">
+            <a:lvl7pPr marL="2561326" indent="0" algn="ctr">
               <a:buNone/>
               <a:defRPr>
                 <a:solidFill>
@@ -241,7 +683,7 @@
                 </a:solidFill>
               </a:defRPr>
             </a:lvl7pPr>
-            <a:lvl8pPr marL="3200400" indent="0" algn="ctr">
+            <a:lvl8pPr marL="2988213" indent="0" algn="ctr">
               <a:buNone/>
               <a:defRPr>
                 <a:solidFill>
@@ -251,7 +693,7 @@
                 </a:solidFill>
               </a:defRPr>
             </a:lvl8pPr>
-            <a:lvl9pPr marL="3657600" indent="0" algn="ctr">
+            <a:lvl9pPr marL="3415101" indent="0" algn="ctr">
               <a:buNone/>
               <a:defRPr>
                 <a:solidFill>
@@ -289,7 +731,7 @@
             <a:fld id="{1D8BD707-D9CF-40AE-B4C6-C98DA3205C09}" type="datetimeFigureOut">
               <a:rPr lang="en-US" smtClean="0"/>
               <a:pPr/>
-              <a:t>7/12/2012</a:t>
+              <a:t>12/18/2012</a:t>
             </a:fld>
             <a:endParaRPr lang="en-US"/>
           </a:p>
@@ -456,7 +898,7 @@
             <a:fld id="{1D8BD707-D9CF-40AE-B4C6-C98DA3205C09}" type="datetimeFigureOut">
               <a:rPr lang="en-US" smtClean="0"/>
               <a:pPr/>
-              <a:t>7/12/2012</a:t>
+              <a:t>12/18/2012</a:t>
             </a:fld>
             <a:endParaRPr lang="en-US"/>
           </a:p>
@@ -542,8 +984,8 @@
         </p:nvSpPr>
         <p:spPr>
           <a:xfrm>
-            <a:off x="6629400" y="274638"/>
-            <a:ext cx="2057400" cy="5851525"/>
+            <a:off x="6264553" y="252324"/>
+            <a:ext cx="1944172" cy="5376089"/>
           </a:xfrm>
         </p:spPr>
         <p:txBody>
@@ -570,8 +1012,8 @@
         </p:nvSpPr>
         <p:spPr>
           <a:xfrm>
-            <a:off x="457200" y="274638"/>
-            <a:ext cx="6019800" cy="5851525"/>
+            <a:off x="432038" y="252324"/>
+            <a:ext cx="5688502" cy="5376089"/>
           </a:xfrm>
         </p:spPr>
         <p:txBody>
@@ -633,7 +1075,7 @@
             <a:fld id="{1D8BD707-D9CF-40AE-B4C6-C98DA3205C09}" type="datetimeFigureOut">
               <a:rPr lang="en-US" smtClean="0"/>
               <a:pPr/>
-              <a:t>7/12/2012</a:t>
+              <a:t>12/18/2012</a:t>
             </a:fld>
             <a:endParaRPr lang="en-US"/>
           </a:p>
@@ -800,7 +1242,7 @@
             <a:fld id="{1D8BD707-D9CF-40AE-B4C6-C98DA3205C09}" type="datetimeFigureOut">
               <a:rPr lang="en-US" smtClean="0"/>
               <a:pPr/>
-              <a:t>7/12/2012</a:t>
+              <a:t>12/18/2012</a:t>
             </a:fld>
             <a:endParaRPr lang="en-US"/>
           </a:p>
@@ -886,15 +1328,15 @@
         </p:nvSpPr>
         <p:spPr>
           <a:xfrm>
-            <a:off x="722313" y="4406900"/>
-            <a:ext cx="7772400" cy="1362075"/>
+            <a:off x="682561" y="4048840"/>
+            <a:ext cx="7344649" cy="1251407"/>
           </a:xfrm>
         </p:spPr>
         <p:txBody>
           <a:bodyPr anchor="t"/>
           <a:lstStyle>
             <a:lvl1pPr algn="l">
-              <a:defRPr sz="4000" b="1" cap="all"/>
+              <a:defRPr sz="3700" b="1" cap="all"/>
             </a:lvl1pPr>
           </a:lstStyle>
           <a:p>
@@ -918,8 +1360,8 @@
         </p:nvSpPr>
         <p:spPr>
           <a:xfrm>
-            <a:off x="722313" y="2906713"/>
-            <a:ext cx="7772400" cy="1500187"/>
+            <a:off x="682561" y="2670543"/>
+            <a:ext cx="7344649" cy="1378297"/>
           </a:xfrm>
         </p:spPr>
         <p:txBody>
@@ -927,7 +1369,7 @@
           <a:lstStyle>
             <a:lvl1pPr marL="0" indent="0">
               <a:buNone/>
-              <a:defRPr sz="2000">
+              <a:defRPr sz="1900">
                 <a:solidFill>
                   <a:schemeClr val="tx1">
                     <a:tint val="75000"/>
@@ -935,9 +1377,9 @@
                 </a:solidFill>
               </a:defRPr>
             </a:lvl1pPr>
-            <a:lvl2pPr marL="457200" indent="0">
+            <a:lvl2pPr marL="426888" indent="0">
               <a:buNone/>
-              <a:defRPr sz="1800">
+              <a:defRPr sz="1700">
                 <a:solidFill>
                   <a:schemeClr val="tx1">
                     <a:tint val="75000"/>
@@ -945,9 +1387,9 @@
                 </a:solidFill>
               </a:defRPr>
             </a:lvl2pPr>
-            <a:lvl3pPr marL="914400" indent="0">
+            <a:lvl3pPr marL="853775" indent="0">
               <a:buNone/>
-              <a:defRPr sz="1600">
+              <a:defRPr sz="1500">
                 <a:solidFill>
                   <a:schemeClr val="tx1">
                     <a:tint val="75000"/>
@@ -955,9 +1397,9 @@
                 </a:solidFill>
               </a:defRPr>
             </a:lvl3pPr>
-            <a:lvl4pPr marL="1371600" indent="0">
+            <a:lvl4pPr marL="1280663" indent="0">
               <a:buNone/>
-              <a:defRPr sz="1400">
+              <a:defRPr sz="1300">
                 <a:solidFill>
                   <a:schemeClr val="tx1">
                     <a:tint val="75000"/>
@@ -965,9 +1407,9 @@
                 </a:solidFill>
               </a:defRPr>
             </a:lvl4pPr>
-            <a:lvl5pPr marL="1828800" indent="0">
+            <a:lvl5pPr marL="1707551" indent="0">
               <a:buNone/>
-              <a:defRPr sz="1400">
+              <a:defRPr sz="1300">
                 <a:solidFill>
                   <a:schemeClr val="tx1">
                     <a:tint val="75000"/>
@@ -975,9 +1417,9 @@
                 </a:solidFill>
               </a:defRPr>
             </a:lvl5pPr>
-            <a:lvl6pPr marL="2286000" indent="0">
+            <a:lvl6pPr marL="2134438" indent="0">
               <a:buNone/>
-              <a:defRPr sz="1400">
+              <a:defRPr sz="1300">
                 <a:solidFill>
                   <a:schemeClr val="tx1">
                     <a:tint val="75000"/>
@@ -985,9 +1427,9 @@
                 </a:solidFill>
               </a:defRPr>
             </a:lvl6pPr>
-            <a:lvl7pPr marL="2743200" indent="0">
+            <a:lvl7pPr marL="2561326" indent="0">
               <a:buNone/>
-              <a:defRPr sz="1400">
+              <a:defRPr sz="1300">
                 <a:solidFill>
                   <a:schemeClr val="tx1">
                     <a:tint val="75000"/>
@@ -995,9 +1437,9 @@
                 </a:solidFill>
               </a:defRPr>
             </a:lvl7pPr>
-            <a:lvl8pPr marL="3200400" indent="0">
+            <a:lvl8pPr marL="2988213" indent="0">
               <a:buNone/>
-              <a:defRPr sz="1400">
+              <a:defRPr sz="1300">
                 <a:solidFill>
                   <a:schemeClr val="tx1">
                     <a:tint val="75000"/>
@@ -1005,9 +1447,9 @@
                 </a:solidFill>
               </a:defRPr>
             </a:lvl8pPr>
-            <a:lvl9pPr marL="3657600" indent="0">
+            <a:lvl9pPr marL="3415101" indent="0">
               <a:buNone/>
-              <a:defRPr sz="1400">
+              <a:defRPr sz="1300">
                 <a:solidFill>
                   <a:schemeClr val="tx1">
                     <a:tint val="75000"/>
@@ -1043,7 +1485,7 @@
             <a:fld id="{1D8BD707-D9CF-40AE-B4C6-C98DA3205C09}" type="datetimeFigureOut">
               <a:rPr lang="en-US" smtClean="0"/>
               <a:pPr/>
-              <a:t>7/12/2012</a:t>
+              <a:t>12/18/2012</a:t>
             </a:fld>
             <a:endParaRPr lang="en-US"/>
           </a:p>
@@ -1152,39 +1594,39 @@
         </p:nvSpPr>
         <p:spPr>
           <a:xfrm>
-            <a:off x="457200" y="1600200"/>
-            <a:ext cx="4038600" cy="4525963"/>
+            <a:off x="432038" y="1470184"/>
+            <a:ext cx="3816337" cy="4158229"/>
           </a:xfrm>
         </p:spPr>
         <p:txBody>
           <a:bodyPr/>
           <a:lstStyle>
             <a:lvl1pPr>
-              <a:defRPr sz="2800"/>
+              <a:defRPr sz="2600"/>
             </a:lvl1pPr>
             <a:lvl2pPr>
-              <a:defRPr sz="2400"/>
+              <a:defRPr sz="2200"/>
             </a:lvl2pPr>
             <a:lvl3pPr>
-              <a:defRPr sz="2000"/>
+              <a:defRPr sz="1900"/>
             </a:lvl3pPr>
             <a:lvl4pPr>
-              <a:defRPr sz="1800"/>
+              <a:defRPr sz="1700"/>
             </a:lvl4pPr>
             <a:lvl5pPr>
-              <a:defRPr sz="1800"/>
+              <a:defRPr sz="1700"/>
             </a:lvl5pPr>
             <a:lvl6pPr>
-              <a:defRPr sz="1800"/>
+              <a:defRPr sz="1700"/>
             </a:lvl6pPr>
             <a:lvl7pPr>
-              <a:defRPr sz="1800"/>
+              <a:defRPr sz="1700"/>
             </a:lvl7pPr>
             <a:lvl8pPr>
-              <a:defRPr sz="1800"/>
+              <a:defRPr sz="1700"/>
             </a:lvl8pPr>
             <a:lvl9pPr>
-              <a:defRPr sz="1800"/>
+              <a:defRPr sz="1700"/>
             </a:lvl9pPr>
           </a:lstStyle>
           <a:p>
@@ -1237,39 +1679,39 @@
         </p:nvSpPr>
         <p:spPr>
           <a:xfrm>
-            <a:off x="4648200" y="1600200"/>
-            <a:ext cx="4038600" cy="4525963"/>
+            <a:off x="4392388" y="1470184"/>
+            <a:ext cx="3816337" cy="4158229"/>
           </a:xfrm>
         </p:spPr>
         <p:txBody>
           <a:bodyPr/>
           <a:lstStyle>
             <a:lvl1pPr>
-              <a:defRPr sz="2800"/>
+              <a:defRPr sz="2600"/>
             </a:lvl1pPr>
             <a:lvl2pPr>
-              <a:defRPr sz="2400"/>
+              <a:defRPr sz="2200"/>
             </a:lvl2pPr>
             <a:lvl3pPr>
-              <a:defRPr sz="2000"/>
+              <a:defRPr sz="1900"/>
             </a:lvl3pPr>
             <a:lvl4pPr>
-              <a:defRPr sz="1800"/>
+              <a:defRPr sz="1700"/>
             </a:lvl4pPr>
             <a:lvl5pPr>
-              <a:defRPr sz="1800"/>
+              <a:defRPr sz="1700"/>
             </a:lvl5pPr>
             <a:lvl6pPr>
-              <a:defRPr sz="1800"/>
+              <a:defRPr sz="1700"/>
             </a:lvl6pPr>
             <a:lvl7pPr>
-              <a:defRPr sz="1800"/>
+              <a:defRPr sz="1700"/>
             </a:lvl7pPr>
             <a:lvl8pPr>
-              <a:defRPr sz="1800"/>
+              <a:defRPr sz="1700"/>
             </a:lvl8pPr>
             <a:lvl9pPr>
-              <a:defRPr sz="1800"/>
+              <a:defRPr sz="1700"/>
             </a:lvl9pPr>
           </a:lstStyle>
           <a:p>
@@ -1328,7 +1770,7 @@
             <a:fld id="{1D8BD707-D9CF-40AE-B4C6-C98DA3205C09}" type="datetimeFigureOut">
               <a:rPr lang="en-US" smtClean="0"/>
               <a:pPr/>
-              <a:t>7/12/2012</a:t>
+              <a:t>12/18/2012</a:t>
             </a:fld>
             <a:endParaRPr lang="en-US"/>
           </a:p>
@@ -1441,8 +1883,8 @@
         </p:nvSpPr>
         <p:spPr>
           <a:xfrm>
-            <a:off x="457200" y="1535113"/>
-            <a:ext cx="4040188" cy="639762"/>
+            <a:off x="432038" y="1410385"/>
+            <a:ext cx="3817838" cy="587781"/>
           </a:xfrm>
         </p:spPr>
         <p:txBody>
@@ -1450,39 +1892,39 @@
           <a:lstStyle>
             <a:lvl1pPr marL="0" indent="0">
               <a:buNone/>
-              <a:defRPr sz="2400" b="1"/>
+              <a:defRPr sz="2200" b="1"/>
             </a:lvl1pPr>
-            <a:lvl2pPr marL="457200" indent="0">
+            <a:lvl2pPr marL="426888" indent="0">
               <a:buNone/>
-              <a:defRPr sz="2000" b="1"/>
+              <a:defRPr sz="1900" b="1"/>
             </a:lvl2pPr>
-            <a:lvl3pPr marL="914400" indent="0">
+            <a:lvl3pPr marL="853775" indent="0">
               <a:buNone/>
-              <a:defRPr sz="1800" b="1"/>
+              <a:defRPr sz="1700" b="1"/>
             </a:lvl3pPr>
-            <a:lvl4pPr marL="1371600" indent="0">
+            <a:lvl4pPr marL="1280663" indent="0">
               <a:buNone/>
-              <a:defRPr sz="1600" b="1"/>
+              <a:defRPr sz="1500" b="1"/>
             </a:lvl4pPr>
-            <a:lvl5pPr marL="1828800" indent="0">
+            <a:lvl5pPr marL="1707551" indent="0">
               <a:buNone/>
-              <a:defRPr sz="1600" b="1"/>
+              <a:defRPr sz="1500" b="1"/>
             </a:lvl5pPr>
-            <a:lvl6pPr marL="2286000" indent="0">
+            <a:lvl6pPr marL="2134438" indent="0">
               <a:buNone/>
-              <a:defRPr sz="1600" b="1"/>
+              <a:defRPr sz="1500" b="1"/>
             </a:lvl6pPr>
-            <a:lvl7pPr marL="2743200" indent="0">
+            <a:lvl7pPr marL="2561326" indent="0">
               <a:buNone/>
-              <a:defRPr sz="1600" b="1"/>
+              <a:defRPr sz="1500" b="1"/>
             </a:lvl7pPr>
-            <a:lvl8pPr marL="3200400" indent="0">
+            <a:lvl8pPr marL="2988213" indent="0">
               <a:buNone/>
-              <a:defRPr sz="1600" b="1"/>
+              <a:defRPr sz="1500" b="1"/>
             </a:lvl8pPr>
-            <a:lvl9pPr marL="3657600" indent="0">
+            <a:lvl9pPr marL="3415101" indent="0">
               <a:buNone/>
-              <a:defRPr sz="1600" b="1"/>
+              <a:defRPr sz="1500" b="1"/>
             </a:lvl9pPr>
           </a:lstStyle>
           <a:p>
@@ -1506,39 +1948,39 @@
         </p:nvSpPr>
         <p:spPr>
           <a:xfrm>
-            <a:off x="457200" y="2174875"/>
-            <a:ext cx="4040188" cy="3951288"/>
+            <a:off x="432038" y="1998167"/>
+            <a:ext cx="3817838" cy="3630246"/>
           </a:xfrm>
         </p:spPr>
         <p:txBody>
           <a:bodyPr/>
           <a:lstStyle>
             <a:lvl1pPr>
-              <a:defRPr sz="2400"/>
+              <a:defRPr sz="2200"/>
             </a:lvl1pPr>
             <a:lvl2pPr>
-              <a:defRPr sz="2000"/>
+              <a:defRPr sz="1900"/>
             </a:lvl2pPr>
             <a:lvl3pPr>
-              <a:defRPr sz="1800"/>
+              <a:defRPr sz="1700"/>
             </a:lvl3pPr>
             <a:lvl4pPr>
-              <a:defRPr sz="1600"/>
+              <a:defRPr sz="1500"/>
             </a:lvl4pPr>
             <a:lvl5pPr>
-              <a:defRPr sz="1600"/>
+              <a:defRPr sz="1500"/>
             </a:lvl5pPr>
             <a:lvl6pPr>
-              <a:defRPr sz="1600"/>
+              <a:defRPr sz="1500"/>
             </a:lvl6pPr>
             <a:lvl7pPr>
-              <a:defRPr sz="1600"/>
+              <a:defRPr sz="1500"/>
             </a:lvl7pPr>
             <a:lvl8pPr>
-              <a:defRPr sz="1600"/>
+              <a:defRPr sz="1500"/>
             </a:lvl8pPr>
             <a:lvl9pPr>
-              <a:defRPr sz="1600"/>
+              <a:defRPr sz="1500"/>
             </a:lvl9pPr>
           </a:lstStyle>
           <a:p>
@@ -1591,8 +2033,8 @@
         </p:nvSpPr>
         <p:spPr>
           <a:xfrm>
-            <a:off x="4645025" y="1535113"/>
-            <a:ext cx="4041775" cy="639762"/>
+            <a:off x="4389388" y="1410385"/>
+            <a:ext cx="3819337" cy="587781"/>
           </a:xfrm>
         </p:spPr>
         <p:txBody>
@@ -1600,39 +2042,39 @@
           <a:lstStyle>
             <a:lvl1pPr marL="0" indent="0">
               <a:buNone/>
-              <a:defRPr sz="2400" b="1"/>
+              <a:defRPr sz="2200" b="1"/>
             </a:lvl1pPr>
-            <a:lvl2pPr marL="457200" indent="0">
+            <a:lvl2pPr marL="426888" indent="0">
               <a:buNone/>
-              <a:defRPr sz="2000" b="1"/>
+              <a:defRPr sz="1900" b="1"/>
             </a:lvl2pPr>
-            <a:lvl3pPr marL="914400" indent="0">
+            <a:lvl3pPr marL="853775" indent="0">
               <a:buNone/>
-              <a:defRPr sz="1800" b="1"/>
+              <a:defRPr sz="1700" b="1"/>
             </a:lvl3pPr>
-            <a:lvl4pPr marL="1371600" indent="0">
+            <a:lvl4pPr marL="1280663" indent="0">
               <a:buNone/>
-              <a:defRPr sz="1600" b="1"/>
+              <a:defRPr sz="1500" b="1"/>
             </a:lvl4pPr>
-            <a:lvl5pPr marL="1828800" indent="0">
+            <a:lvl5pPr marL="1707551" indent="0">
               <a:buNone/>
-              <a:defRPr sz="1600" b="1"/>
+              <a:defRPr sz="1500" b="1"/>
             </a:lvl5pPr>
-            <a:lvl6pPr marL="2286000" indent="0">
+            <a:lvl6pPr marL="2134438" indent="0">
               <a:buNone/>
-              <a:defRPr sz="1600" b="1"/>
+              <a:defRPr sz="1500" b="1"/>
             </a:lvl6pPr>
-            <a:lvl7pPr marL="2743200" indent="0">
+            <a:lvl7pPr marL="2561326" indent="0">
               <a:buNone/>
-              <a:defRPr sz="1600" b="1"/>
+              <a:defRPr sz="1500" b="1"/>
             </a:lvl7pPr>
-            <a:lvl8pPr marL="3200400" indent="0">
+            <a:lvl8pPr marL="2988213" indent="0">
               <a:buNone/>
-              <a:defRPr sz="1600" b="1"/>
+              <a:defRPr sz="1500" b="1"/>
             </a:lvl8pPr>
-            <a:lvl9pPr marL="3657600" indent="0">
+            <a:lvl9pPr marL="3415101" indent="0">
               <a:buNone/>
-              <a:defRPr sz="1600" b="1"/>
+              <a:defRPr sz="1500" b="1"/>
             </a:lvl9pPr>
           </a:lstStyle>
           <a:p>
@@ -1656,39 +2098,39 @@
         </p:nvSpPr>
         <p:spPr>
           <a:xfrm>
-            <a:off x="4645025" y="2174875"/>
-            <a:ext cx="4041775" cy="3951288"/>
+            <a:off x="4389388" y="1998167"/>
+            <a:ext cx="3819337" cy="3630246"/>
           </a:xfrm>
         </p:spPr>
         <p:txBody>
           <a:bodyPr/>
           <a:lstStyle>
             <a:lvl1pPr>
-              <a:defRPr sz="2400"/>
+              <a:defRPr sz="2200"/>
             </a:lvl1pPr>
             <a:lvl2pPr>
-              <a:defRPr sz="2000"/>
+              <a:defRPr sz="1900"/>
             </a:lvl2pPr>
             <a:lvl3pPr>
-              <a:defRPr sz="1800"/>
+              <a:defRPr sz="1700"/>
             </a:lvl3pPr>
             <a:lvl4pPr>
-              <a:defRPr sz="1600"/>
+              <a:defRPr sz="1500"/>
             </a:lvl4pPr>
             <a:lvl5pPr>
-              <a:defRPr sz="1600"/>
+              <a:defRPr sz="1500"/>
             </a:lvl5pPr>
             <a:lvl6pPr>
-              <a:defRPr sz="1600"/>
+              <a:defRPr sz="1500"/>
             </a:lvl6pPr>
             <a:lvl7pPr>
-              <a:defRPr sz="1600"/>
+              <a:defRPr sz="1500"/>
             </a:lvl7pPr>
             <a:lvl8pPr>
-              <a:defRPr sz="1600"/>
+              <a:defRPr sz="1500"/>
             </a:lvl8pPr>
             <a:lvl9pPr>
-              <a:defRPr sz="1600"/>
+              <a:defRPr sz="1500"/>
             </a:lvl9pPr>
           </a:lstStyle>
           <a:p>
@@ -1747,7 +2189,7 @@
             <a:fld id="{1D8BD707-D9CF-40AE-B4C6-C98DA3205C09}" type="datetimeFigureOut">
               <a:rPr lang="en-US" smtClean="0"/>
               <a:pPr/>
-              <a:t>7/12/2012</a:t>
+              <a:t>12/18/2012</a:t>
             </a:fld>
             <a:endParaRPr lang="en-US"/>
           </a:p>
@@ -1862,7 +2304,7 @@
             <a:fld id="{1D8BD707-D9CF-40AE-B4C6-C98DA3205C09}" type="datetimeFigureOut">
               <a:rPr lang="en-US" smtClean="0"/>
               <a:pPr/>
-              <a:t>7/12/2012</a:t>
+              <a:t>12/18/2012</a:t>
             </a:fld>
             <a:endParaRPr lang="en-US"/>
           </a:p>
@@ -1954,7 +2396,7 @@
             <a:fld id="{1D8BD707-D9CF-40AE-B4C6-C98DA3205C09}" type="datetimeFigureOut">
               <a:rPr lang="en-US" smtClean="0"/>
               <a:pPr/>
-              <a:t>7/12/2012</a:t>
+              <a:t>12/18/2012</a:t>
             </a:fld>
             <a:endParaRPr lang="en-US"/>
           </a:p>
@@ -2040,15 +2482,15 @@
         </p:nvSpPr>
         <p:spPr>
           <a:xfrm>
-            <a:off x="457200" y="273050"/>
-            <a:ext cx="3008313" cy="1162050"/>
+            <a:off x="432039" y="250864"/>
+            <a:ext cx="2842751" cy="1067634"/>
           </a:xfrm>
         </p:spPr>
         <p:txBody>
           <a:bodyPr anchor="b"/>
           <a:lstStyle>
             <a:lvl1pPr algn="l">
-              <a:defRPr sz="2000" b="1"/>
+              <a:defRPr sz="1900" b="1"/>
             </a:lvl1pPr>
           </a:lstStyle>
           <a:p>
@@ -2072,39 +2514,39 @@
         </p:nvSpPr>
         <p:spPr>
           <a:xfrm>
-            <a:off x="3575050" y="273050"/>
-            <a:ext cx="5111750" cy="5853113"/>
+            <a:off x="3378298" y="250865"/>
+            <a:ext cx="4830427" cy="5377548"/>
           </a:xfrm>
         </p:spPr>
         <p:txBody>
           <a:bodyPr/>
           <a:lstStyle>
             <a:lvl1pPr>
-              <a:defRPr sz="3200"/>
+              <a:defRPr sz="3000"/>
             </a:lvl1pPr>
             <a:lvl2pPr>
-              <a:defRPr sz="2800"/>
+              <a:defRPr sz="2600"/>
             </a:lvl2pPr>
             <a:lvl3pPr>
-              <a:defRPr sz="2400"/>
+              <a:defRPr sz="2200"/>
             </a:lvl3pPr>
             <a:lvl4pPr>
-              <a:defRPr sz="2000"/>
+              <a:defRPr sz="1900"/>
             </a:lvl4pPr>
             <a:lvl5pPr>
-              <a:defRPr sz="2000"/>
+              <a:defRPr sz="1900"/>
             </a:lvl5pPr>
             <a:lvl6pPr>
-              <a:defRPr sz="2000"/>
+              <a:defRPr sz="1900"/>
             </a:lvl6pPr>
             <a:lvl7pPr>
-              <a:defRPr sz="2000"/>
+              <a:defRPr sz="1900"/>
             </a:lvl7pPr>
             <a:lvl8pPr>
-              <a:defRPr sz="2000"/>
+              <a:defRPr sz="1900"/>
             </a:lvl8pPr>
             <a:lvl9pPr>
-              <a:defRPr sz="2000"/>
+              <a:defRPr sz="1900"/>
             </a:lvl9pPr>
           </a:lstStyle>
           <a:p>
@@ -2157,8 +2599,8 @@
         </p:nvSpPr>
         <p:spPr>
           <a:xfrm>
-            <a:off x="457200" y="1435100"/>
-            <a:ext cx="3008313" cy="4691063"/>
+            <a:off x="432039" y="1318499"/>
+            <a:ext cx="2842751" cy="4309914"/>
           </a:xfrm>
         </p:spPr>
         <p:txBody>
@@ -2166,39 +2608,39 @@
           <a:lstStyle>
             <a:lvl1pPr marL="0" indent="0">
               <a:buNone/>
-              <a:defRPr sz="1400"/>
+              <a:defRPr sz="1300"/>
             </a:lvl1pPr>
-            <a:lvl2pPr marL="457200" indent="0">
+            <a:lvl2pPr marL="426888" indent="0">
               <a:buNone/>
-              <a:defRPr sz="1200"/>
+              <a:defRPr sz="1100"/>
             </a:lvl2pPr>
-            <a:lvl3pPr marL="914400" indent="0">
-              <a:buNone/>
-              <a:defRPr sz="1000"/>
-            </a:lvl3pPr>
-            <a:lvl4pPr marL="1371600" indent="0">
+            <a:lvl3pPr marL="853775" indent="0">
               <a:buNone/>
               <a:defRPr sz="900"/>
+            </a:lvl3pPr>
+            <a:lvl4pPr marL="1280663" indent="0">
+              <a:buNone/>
+              <a:defRPr sz="800"/>
             </a:lvl4pPr>
-            <a:lvl5pPr marL="1828800" indent="0">
+            <a:lvl5pPr marL="1707551" indent="0">
               <a:buNone/>
-              <a:defRPr sz="900"/>
+              <a:defRPr sz="800"/>
             </a:lvl5pPr>
-            <a:lvl6pPr marL="2286000" indent="0">
+            <a:lvl6pPr marL="2134438" indent="0">
               <a:buNone/>
-              <a:defRPr sz="900"/>
+              <a:defRPr sz="800"/>
             </a:lvl6pPr>
-            <a:lvl7pPr marL="2743200" indent="0">
+            <a:lvl7pPr marL="2561326" indent="0">
               <a:buNone/>
-              <a:defRPr sz="900"/>
+              <a:defRPr sz="800"/>
             </a:lvl7pPr>
-            <a:lvl8pPr marL="3200400" indent="0">
+            <a:lvl8pPr marL="2988213" indent="0">
               <a:buNone/>
-              <a:defRPr sz="900"/>
+              <a:defRPr sz="800"/>
             </a:lvl8pPr>
-            <a:lvl9pPr marL="3657600" indent="0">
+            <a:lvl9pPr marL="3415101" indent="0">
               <a:buNone/>
-              <a:defRPr sz="900"/>
+              <a:defRPr sz="800"/>
             </a:lvl9pPr>
           </a:lstStyle>
           <a:p>
@@ -2228,7 +2670,7 @@
             <a:fld id="{1D8BD707-D9CF-40AE-B4C6-C98DA3205C09}" type="datetimeFigureOut">
               <a:rPr lang="en-US" smtClean="0"/>
               <a:pPr/>
-              <a:t>7/12/2012</a:t>
+              <a:t>12/18/2012</a:t>
             </a:fld>
             <a:endParaRPr lang="en-US"/>
           </a:p>
@@ -2314,15 +2756,15 @@
         </p:nvSpPr>
         <p:spPr>
           <a:xfrm>
-            <a:off x="1792288" y="4800600"/>
-            <a:ext cx="5486400" cy="566738"/>
+            <a:off x="1693650" y="4410551"/>
+            <a:ext cx="5184458" cy="520691"/>
           </a:xfrm>
         </p:spPr>
         <p:txBody>
           <a:bodyPr anchor="b"/>
           <a:lstStyle>
             <a:lvl1pPr algn="l">
-              <a:defRPr sz="2000" b="1"/>
+              <a:defRPr sz="1900" b="1"/>
             </a:lvl1pPr>
           </a:lstStyle>
           <a:p>
@@ -2346,8 +2788,8 @@
         </p:nvSpPr>
         <p:spPr>
           <a:xfrm>
-            <a:off x="1792288" y="612775"/>
-            <a:ext cx="5486400" cy="4114800"/>
+            <a:off x="1693650" y="562987"/>
+            <a:ext cx="5184458" cy="3780473"/>
           </a:xfrm>
         </p:spPr>
         <p:txBody>
@@ -2355,39 +2797,39 @@
           <a:lstStyle>
             <a:lvl1pPr marL="0" indent="0">
               <a:buNone/>
-              <a:defRPr sz="3200"/>
+              <a:defRPr sz="3000"/>
             </a:lvl1pPr>
-            <a:lvl2pPr marL="457200" indent="0">
+            <a:lvl2pPr marL="426888" indent="0">
               <a:buNone/>
-              <a:defRPr sz="2800"/>
+              <a:defRPr sz="2600"/>
             </a:lvl2pPr>
-            <a:lvl3pPr marL="914400" indent="0">
+            <a:lvl3pPr marL="853775" indent="0">
               <a:buNone/>
-              <a:defRPr sz="2400"/>
+              <a:defRPr sz="2200"/>
             </a:lvl3pPr>
-            <a:lvl4pPr marL="1371600" indent="0">
+            <a:lvl4pPr marL="1280663" indent="0">
               <a:buNone/>
-              <a:defRPr sz="2000"/>
+              <a:defRPr sz="1900"/>
             </a:lvl4pPr>
-            <a:lvl5pPr marL="1828800" indent="0">
+            <a:lvl5pPr marL="1707551" indent="0">
               <a:buNone/>
-              <a:defRPr sz="2000"/>
+              <a:defRPr sz="1900"/>
             </a:lvl5pPr>
-            <a:lvl6pPr marL="2286000" indent="0">
+            <a:lvl6pPr marL="2134438" indent="0">
               <a:buNone/>
-              <a:defRPr sz="2000"/>
+              <a:defRPr sz="1900"/>
             </a:lvl6pPr>
-            <a:lvl7pPr marL="2743200" indent="0">
+            <a:lvl7pPr marL="2561326" indent="0">
               <a:buNone/>
-              <a:defRPr sz="2000"/>
+              <a:defRPr sz="1900"/>
             </a:lvl7pPr>
-            <a:lvl8pPr marL="3200400" indent="0">
+            <a:lvl8pPr marL="2988213" indent="0">
               <a:buNone/>
-              <a:defRPr sz="2000"/>
+              <a:defRPr sz="1900"/>
             </a:lvl8pPr>
-            <a:lvl9pPr marL="3657600" indent="0">
+            <a:lvl9pPr marL="3415101" indent="0">
               <a:buNone/>
-              <a:defRPr sz="2000"/>
+              <a:defRPr sz="1900"/>
             </a:lvl9pPr>
           </a:lstStyle>
           <a:p>
@@ -2407,8 +2849,8 @@
         </p:nvSpPr>
         <p:spPr>
           <a:xfrm>
-            <a:off x="1792288" y="5367338"/>
-            <a:ext cx="5486400" cy="804862"/>
+            <a:off x="1693650" y="4931242"/>
+            <a:ext cx="5184458" cy="739467"/>
           </a:xfrm>
         </p:spPr>
         <p:txBody>
@@ -2416,39 +2858,39 @@
           <a:lstStyle>
             <a:lvl1pPr marL="0" indent="0">
               <a:buNone/>
-              <a:defRPr sz="1400"/>
+              <a:defRPr sz="1300"/>
             </a:lvl1pPr>
-            <a:lvl2pPr marL="457200" indent="0">
+            <a:lvl2pPr marL="426888" indent="0">
               <a:buNone/>
-              <a:defRPr sz="1200"/>
+              <a:defRPr sz="1100"/>
             </a:lvl2pPr>
-            <a:lvl3pPr marL="914400" indent="0">
-              <a:buNone/>
-              <a:defRPr sz="1000"/>
-            </a:lvl3pPr>
-            <a:lvl4pPr marL="1371600" indent="0">
+            <a:lvl3pPr marL="853775" indent="0">
               <a:buNone/>
               <a:defRPr sz="900"/>
+            </a:lvl3pPr>
+            <a:lvl4pPr marL="1280663" indent="0">
+              <a:buNone/>
+              <a:defRPr sz="800"/>
             </a:lvl4pPr>
-            <a:lvl5pPr marL="1828800" indent="0">
+            <a:lvl5pPr marL="1707551" indent="0">
               <a:buNone/>
-              <a:defRPr sz="900"/>
+              <a:defRPr sz="800"/>
             </a:lvl5pPr>
-            <a:lvl6pPr marL="2286000" indent="0">
+            <a:lvl6pPr marL="2134438" indent="0">
               <a:buNone/>
-              <a:defRPr sz="900"/>
+              <a:defRPr sz="800"/>
             </a:lvl6pPr>
-            <a:lvl7pPr marL="2743200" indent="0">
+            <a:lvl7pPr marL="2561326" indent="0">
               <a:buNone/>
-              <a:defRPr sz="900"/>
+              <a:defRPr sz="800"/>
             </a:lvl7pPr>
-            <a:lvl8pPr marL="3200400" indent="0">
+            <a:lvl8pPr marL="2988213" indent="0">
               <a:buNone/>
-              <a:defRPr sz="900"/>
+              <a:defRPr sz="800"/>
             </a:lvl8pPr>
-            <a:lvl9pPr marL="3657600" indent="0">
+            <a:lvl9pPr marL="3415101" indent="0">
               <a:buNone/>
-              <a:defRPr sz="900"/>
+              <a:defRPr sz="800"/>
             </a:lvl9pPr>
           </a:lstStyle>
           <a:p>
@@ -2478,7 +2920,7 @@
             <a:fld id="{1D8BD707-D9CF-40AE-B4C6-C98DA3205C09}" type="datetimeFigureOut">
               <a:rPr lang="en-US" smtClean="0"/>
               <a:pPr/>
-              <a:t>7/12/2012</a:t>
+              <a:t>12/18/2012</a:t>
             </a:fld>
             <a:endParaRPr lang="en-US"/>
           </a:p>
@@ -2569,15 +3011,15 @@
         </p:nvSpPr>
         <p:spPr>
           <a:xfrm>
-            <a:off x="457200" y="274638"/>
-            <a:ext cx="8229600" cy="1143000"/>
+            <a:off x="432038" y="252324"/>
+            <a:ext cx="7776687" cy="1050131"/>
           </a:xfrm>
           <a:prstGeom prst="rect">
             <a:avLst/>
           </a:prstGeom>
         </p:spPr>
         <p:txBody>
-          <a:bodyPr vert="horz" lIns="91440" tIns="45720" rIns="91440" bIns="45720" rtlCol="0" anchor="ctr">
+          <a:bodyPr vert="horz" lIns="85378" tIns="42689" rIns="85378" bIns="42689" rtlCol="0" anchor="ctr">
             <a:normAutofit/>
           </a:bodyPr>
           <a:lstStyle/>
@@ -2602,15 +3044,15 @@
         </p:nvSpPr>
         <p:spPr>
           <a:xfrm>
-            <a:off x="457200" y="1600200"/>
-            <a:ext cx="8229600" cy="4525963"/>
+            <a:off x="432038" y="1470184"/>
+            <a:ext cx="7776687" cy="4158229"/>
           </a:xfrm>
           <a:prstGeom prst="rect">
             <a:avLst/>
           </a:prstGeom>
         </p:spPr>
         <p:txBody>
-          <a:bodyPr vert="horz" lIns="91440" tIns="45720" rIns="91440" bIns="45720" rtlCol="0">
+          <a:bodyPr vert="horz" lIns="85378" tIns="42689" rIns="85378" bIns="42689" rtlCol="0">
             <a:normAutofit/>
           </a:bodyPr>
           <a:lstStyle/>
@@ -2664,18 +3106,18 @@
         </p:nvSpPr>
         <p:spPr>
           <a:xfrm>
-            <a:off x="457200" y="6356350"/>
-            <a:ext cx="2133600" cy="365125"/>
+            <a:off x="432038" y="5839897"/>
+            <a:ext cx="2016178" cy="335459"/>
           </a:xfrm>
           <a:prstGeom prst="rect">
             <a:avLst/>
           </a:prstGeom>
         </p:spPr>
         <p:txBody>
-          <a:bodyPr vert="horz" lIns="91440" tIns="45720" rIns="91440" bIns="45720" rtlCol="0" anchor="ctr"/>
+          <a:bodyPr vert="horz" lIns="85378" tIns="42689" rIns="85378" bIns="42689" rtlCol="0" anchor="ctr"/>
           <a:lstStyle>
             <a:lvl1pPr algn="l">
-              <a:defRPr sz="1200">
+              <a:defRPr sz="1100">
                 <a:solidFill>
                   <a:schemeClr val="tx1">
                     <a:tint val="75000"/>
@@ -2688,7 +3130,7 @@
             <a:fld id="{1D8BD707-D9CF-40AE-B4C6-C98DA3205C09}" type="datetimeFigureOut">
               <a:rPr lang="en-US" smtClean="0"/>
               <a:pPr/>
-              <a:t>7/12/2012</a:t>
+              <a:t>12/18/2012</a:t>
             </a:fld>
             <a:endParaRPr lang="en-US"/>
           </a:p>
@@ -2706,18 +3148,18 @@
         </p:nvSpPr>
         <p:spPr>
           <a:xfrm>
-            <a:off x="3124200" y="6356350"/>
-            <a:ext cx="2895600" cy="365125"/>
+            <a:off x="2952261" y="5839897"/>
+            <a:ext cx="2736242" cy="335459"/>
           </a:xfrm>
           <a:prstGeom prst="rect">
             <a:avLst/>
           </a:prstGeom>
         </p:spPr>
         <p:txBody>
-          <a:bodyPr vert="horz" lIns="91440" tIns="45720" rIns="91440" bIns="45720" rtlCol="0" anchor="ctr"/>
+          <a:bodyPr vert="horz" lIns="85378" tIns="42689" rIns="85378" bIns="42689" rtlCol="0" anchor="ctr"/>
           <a:lstStyle>
             <a:lvl1pPr algn="ctr">
-              <a:defRPr sz="1200">
+              <a:defRPr sz="1100">
                 <a:solidFill>
                   <a:schemeClr val="tx1">
                     <a:tint val="75000"/>
@@ -2743,18 +3185,18 @@
         </p:nvSpPr>
         <p:spPr>
           <a:xfrm>
-            <a:off x="6553200" y="6356350"/>
-            <a:ext cx="2133600" cy="365125"/>
+            <a:off x="6192547" y="5839897"/>
+            <a:ext cx="2016178" cy="335459"/>
           </a:xfrm>
           <a:prstGeom prst="rect">
             <a:avLst/>
           </a:prstGeom>
         </p:spPr>
         <p:txBody>
-          <a:bodyPr vert="horz" lIns="91440" tIns="45720" rIns="91440" bIns="45720" rtlCol="0" anchor="ctr"/>
+          <a:bodyPr vert="horz" lIns="85378" tIns="42689" rIns="85378" bIns="42689" rtlCol="0" anchor="ctr"/>
           <a:lstStyle>
             <a:lvl1pPr algn="r">
-              <a:defRPr sz="1200">
+              <a:defRPr sz="1100">
                 <a:solidFill>
                   <a:schemeClr val="tx1">
                     <a:tint val="75000"/>
@@ -2791,12 +3233,12 @@
   </p:sldLayoutIdLst>
   <p:txStyles>
     <p:titleStyle>
-      <a:lvl1pPr algn="ctr" defTabSz="914400" rtl="0" eaLnBrk="1" latinLnBrk="0" hangingPunct="1">
+      <a:lvl1pPr algn="ctr" defTabSz="853775" rtl="0" eaLnBrk="1" latinLnBrk="0" hangingPunct="1">
         <a:spcBef>
           <a:spcPct val="0"/>
         </a:spcBef>
         <a:buNone/>
-        <a:defRPr sz="4400" kern="1200">
+        <a:defRPr sz="4100" kern="1200">
           <a:solidFill>
             <a:schemeClr val="tx1"/>
           </a:solidFill>
@@ -2807,13 +3249,13 @@
       </a:lvl1pPr>
     </p:titleStyle>
     <p:bodyStyle>
-      <a:lvl1pPr marL="342900" indent="-342900" algn="l" defTabSz="914400" rtl="0" eaLnBrk="1" latinLnBrk="0" hangingPunct="1">
+      <a:lvl1pPr marL="320166" indent="-320166" algn="l" defTabSz="853775" rtl="0" eaLnBrk="1" latinLnBrk="0" hangingPunct="1">
         <a:spcBef>
           <a:spcPct val="20000"/>
         </a:spcBef>
         <a:buFont typeface="Arial" pitchFamily="34" charset="0"/>
         <a:buChar char="•"/>
-        <a:defRPr sz="3200" kern="1200">
+        <a:defRPr sz="3000" kern="1200">
           <a:solidFill>
             <a:schemeClr val="tx1"/>
           </a:solidFill>
@@ -2822,13 +3264,13 @@
           <a:cs typeface="+mn-cs"/>
         </a:defRPr>
       </a:lvl1pPr>
-      <a:lvl2pPr marL="742950" indent="-285750" algn="l" defTabSz="914400" rtl="0" eaLnBrk="1" latinLnBrk="0" hangingPunct="1">
+      <a:lvl2pPr marL="693692" indent="-266805" algn="l" defTabSz="853775" rtl="0" eaLnBrk="1" latinLnBrk="0" hangingPunct="1">
         <a:spcBef>
           <a:spcPct val="20000"/>
         </a:spcBef>
         <a:buFont typeface="Arial" pitchFamily="34" charset="0"/>
         <a:buChar char="–"/>
-        <a:defRPr sz="2800" kern="1200">
+        <a:defRPr sz="2600" kern="1200">
           <a:solidFill>
             <a:schemeClr val="tx1"/>
           </a:solidFill>
@@ -2837,13 +3279,13 @@
           <a:cs typeface="+mn-cs"/>
         </a:defRPr>
       </a:lvl2pPr>
-      <a:lvl3pPr marL="1143000" indent="-228600" algn="l" defTabSz="914400" rtl="0" eaLnBrk="1" latinLnBrk="0" hangingPunct="1">
+      <a:lvl3pPr marL="1067219" indent="-213444" algn="l" defTabSz="853775" rtl="0" eaLnBrk="1" latinLnBrk="0" hangingPunct="1">
         <a:spcBef>
           <a:spcPct val="20000"/>
         </a:spcBef>
         <a:buFont typeface="Arial" pitchFamily="34" charset="0"/>
         <a:buChar char="•"/>
-        <a:defRPr sz="2400" kern="1200">
+        <a:defRPr sz="2200" kern="1200">
           <a:solidFill>
             <a:schemeClr val="tx1"/>
           </a:solidFill>
@@ -2852,13 +3294,13 @@
           <a:cs typeface="+mn-cs"/>
         </a:defRPr>
       </a:lvl3pPr>
-      <a:lvl4pPr marL="1600200" indent="-228600" algn="l" defTabSz="914400" rtl="0" eaLnBrk="1" latinLnBrk="0" hangingPunct="1">
+      <a:lvl4pPr marL="1494107" indent="-213444" algn="l" defTabSz="853775" rtl="0" eaLnBrk="1" latinLnBrk="0" hangingPunct="1">
         <a:spcBef>
           <a:spcPct val="20000"/>
         </a:spcBef>
         <a:buFont typeface="Arial" pitchFamily="34" charset="0"/>
         <a:buChar char="–"/>
-        <a:defRPr sz="2000" kern="1200">
+        <a:defRPr sz="1900" kern="1200">
           <a:solidFill>
             <a:schemeClr val="tx1"/>
           </a:solidFill>
@@ -2867,13 +3309,13 @@
           <a:cs typeface="+mn-cs"/>
         </a:defRPr>
       </a:lvl4pPr>
-      <a:lvl5pPr marL="2057400" indent="-228600" algn="l" defTabSz="914400" rtl="0" eaLnBrk="1" latinLnBrk="0" hangingPunct="1">
+      <a:lvl5pPr marL="1920994" indent="-213444" algn="l" defTabSz="853775" rtl="0" eaLnBrk="1" latinLnBrk="0" hangingPunct="1">
         <a:spcBef>
           <a:spcPct val="20000"/>
         </a:spcBef>
         <a:buFont typeface="Arial" pitchFamily="34" charset="0"/>
         <a:buChar char="»"/>
-        <a:defRPr sz="2000" kern="1200">
+        <a:defRPr sz="1900" kern="1200">
           <a:solidFill>
             <a:schemeClr val="tx1"/>
           </a:solidFill>
@@ -2882,13 +3324,13 @@
           <a:cs typeface="+mn-cs"/>
         </a:defRPr>
       </a:lvl5pPr>
-      <a:lvl6pPr marL="2514600" indent="-228600" algn="l" defTabSz="914400" rtl="0" eaLnBrk="1" latinLnBrk="0" hangingPunct="1">
+      <a:lvl6pPr marL="2347882" indent="-213444" algn="l" defTabSz="853775" rtl="0" eaLnBrk="1" latinLnBrk="0" hangingPunct="1">
         <a:spcBef>
           <a:spcPct val="20000"/>
         </a:spcBef>
         <a:buFont typeface="Arial" pitchFamily="34" charset="0"/>
         <a:buChar char="•"/>
-        <a:defRPr sz="2000" kern="1200">
+        <a:defRPr sz="1900" kern="1200">
           <a:solidFill>
             <a:schemeClr val="tx1"/>
           </a:solidFill>
@@ -2897,13 +3339,13 @@
           <a:cs typeface="+mn-cs"/>
         </a:defRPr>
       </a:lvl6pPr>
-      <a:lvl7pPr marL="2971800" indent="-228600" algn="l" defTabSz="914400" rtl="0" eaLnBrk="1" latinLnBrk="0" hangingPunct="1">
+      <a:lvl7pPr marL="2774770" indent="-213444" algn="l" defTabSz="853775" rtl="0" eaLnBrk="1" latinLnBrk="0" hangingPunct="1">
         <a:spcBef>
           <a:spcPct val="20000"/>
         </a:spcBef>
         <a:buFont typeface="Arial" pitchFamily="34" charset="0"/>
         <a:buChar char="•"/>
-        <a:defRPr sz="2000" kern="1200">
+        <a:defRPr sz="1900" kern="1200">
           <a:solidFill>
             <a:schemeClr val="tx1"/>
           </a:solidFill>
@@ -2912,13 +3354,13 @@
           <a:cs typeface="+mn-cs"/>
         </a:defRPr>
       </a:lvl7pPr>
-      <a:lvl8pPr marL="3429000" indent="-228600" algn="l" defTabSz="914400" rtl="0" eaLnBrk="1" latinLnBrk="0" hangingPunct="1">
+      <a:lvl8pPr marL="3201657" indent="-213444" algn="l" defTabSz="853775" rtl="0" eaLnBrk="1" latinLnBrk="0" hangingPunct="1">
         <a:spcBef>
           <a:spcPct val="20000"/>
         </a:spcBef>
         <a:buFont typeface="Arial" pitchFamily="34" charset="0"/>
         <a:buChar char="•"/>
-        <a:defRPr sz="2000" kern="1200">
+        <a:defRPr sz="1900" kern="1200">
           <a:solidFill>
             <a:schemeClr val="tx1"/>
           </a:solidFill>
@@ -2927,13 +3369,13 @@
           <a:cs typeface="+mn-cs"/>
         </a:defRPr>
       </a:lvl8pPr>
-      <a:lvl9pPr marL="3886200" indent="-228600" algn="l" defTabSz="914400" rtl="0" eaLnBrk="1" latinLnBrk="0" hangingPunct="1">
+      <a:lvl9pPr marL="3628545" indent="-213444" algn="l" defTabSz="853775" rtl="0" eaLnBrk="1" latinLnBrk="0" hangingPunct="1">
         <a:spcBef>
           <a:spcPct val="20000"/>
         </a:spcBef>
         <a:buFont typeface="Arial" pitchFamily="34" charset="0"/>
         <a:buChar char="•"/>
-        <a:defRPr sz="2000" kern="1200">
+        <a:defRPr sz="1900" kern="1200">
           <a:solidFill>
             <a:schemeClr val="tx1"/>
           </a:solidFill>
@@ -2947,8 +3389,8 @@
       <a:defPPr>
         <a:defRPr lang="en-US"/>
       </a:defPPr>
-      <a:lvl1pPr marL="0" algn="l" defTabSz="914400" rtl="0" eaLnBrk="1" latinLnBrk="0" hangingPunct="1">
-        <a:defRPr sz="1800" kern="1200">
+      <a:lvl1pPr marL="0" algn="l" defTabSz="853775" rtl="0" eaLnBrk="1" latinLnBrk="0" hangingPunct="1">
+        <a:defRPr sz="1700" kern="1200">
           <a:solidFill>
             <a:schemeClr val="tx1"/>
           </a:solidFill>
@@ -2957,8 +3399,8 @@
           <a:cs typeface="+mn-cs"/>
         </a:defRPr>
       </a:lvl1pPr>
-      <a:lvl2pPr marL="457200" algn="l" defTabSz="914400" rtl="0" eaLnBrk="1" latinLnBrk="0" hangingPunct="1">
-        <a:defRPr sz="1800" kern="1200">
+      <a:lvl2pPr marL="426888" algn="l" defTabSz="853775" rtl="0" eaLnBrk="1" latinLnBrk="0" hangingPunct="1">
+        <a:defRPr sz="1700" kern="1200">
           <a:solidFill>
             <a:schemeClr val="tx1"/>
           </a:solidFill>
@@ -2967,8 +3409,8 @@
           <a:cs typeface="+mn-cs"/>
         </a:defRPr>
       </a:lvl2pPr>
-      <a:lvl3pPr marL="914400" algn="l" defTabSz="914400" rtl="0" eaLnBrk="1" latinLnBrk="0" hangingPunct="1">
-        <a:defRPr sz="1800" kern="1200">
+      <a:lvl3pPr marL="853775" algn="l" defTabSz="853775" rtl="0" eaLnBrk="1" latinLnBrk="0" hangingPunct="1">
+        <a:defRPr sz="1700" kern="1200">
           <a:solidFill>
             <a:schemeClr val="tx1"/>
           </a:solidFill>
@@ -2977,8 +3419,8 @@
           <a:cs typeface="+mn-cs"/>
         </a:defRPr>
       </a:lvl3pPr>
-      <a:lvl4pPr marL="1371600" algn="l" defTabSz="914400" rtl="0" eaLnBrk="1" latinLnBrk="0" hangingPunct="1">
-        <a:defRPr sz="1800" kern="1200">
+      <a:lvl4pPr marL="1280663" algn="l" defTabSz="853775" rtl="0" eaLnBrk="1" latinLnBrk="0" hangingPunct="1">
+        <a:defRPr sz="1700" kern="1200">
           <a:solidFill>
             <a:schemeClr val="tx1"/>
           </a:solidFill>
@@ -2987,8 +3429,8 @@
           <a:cs typeface="+mn-cs"/>
         </a:defRPr>
       </a:lvl4pPr>
-      <a:lvl5pPr marL="1828800" algn="l" defTabSz="914400" rtl="0" eaLnBrk="1" latinLnBrk="0" hangingPunct="1">
-        <a:defRPr sz="1800" kern="1200">
+      <a:lvl5pPr marL="1707551" algn="l" defTabSz="853775" rtl="0" eaLnBrk="1" latinLnBrk="0" hangingPunct="1">
+        <a:defRPr sz="1700" kern="1200">
           <a:solidFill>
             <a:schemeClr val="tx1"/>
           </a:solidFill>
@@ -2997,8 +3439,8 @@
           <a:cs typeface="+mn-cs"/>
         </a:defRPr>
       </a:lvl5pPr>
-      <a:lvl6pPr marL="2286000" algn="l" defTabSz="914400" rtl="0" eaLnBrk="1" latinLnBrk="0" hangingPunct="1">
-        <a:defRPr sz="1800" kern="1200">
+      <a:lvl6pPr marL="2134438" algn="l" defTabSz="853775" rtl="0" eaLnBrk="1" latinLnBrk="0" hangingPunct="1">
+        <a:defRPr sz="1700" kern="1200">
           <a:solidFill>
             <a:schemeClr val="tx1"/>
           </a:solidFill>
@@ -3007,8 +3449,8 @@
           <a:cs typeface="+mn-cs"/>
         </a:defRPr>
       </a:lvl6pPr>
-      <a:lvl7pPr marL="2743200" algn="l" defTabSz="914400" rtl="0" eaLnBrk="1" latinLnBrk="0" hangingPunct="1">
-        <a:defRPr sz="1800" kern="1200">
+      <a:lvl7pPr marL="2561326" algn="l" defTabSz="853775" rtl="0" eaLnBrk="1" latinLnBrk="0" hangingPunct="1">
+        <a:defRPr sz="1700" kern="1200">
           <a:solidFill>
             <a:schemeClr val="tx1"/>
           </a:solidFill>
@@ -3017,8 +3459,8 @@
           <a:cs typeface="+mn-cs"/>
         </a:defRPr>
       </a:lvl7pPr>
-      <a:lvl8pPr marL="3200400" algn="l" defTabSz="914400" rtl="0" eaLnBrk="1" latinLnBrk="0" hangingPunct="1">
-        <a:defRPr sz="1800" kern="1200">
+      <a:lvl8pPr marL="2988213" algn="l" defTabSz="853775" rtl="0" eaLnBrk="1" latinLnBrk="0" hangingPunct="1">
+        <a:defRPr sz="1700" kern="1200">
           <a:solidFill>
             <a:schemeClr val="tx1"/>
           </a:solidFill>
@@ -3027,8 +3469,8 @@
           <a:cs typeface="+mn-cs"/>
         </a:defRPr>
       </a:lvl8pPr>
-      <a:lvl9pPr marL="3657600" algn="l" defTabSz="914400" rtl="0" eaLnBrk="1" latinLnBrk="0" hangingPunct="1">
-        <a:defRPr sz="1800" kern="1200">
+      <a:lvl9pPr marL="3415101" algn="l" defTabSz="853775" rtl="0" eaLnBrk="1" latinLnBrk="0" hangingPunct="1">
+        <a:defRPr sz="1700" kern="1200">
           <a:solidFill>
             <a:schemeClr val="tx1"/>
           </a:solidFill>
@@ -3061,14 +3503,14 @@
       </p:grpSpPr>
       <p:sp>
         <p:nvSpPr>
-          <p:cNvPr id="4" name="Rounded Rectangle 3"/>
+          <p:cNvPr id="89" name="Rounded Rectangle 88"/>
           <p:cNvSpPr/>
           <p:nvPr/>
         </p:nvSpPr>
         <p:spPr>
           <a:xfrm>
-            <a:off x="381000" y="4644640"/>
-            <a:ext cx="2133600" cy="1984760"/>
+            <a:off x="129381" y="4111239"/>
+            <a:ext cx="2133600" cy="2060961"/>
           </a:xfrm>
           <a:prstGeom prst="roundRect">
             <a:avLst>
@@ -3107,10 +3549,9 @@
           </a:fontRef>
         </p:style>
         <p:txBody>
-          <a:bodyPr rtlCol="0" anchor="t" anchorCtr="1"/>
+          <a:bodyPr rtlCol="0" anchor="t" anchorCtr="0"/>
           <a:lstStyle/>
           <a:p>
-            <a:pPr algn="ctr"/>
             <a:r>
               <a:rPr lang="en-US" sz="1600" b="1" dirty="0" smtClean="0"/>
               <a:t>Test Driver</a:t>
@@ -3121,13 +3562,13 @@
       </p:sp>
       <p:sp>
         <p:nvSpPr>
-          <p:cNvPr id="5" name="Rounded Rectangle 4"/>
+          <p:cNvPr id="90" name="Rounded Rectangle 89"/>
           <p:cNvSpPr/>
           <p:nvPr/>
         </p:nvSpPr>
         <p:spPr>
           <a:xfrm>
-            <a:off x="3810000" y="1905713"/>
+            <a:off x="3558381" y="1372313"/>
             <a:ext cx="2286000" cy="4799888"/>
           </a:xfrm>
           <a:prstGeom prst="roundRect">
@@ -3181,13 +3622,13 @@
       </p:sp>
       <p:sp>
         <p:nvSpPr>
-          <p:cNvPr id="6" name="Rounded Rectangle 5"/>
+          <p:cNvPr id="91" name="Rounded Rectangle 90"/>
           <p:cNvSpPr/>
           <p:nvPr/>
         </p:nvSpPr>
         <p:spPr>
           <a:xfrm>
-            <a:off x="6477000" y="1905712"/>
+            <a:off x="6225381" y="1372312"/>
             <a:ext cx="2286000" cy="4799889"/>
           </a:xfrm>
           <a:prstGeom prst="roundRect">
@@ -3241,13 +3682,13 @@
       </p:sp>
       <p:sp>
         <p:nvSpPr>
-          <p:cNvPr id="7" name="Rounded Rectangle 6"/>
+          <p:cNvPr id="92" name="Rounded Rectangle 91"/>
           <p:cNvSpPr/>
           <p:nvPr/>
         </p:nvSpPr>
         <p:spPr>
           <a:xfrm>
-            <a:off x="1219200" y="1905000"/>
+            <a:off x="967581" y="1371600"/>
             <a:ext cx="1752600" cy="2514600"/>
           </a:xfrm>
           <a:prstGeom prst="roundRect">
@@ -3301,14 +3742,14 @@
       </p:sp>
       <p:sp>
         <p:nvSpPr>
-          <p:cNvPr id="8" name="Rounded Rectangle 7"/>
+          <p:cNvPr id="93" name="Rounded Rectangle 92"/>
           <p:cNvSpPr/>
           <p:nvPr/>
         </p:nvSpPr>
         <p:spPr>
           <a:xfrm>
-            <a:off x="381000" y="152400"/>
-            <a:ext cx="8382000" cy="1295400"/>
+            <a:off x="129381" y="76200"/>
+            <a:ext cx="8382000" cy="838200"/>
           </a:xfrm>
           <a:prstGeom prst="roundRect">
             <a:avLst>
@@ -3360,13 +3801,13 @@
       </p:sp>
       <p:grpSp>
         <p:nvGrpSpPr>
-          <p:cNvPr id="11" name="Group 10"/>
+          <p:cNvPr id="94" name="Group 93"/>
           <p:cNvGrpSpPr/>
           <p:nvPr/>
         </p:nvGrpSpPr>
         <p:grpSpPr>
           <a:xfrm>
-            <a:off x="1447800" y="3505200"/>
+            <a:off x="1196181" y="3124200"/>
             <a:ext cx="1371600" cy="609600"/>
             <a:chOff x="-228600" y="1371600"/>
             <a:chExt cx="1371600" cy="609600"/>
@@ -3377,7 +3818,7 @@
         </p:grpSpPr>
         <p:sp>
           <p:nvSpPr>
-            <p:cNvPr id="9" name="Rectangle 8"/>
+            <p:cNvPr id="95" name="Rectangle 94"/>
             <p:cNvSpPr/>
             <p:nvPr/>
           </p:nvSpPr>
@@ -3438,7 +3879,7 @@
         </p:sp>
         <p:sp>
           <p:nvSpPr>
-            <p:cNvPr id="10" name="Rectangle 9"/>
+            <p:cNvPr id="96" name="Rectangle 95"/>
             <p:cNvSpPr/>
             <p:nvPr/>
           </p:nvSpPr>
@@ -3484,13 +3925,13 @@
       </p:grpSp>
       <p:grpSp>
         <p:nvGrpSpPr>
-          <p:cNvPr id="15" name="Group 14"/>
+          <p:cNvPr id="97" name="Group 96"/>
           <p:cNvGrpSpPr/>
           <p:nvPr/>
         </p:nvGrpSpPr>
         <p:grpSpPr>
           <a:xfrm>
-            <a:off x="4267200" y="2362200"/>
+            <a:off x="4015581" y="1828800"/>
             <a:ext cx="1371600" cy="762000"/>
             <a:chOff x="-228600" y="1371600"/>
             <a:chExt cx="1371600" cy="762000"/>
@@ -3501,7 +3942,7 @@
         </p:grpSpPr>
         <p:sp>
           <p:nvSpPr>
-            <p:cNvPr id="16" name="Rectangle 15"/>
+            <p:cNvPr id="98" name="Rectangle 97"/>
             <p:cNvSpPr/>
             <p:nvPr/>
           </p:nvSpPr>
@@ -3559,7 +4000,7 @@
         </p:sp>
         <p:sp>
           <p:nvSpPr>
-            <p:cNvPr id="17" name="Rectangle 16"/>
+            <p:cNvPr id="99" name="Rectangle 98"/>
             <p:cNvSpPr/>
             <p:nvPr/>
           </p:nvSpPr>
@@ -3610,13 +4051,13 @@
       </p:grpSp>
       <p:grpSp>
         <p:nvGrpSpPr>
-          <p:cNvPr id="18" name="Group 17"/>
+          <p:cNvPr id="100" name="Group 99"/>
           <p:cNvGrpSpPr/>
           <p:nvPr/>
         </p:nvGrpSpPr>
         <p:grpSpPr>
           <a:xfrm>
-            <a:off x="6858000" y="2514600"/>
+            <a:off x="6606381" y="1981200"/>
             <a:ext cx="1600200" cy="762000"/>
             <a:chOff x="-457200" y="1371600"/>
             <a:chExt cx="1600200" cy="762000"/>
@@ -3627,7 +4068,7 @@
         </p:grpSpPr>
         <p:sp>
           <p:nvSpPr>
-            <p:cNvPr id="19" name="Rectangle 18"/>
+            <p:cNvPr id="101" name="Rectangle 100"/>
             <p:cNvSpPr/>
             <p:nvPr/>
           </p:nvSpPr>
@@ -3685,7 +4126,7 @@
         </p:sp>
         <p:sp>
           <p:nvSpPr>
-            <p:cNvPr id="20" name="Rectangle 19"/>
+            <p:cNvPr id="102" name="Rectangle 101"/>
             <p:cNvSpPr/>
             <p:nvPr/>
           </p:nvSpPr>
@@ -3736,13 +4177,13 @@
       </p:grpSp>
       <p:grpSp>
         <p:nvGrpSpPr>
-          <p:cNvPr id="21" name="Group 20"/>
+          <p:cNvPr id="103" name="Group 102"/>
           <p:cNvGrpSpPr/>
           <p:nvPr/>
         </p:nvGrpSpPr>
         <p:grpSpPr>
           <a:xfrm>
-            <a:off x="6858000" y="3958839"/>
+            <a:off x="6606381" y="3425439"/>
             <a:ext cx="1600200" cy="762000"/>
             <a:chOff x="-457200" y="1371600"/>
             <a:chExt cx="1600200" cy="762000"/>
@@ -3753,7 +4194,7 @@
         </p:grpSpPr>
         <p:sp>
           <p:nvSpPr>
-            <p:cNvPr id="22" name="Rectangle 21"/>
+            <p:cNvPr id="104" name="Rectangle 103"/>
             <p:cNvSpPr/>
             <p:nvPr/>
           </p:nvSpPr>
@@ -3799,15 +4240,7 @@
                     <a:srgbClr val="00B050"/>
                   </a:solidFill>
                 </a:rPr>
-                <a:t>storage</a:t>
-              </a:r>
-              <a:r>
-                <a:rPr lang="en-US" sz="1400" b="1" dirty="0" smtClean="0">
-                  <a:solidFill>
-                    <a:srgbClr val="00B050"/>
-                  </a:solidFill>
-                </a:rPr>
-                <a:t>::</a:t>
+                <a:t>storage::</a:t>
               </a:r>
               <a:r>
                 <a:rPr lang="en-US" sz="1400" b="1" dirty="0" err="1" smtClean="0">
@@ -3835,7 +4268,7 @@
         </p:sp>
         <p:sp>
           <p:nvSpPr>
-            <p:cNvPr id="23" name="Rectangle 22"/>
+            <p:cNvPr id="105" name="Rectangle 104"/>
             <p:cNvSpPr/>
             <p:nvPr/>
           </p:nvSpPr>
@@ -3886,16 +4319,16 @@
       </p:grpSp>
       <p:grpSp>
         <p:nvGrpSpPr>
-          <p:cNvPr id="24" name="Group 23"/>
+          <p:cNvPr id="106" name="Group 105"/>
           <p:cNvGrpSpPr/>
           <p:nvPr/>
         </p:nvGrpSpPr>
         <p:grpSpPr>
           <a:xfrm>
-            <a:off x="762000" y="5863839"/>
-            <a:ext cx="1371600" cy="536961"/>
+            <a:off x="510381" y="4980061"/>
+            <a:ext cx="1371600" cy="506339"/>
             <a:chOff x="-228600" y="1371600"/>
-            <a:chExt cx="1371600" cy="536961"/>
+            <a:chExt cx="1371600" cy="506339"/>
           </a:xfrm>
           <a:solidFill>
             <a:schemeClr val="bg1"/>
@@ -3903,14 +4336,14 @@
         </p:grpSpPr>
         <p:sp>
           <p:nvSpPr>
-            <p:cNvPr id="25" name="Rectangle 24"/>
+            <p:cNvPr id="107" name="Rectangle 106"/>
             <p:cNvSpPr/>
             <p:nvPr/>
           </p:nvSpPr>
           <p:spPr>
             <a:xfrm>
               <a:off x="-228600" y="1524000"/>
-              <a:ext cx="1371600" cy="384561"/>
+              <a:ext cx="1371600" cy="353939"/>
             </a:xfrm>
             <a:prstGeom prst="rect">
               <a:avLst/>
@@ -3967,7 +4400,7 @@
         </p:sp>
         <p:sp>
           <p:nvSpPr>
-            <p:cNvPr id="26" name="Rectangle 25"/>
+            <p:cNvPr id="108" name="Rectangle 107"/>
             <p:cNvSpPr/>
             <p:nvPr/>
           </p:nvSpPr>
@@ -4022,16 +4455,16 @@
       </p:grpSp>
       <p:grpSp>
         <p:nvGrpSpPr>
-          <p:cNvPr id="30" name="Group 29"/>
+          <p:cNvPr id="109" name="Group 108"/>
           <p:cNvGrpSpPr/>
           <p:nvPr/>
         </p:nvGrpSpPr>
         <p:grpSpPr>
           <a:xfrm>
-            <a:off x="762000" y="4998578"/>
-            <a:ext cx="1371600" cy="602833"/>
-            <a:chOff x="-228600" y="1371600"/>
-            <a:chExt cx="1371600" cy="602833"/>
+            <a:off x="1196181" y="254950"/>
+            <a:ext cx="1676400" cy="507050"/>
+            <a:chOff x="-533400" y="1371600"/>
+            <a:chExt cx="1676400" cy="507050"/>
           </a:xfrm>
           <a:solidFill>
             <a:schemeClr val="bg1"/>
@@ -4039,297 +4472,14 @@
         </p:grpSpPr>
         <p:sp>
           <p:nvSpPr>
-            <p:cNvPr id="31" name="Rectangle 30"/>
+            <p:cNvPr id="110" name="Rectangle 109"/>
             <p:cNvSpPr/>
             <p:nvPr/>
           </p:nvSpPr>
           <p:spPr>
             <a:xfrm>
-              <a:off x="-228600" y="1524000"/>
-              <a:ext cx="1371600" cy="450433"/>
-            </a:xfrm>
-            <a:prstGeom prst="rect">
-              <a:avLst/>
-            </a:prstGeom>
-            <a:grpFill/>
-            <a:ln>
-              <a:solidFill>
-                <a:schemeClr val="accent2">
-                  <a:lumMod val="75000"/>
-                </a:schemeClr>
-              </a:solidFill>
-            </a:ln>
-          </p:spPr>
-          <p:style>
-            <a:lnRef idx="2">
-              <a:schemeClr val="accent1">
-                <a:shade val="50000"/>
-              </a:schemeClr>
-            </a:lnRef>
-            <a:fillRef idx="1">
-              <a:schemeClr val="accent1"/>
-            </a:fillRef>
-            <a:effectRef idx="0">
-              <a:schemeClr val="accent1"/>
-            </a:effectRef>
-            <a:fontRef idx="minor">
-              <a:schemeClr val="lt1"/>
-            </a:fontRef>
-          </p:style>
-          <p:txBody>
-            <a:bodyPr rtlCol="0" anchor="ctr"/>
-            <a:lstStyle/>
-            <a:p>
-              <a:pPr algn="ctr"/>
-              <a:r>
-                <a:rPr lang="en-US" sz="1400" b="1" dirty="0" smtClean="0">
-                  <a:solidFill>
-                    <a:schemeClr val="accent2">
-                      <a:lumMod val="75000"/>
-                    </a:schemeClr>
-                  </a:solidFill>
-                </a:rPr>
-                <a:t>test::cases</a:t>
-              </a:r>
-              <a:endParaRPr lang="en-SG" sz="1400" b="1" dirty="0">
-                <a:solidFill>
-                  <a:schemeClr val="accent2">
-                    <a:lumMod val="75000"/>
-                  </a:schemeClr>
-                </a:solidFill>
-              </a:endParaRPr>
-            </a:p>
-          </p:txBody>
-        </p:sp>
-        <p:sp>
-          <p:nvSpPr>
-            <p:cNvPr id="32" name="Rectangle 31"/>
-            <p:cNvSpPr/>
-            <p:nvPr/>
-          </p:nvSpPr>
-          <p:spPr>
-            <a:xfrm>
-              <a:off x="647700" y="1371600"/>
-              <a:ext cx="495300" cy="152400"/>
-            </a:xfrm>
-            <a:prstGeom prst="rect">
-              <a:avLst/>
-            </a:prstGeom>
-            <a:grpFill/>
-            <a:ln>
-              <a:solidFill>
-                <a:schemeClr val="accent2">
-                  <a:lumMod val="75000"/>
-                </a:schemeClr>
-              </a:solidFill>
-            </a:ln>
-          </p:spPr>
-          <p:style>
-            <a:lnRef idx="2">
-              <a:schemeClr val="accent1">
-                <a:shade val="50000"/>
-              </a:schemeClr>
-            </a:lnRef>
-            <a:fillRef idx="1">
-              <a:schemeClr val="accent1"/>
-            </a:fillRef>
-            <a:effectRef idx="0">
-              <a:schemeClr val="accent1"/>
-            </a:effectRef>
-            <a:fontRef idx="minor">
-              <a:schemeClr val="lt1"/>
-            </a:fontRef>
-          </p:style>
-          <p:txBody>
-            <a:bodyPr rtlCol="0" anchor="ctr"/>
-            <a:lstStyle/>
-            <a:p>
-              <a:pPr algn="ctr"/>
-              <a:endParaRPr lang="en-SG" sz="1400" b="1">
-                <a:solidFill>
-                  <a:schemeClr val="accent2">
-                    <a:lumMod val="75000"/>
-                  </a:schemeClr>
-                </a:solidFill>
-              </a:endParaRPr>
-            </a:p>
-          </p:txBody>
-        </p:sp>
-      </p:grpSp>
-      <p:grpSp>
-        <p:nvGrpSpPr>
-          <p:cNvPr id="33" name="Group 32"/>
-          <p:cNvGrpSpPr/>
-          <p:nvPr/>
-        </p:nvGrpSpPr>
-        <p:grpSpPr>
-          <a:xfrm>
-            <a:off x="6705600" y="430849"/>
-            <a:ext cx="1371600" cy="762000"/>
-            <a:chOff x="-228600" y="1371600"/>
-            <a:chExt cx="1371600" cy="762000"/>
-          </a:xfrm>
-          <a:solidFill>
-            <a:schemeClr val="bg1"/>
-          </a:solidFill>
-        </p:grpSpPr>
-        <p:sp>
-          <p:nvSpPr>
-            <p:cNvPr id="34" name="Rectangle 33"/>
-            <p:cNvSpPr/>
-            <p:nvPr/>
-          </p:nvSpPr>
-          <p:spPr>
-            <a:xfrm>
-              <a:off x="-228600" y="1524000"/>
-              <a:ext cx="1371600" cy="609600"/>
-            </a:xfrm>
-            <a:prstGeom prst="rect">
-              <a:avLst/>
-            </a:prstGeom>
-            <a:grpFill/>
-            <a:ln>
-              <a:solidFill>
-                <a:schemeClr val="accent5"/>
-              </a:solidFill>
-            </a:ln>
-          </p:spPr>
-          <p:style>
-            <a:lnRef idx="2">
-              <a:schemeClr val="accent1">
-                <a:shade val="50000"/>
-              </a:schemeClr>
-            </a:lnRef>
-            <a:fillRef idx="1">
-              <a:schemeClr val="accent1"/>
-            </a:fillRef>
-            <a:effectRef idx="0">
-              <a:schemeClr val="accent1"/>
-            </a:effectRef>
-            <a:fontRef idx="minor">
-              <a:schemeClr val="lt1"/>
-            </a:fontRef>
-          </p:style>
-          <p:txBody>
-            <a:bodyPr rtlCol="0" anchor="ctr"/>
-            <a:lstStyle/>
-            <a:p>
-              <a:r>
-                <a:rPr lang="en-US" sz="1400" b="1" dirty="0" smtClean="0">
-                  <a:solidFill>
-                    <a:schemeClr val="accent5"/>
-                  </a:solidFill>
-                </a:rPr>
-                <a:t>common</a:t>
-              </a:r>
-              <a:br>
-                <a:rPr lang="en-US" sz="1400" b="1" dirty="0" smtClean="0">
-                  <a:solidFill>
-                    <a:schemeClr val="accent5"/>
-                  </a:solidFill>
-                </a:rPr>
-              </a:br>
-              <a:r>
-                <a:rPr lang="en-US" sz="1400" b="1" dirty="0" smtClean="0">
-                  <a:solidFill>
-                    <a:schemeClr val="accent5"/>
-                  </a:solidFill>
-                </a:rPr>
-                <a:t>    ::</a:t>
-              </a:r>
-              <a:r>
-                <a:rPr lang="en-US" sz="1400" b="1" dirty="0" err="1" smtClean="0">
-                  <a:solidFill>
-                    <a:schemeClr val="accent5"/>
-                  </a:solidFill>
-                </a:rPr>
-                <a:t>datatransfer</a:t>
-              </a:r>
-              <a:endParaRPr lang="en-SG" sz="1400" b="1" dirty="0">
-                <a:solidFill>
-                  <a:schemeClr val="accent5"/>
-                </a:solidFill>
-              </a:endParaRPr>
-            </a:p>
-          </p:txBody>
-        </p:sp>
-        <p:sp>
-          <p:nvSpPr>
-            <p:cNvPr id="35" name="Rectangle 34"/>
-            <p:cNvSpPr/>
-            <p:nvPr/>
-          </p:nvSpPr>
-          <p:spPr>
-            <a:xfrm>
-              <a:off x="647700" y="1371600"/>
-              <a:ext cx="495300" cy="152400"/>
-            </a:xfrm>
-            <a:prstGeom prst="rect">
-              <a:avLst/>
-            </a:prstGeom>
-            <a:grpFill/>
-            <a:ln>
-              <a:solidFill>
-                <a:schemeClr val="accent5"/>
-              </a:solidFill>
-            </a:ln>
-          </p:spPr>
-          <p:style>
-            <a:lnRef idx="2">
-              <a:schemeClr val="accent1">
-                <a:shade val="50000"/>
-              </a:schemeClr>
-            </a:lnRef>
-            <a:fillRef idx="1">
-              <a:schemeClr val="accent1"/>
-            </a:fillRef>
-            <a:effectRef idx="0">
-              <a:schemeClr val="accent1"/>
-            </a:effectRef>
-            <a:fontRef idx="minor">
-              <a:schemeClr val="lt1"/>
-            </a:fontRef>
-          </p:style>
-          <p:txBody>
-            <a:bodyPr rtlCol="0" anchor="ctr"/>
-            <a:lstStyle/>
-            <a:p>
-              <a:endParaRPr lang="en-SG" sz="1400" b="1">
-                <a:solidFill>
-                  <a:schemeClr val="accent5"/>
-                </a:solidFill>
-              </a:endParaRPr>
-            </a:p>
-          </p:txBody>
-        </p:sp>
-      </p:grpSp>
-      <p:grpSp>
-        <p:nvGrpSpPr>
-          <p:cNvPr id="36" name="Group 35"/>
-          <p:cNvGrpSpPr/>
-          <p:nvPr/>
-        </p:nvGrpSpPr>
-        <p:grpSpPr>
-          <a:xfrm>
-            <a:off x="1981200" y="380999"/>
-            <a:ext cx="1371600" cy="762000"/>
-            <a:chOff x="-228600" y="1371600"/>
-            <a:chExt cx="1371600" cy="762000"/>
-          </a:xfrm>
-          <a:solidFill>
-            <a:schemeClr val="bg1"/>
-          </a:solidFill>
-        </p:grpSpPr>
-        <p:sp>
-          <p:nvSpPr>
-            <p:cNvPr id="37" name="Rectangle 36"/>
-            <p:cNvSpPr/>
-            <p:nvPr/>
-          </p:nvSpPr>
-          <p:spPr>
-            <a:xfrm>
-              <a:off x="-228600" y="1524000"/>
-              <a:ext cx="1371600" cy="609600"/>
+              <a:off x="-533400" y="1524000"/>
+              <a:ext cx="1676400" cy="354650"/>
             </a:xfrm>
             <a:prstGeom prst="rect">
               <a:avLst/>
@@ -4380,7 +4530,7 @@
         </p:sp>
         <p:sp>
           <p:nvSpPr>
-            <p:cNvPr id="38" name="Rectangle 37"/>
+            <p:cNvPr id="111" name="Rectangle 110"/>
             <p:cNvSpPr/>
             <p:nvPr/>
           </p:nvSpPr>
@@ -4431,13 +4581,13 @@
       </p:grpSp>
       <p:cxnSp>
         <p:nvCxnSpPr>
-          <p:cNvPr id="40" name="Straight Arrow Connector 39"/>
+          <p:cNvPr id="112" name="Straight Arrow Connector 111"/>
           <p:cNvCxnSpPr/>
           <p:nvPr/>
         </p:nvCxnSpPr>
         <p:spPr>
           <a:xfrm>
-            <a:off x="6096000" y="4495800"/>
+            <a:off x="5844381" y="3962400"/>
             <a:ext cx="762000" cy="0"/>
           </a:xfrm>
           <a:prstGeom prst="straightConnector1">
@@ -4448,7 +4598,8 @@
               <a:srgbClr val="7030A0"/>
             </a:solidFill>
             <a:prstDash val="sysDot"/>
-            <a:tailEnd type="arrow"/>
+            <a:headEnd type="none" w="med" len="med"/>
+            <a:tailEnd type="triangle" w="med" len="med"/>
           </a:ln>
         </p:spPr>
         <p:style>
@@ -4468,13 +4619,13 @@
       </p:cxnSp>
       <p:cxnSp>
         <p:nvCxnSpPr>
-          <p:cNvPr id="44" name="Straight Arrow Connector 43"/>
+          <p:cNvPr id="113" name="Straight Arrow Connector 112"/>
           <p:cNvCxnSpPr/>
           <p:nvPr/>
         </p:nvCxnSpPr>
         <p:spPr>
           <a:xfrm>
-            <a:off x="2514600" y="5105400"/>
+            <a:off x="2262981" y="4572000"/>
             <a:ext cx="1752600" cy="0"/>
           </a:xfrm>
           <a:prstGeom prst="straightConnector1">
@@ -4487,7 +4638,8 @@
               </a:schemeClr>
             </a:solidFill>
             <a:prstDash val="sysDot"/>
-            <a:tailEnd type="arrow"/>
+            <a:headEnd type="none" w="med" len="med"/>
+            <a:tailEnd type="triangle" w="med" len="med"/>
           </a:ln>
         </p:spPr>
         <p:style>
@@ -4507,13 +4659,13 @@
       </p:cxnSp>
       <p:cxnSp>
         <p:nvCxnSpPr>
-          <p:cNvPr id="49" name="Straight Arrow Connector 48"/>
+          <p:cNvPr id="114" name="Straight Arrow Connector 113"/>
           <p:cNvCxnSpPr/>
           <p:nvPr/>
         </p:nvCxnSpPr>
         <p:spPr>
           <a:xfrm flipV="1">
-            <a:off x="7620000" y="3276600"/>
+            <a:off x="7368381" y="2743200"/>
             <a:ext cx="0" cy="834640"/>
           </a:xfrm>
           <a:prstGeom prst="straightConnector1">
@@ -4524,7 +4676,8 @@
               <a:srgbClr val="00B050"/>
             </a:solidFill>
             <a:prstDash val="sysDot"/>
-            <a:tailEnd type="arrow"/>
+            <a:headEnd type="none" w="med" len="med"/>
+            <a:tailEnd type="triangle" w="med" len="med"/>
           </a:ln>
         </p:spPr>
         <p:style>
@@ -4544,13 +4697,13 @@
       </p:cxnSp>
       <p:cxnSp>
         <p:nvCxnSpPr>
-          <p:cNvPr id="52" name="Straight Arrow Connector 51"/>
+          <p:cNvPr id="115" name="Straight Arrow Connector 114"/>
           <p:cNvCxnSpPr/>
           <p:nvPr/>
         </p:nvCxnSpPr>
         <p:spPr>
           <a:xfrm>
-            <a:off x="2057400" y="1441391"/>
+            <a:off x="1805781" y="907991"/>
             <a:ext cx="0" cy="457198"/>
           </a:xfrm>
           <a:prstGeom prst="straightConnector1">
@@ -4561,7 +4714,7 @@
               <a:schemeClr val="accent1"/>
             </a:solidFill>
             <a:prstDash val="sysDot"/>
-            <a:headEnd type="arrow" w="med" len="med"/>
+            <a:headEnd type="triangle" w="med" len="med"/>
             <a:tailEnd type="none" w="med" len="med"/>
           </a:ln>
         </p:spPr>
@@ -4582,13 +4735,13 @@
       </p:cxnSp>
       <p:cxnSp>
         <p:nvCxnSpPr>
-          <p:cNvPr id="54" name="Straight Arrow Connector 53"/>
+          <p:cNvPr id="116" name="Straight Arrow Connector 115"/>
           <p:cNvCxnSpPr/>
           <p:nvPr/>
         </p:nvCxnSpPr>
         <p:spPr>
           <a:xfrm>
-            <a:off x="4876800" y="1443528"/>
+            <a:off x="4625181" y="910128"/>
             <a:ext cx="0" cy="457198"/>
           </a:xfrm>
           <a:prstGeom prst="straightConnector1">
@@ -4599,7 +4752,7 @@
               <a:srgbClr val="7030A0"/>
             </a:solidFill>
             <a:prstDash val="sysDot"/>
-            <a:headEnd type="arrow" w="med" len="med"/>
+            <a:headEnd type="triangle" w="med" len="med"/>
             <a:tailEnd type="none" w="med" len="med"/>
           </a:ln>
         </p:spPr>
@@ -4620,13 +4773,13 @@
       </p:cxnSp>
       <p:cxnSp>
         <p:nvCxnSpPr>
-          <p:cNvPr id="55" name="Straight Arrow Connector 54"/>
+          <p:cNvPr id="117" name="Straight Arrow Connector 116"/>
           <p:cNvCxnSpPr/>
           <p:nvPr/>
         </p:nvCxnSpPr>
         <p:spPr>
           <a:xfrm>
-            <a:off x="7620000" y="1192849"/>
+            <a:off x="7368381" y="659449"/>
             <a:ext cx="0" cy="1460975"/>
           </a:xfrm>
           <a:prstGeom prst="straightConnector1">
@@ -4638,7 +4791,7 @@
             </a:solidFill>
             <a:prstDash val="sysDot"/>
             <a:headEnd type="none" w="med" len="med"/>
-            <a:tailEnd type="arrow" w="med" len="med"/>
+            <a:tailEnd type="triangle" w="med" len="med"/>
           </a:ln>
         </p:spPr>
         <p:style>
@@ -4658,13 +4811,13 @@
       </p:cxnSp>
       <p:cxnSp>
         <p:nvCxnSpPr>
-          <p:cNvPr id="56" name="Straight Arrow Connector 55"/>
+          <p:cNvPr id="118" name="Straight Arrow Connector 117"/>
           <p:cNvCxnSpPr/>
           <p:nvPr/>
         </p:nvCxnSpPr>
         <p:spPr>
           <a:xfrm>
-            <a:off x="750962" y="1447802"/>
+            <a:off x="499343" y="914402"/>
             <a:ext cx="11038" cy="3200398"/>
           </a:xfrm>
           <a:prstGeom prst="straightConnector1">
@@ -4677,7 +4830,7 @@
               </a:schemeClr>
             </a:solidFill>
             <a:prstDash val="sysDot"/>
-            <a:headEnd type="arrow" w="med" len="med"/>
+            <a:headEnd type="triangle" w="med" len="med"/>
             <a:tailEnd type="none" w="med" len="med"/>
           </a:ln>
         </p:spPr>
@@ -4698,13 +4851,13 @@
       </p:cxnSp>
       <p:cxnSp>
         <p:nvCxnSpPr>
-          <p:cNvPr id="59" name="Straight Arrow Connector 58"/>
+          <p:cNvPr id="119" name="Straight Arrow Connector 118"/>
           <p:cNvCxnSpPr/>
           <p:nvPr/>
         </p:nvCxnSpPr>
         <p:spPr>
           <a:xfrm>
-            <a:off x="4876800" y="3124200"/>
+            <a:off x="4625181" y="2590800"/>
             <a:ext cx="0" cy="457200"/>
           </a:xfrm>
           <a:prstGeom prst="straightConnector1">
@@ -4715,7 +4868,7 @@
               <a:srgbClr val="7030A0"/>
             </a:solidFill>
             <a:prstDash val="sysDot"/>
-            <a:headEnd type="arrow" w="med" len="med"/>
+            <a:headEnd type="triangle" w="med" len="med"/>
             <a:tailEnd type="none" w="med" len="med"/>
           </a:ln>
         </p:spPr>
@@ -4736,13 +4889,13 @@
       </p:cxnSp>
       <p:cxnSp>
         <p:nvCxnSpPr>
-          <p:cNvPr id="63" name="Straight Arrow Connector 62"/>
+          <p:cNvPr id="120" name="Straight Arrow Connector 119"/>
           <p:cNvCxnSpPr/>
           <p:nvPr/>
         </p:nvCxnSpPr>
         <p:spPr>
           <a:xfrm>
-            <a:off x="1219200" y="5638800"/>
+            <a:off x="967581" y="4755022"/>
             <a:ext cx="0" cy="379221"/>
           </a:xfrm>
           <a:prstGeom prst="straightConnector1">
@@ -4756,7 +4909,7 @@
             </a:solidFill>
             <a:prstDash val="sysDot"/>
             <a:headEnd type="none" w="med" len="med"/>
-            <a:tailEnd type="arrow" w="med" len="med"/>
+            <a:tailEnd type="triangle" w="med" len="med"/>
           </a:ln>
         </p:spPr>
         <p:style>
@@ -4776,13 +4929,13 @@
       </p:cxnSp>
       <p:grpSp>
         <p:nvGrpSpPr>
-          <p:cNvPr id="69" name="Group 68"/>
+          <p:cNvPr id="121" name="Group 120"/>
           <p:cNvGrpSpPr/>
           <p:nvPr/>
         </p:nvGrpSpPr>
         <p:grpSpPr>
           <a:xfrm>
-            <a:off x="4267200" y="4648200"/>
+            <a:off x="4015581" y="4114800"/>
             <a:ext cx="1371600" cy="762000"/>
             <a:chOff x="-228600" y="1371600"/>
             <a:chExt cx="1371600" cy="762000"/>
@@ -4793,7 +4946,7 @@
         </p:grpSpPr>
         <p:sp>
           <p:nvSpPr>
-            <p:cNvPr id="70" name="Rectangle 69"/>
+            <p:cNvPr id="122" name="Rectangle 121"/>
             <p:cNvSpPr/>
             <p:nvPr/>
           </p:nvSpPr>
@@ -4851,7 +5004,7 @@
         </p:sp>
         <p:sp>
           <p:nvSpPr>
-            <p:cNvPr id="71" name="Rectangle 70"/>
+            <p:cNvPr id="123" name="Rectangle 122"/>
             <p:cNvSpPr/>
             <p:nvPr/>
           </p:nvSpPr>
@@ -4902,13 +5055,13 @@
       </p:grpSp>
       <p:cxnSp>
         <p:nvCxnSpPr>
-          <p:cNvPr id="72" name="Straight Arrow Connector 71"/>
+          <p:cNvPr id="124" name="Straight Arrow Connector 123"/>
           <p:cNvCxnSpPr/>
           <p:nvPr/>
         </p:nvCxnSpPr>
         <p:spPr>
           <a:xfrm>
-            <a:off x="4876800" y="4191000"/>
+            <a:off x="4625181" y="3657600"/>
             <a:ext cx="0" cy="609600"/>
           </a:xfrm>
           <a:prstGeom prst="straightConnector1">
@@ -4919,7 +5072,7 @@
               <a:srgbClr val="7030A0"/>
             </a:solidFill>
             <a:prstDash val="sysDot"/>
-            <a:headEnd type="arrow" w="med" len="med"/>
+            <a:headEnd type="triangle" w="med" len="med"/>
             <a:tailEnd type="none" w="med" len="med"/>
           </a:ln>
         </p:spPr>
@@ -4940,13 +5093,13 @@
       </p:cxnSp>
       <p:cxnSp>
         <p:nvCxnSpPr>
-          <p:cNvPr id="75" name="Straight Arrow Connector 74"/>
+          <p:cNvPr id="125" name="Straight Arrow Connector 124"/>
           <p:cNvCxnSpPr/>
           <p:nvPr/>
         </p:nvCxnSpPr>
         <p:spPr>
           <a:xfrm flipV="1">
-            <a:off x="7010400" y="1443528"/>
+            <a:off x="6758781" y="910128"/>
             <a:ext cx="0" cy="462186"/>
           </a:xfrm>
           <a:prstGeom prst="straightConnector1">
@@ -4958,7 +5111,7 @@
             </a:solidFill>
             <a:prstDash val="sysDot"/>
             <a:headEnd type="none" w="med" len="med"/>
-            <a:tailEnd type="arrow" w="med" len="med"/>
+            <a:tailEnd type="triangle" w="med" len="med"/>
           </a:ln>
         </p:spPr>
         <p:style>
@@ -4978,13 +5131,13 @@
       </p:cxnSp>
       <p:grpSp>
         <p:nvGrpSpPr>
-          <p:cNvPr id="12" name="Group 11"/>
+          <p:cNvPr id="126" name="Group 125"/>
           <p:cNvGrpSpPr/>
           <p:nvPr/>
         </p:nvGrpSpPr>
         <p:grpSpPr>
           <a:xfrm>
-            <a:off x="4267200" y="3429000"/>
+            <a:off x="4015581" y="2895600"/>
             <a:ext cx="1371600" cy="762000"/>
             <a:chOff x="-228600" y="1371600"/>
             <a:chExt cx="1371600" cy="762000"/>
@@ -4995,7 +5148,7 @@
         </p:grpSpPr>
         <p:sp>
           <p:nvSpPr>
-            <p:cNvPr id="13" name="Rectangle 12"/>
+            <p:cNvPr id="127" name="Rectangle 126"/>
             <p:cNvSpPr/>
             <p:nvPr/>
           </p:nvSpPr>
@@ -5061,7 +5214,7 @@
         </p:sp>
         <p:sp>
           <p:nvSpPr>
-            <p:cNvPr id="14" name="Rectangle 13"/>
+            <p:cNvPr id="128" name="Rectangle 127"/>
             <p:cNvSpPr/>
             <p:nvPr/>
           </p:nvSpPr>
@@ -5112,13 +5265,13 @@
       </p:grpSp>
       <p:grpSp>
         <p:nvGrpSpPr>
-          <p:cNvPr id="57" name="Group 56"/>
+          <p:cNvPr id="129" name="Group 128"/>
           <p:cNvGrpSpPr/>
           <p:nvPr/>
         </p:nvGrpSpPr>
         <p:grpSpPr>
           <a:xfrm>
-            <a:off x="4191000" y="5867400"/>
+            <a:off x="3939381" y="5334000"/>
             <a:ext cx="1447800" cy="762000"/>
             <a:chOff x="-304800" y="1371600"/>
             <a:chExt cx="1447800" cy="762000"/>
@@ -5129,7 +5282,7 @@
         </p:grpSpPr>
         <p:sp>
           <p:nvSpPr>
-            <p:cNvPr id="58" name="Rectangle 57"/>
+            <p:cNvPr id="130" name="Rectangle 129"/>
             <p:cNvSpPr/>
             <p:nvPr/>
           </p:nvSpPr>
@@ -5187,7 +5340,7 @@
         </p:sp>
         <p:sp>
           <p:nvSpPr>
-            <p:cNvPr id="60" name="Rectangle 59"/>
+            <p:cNvPr id="131" name="Rectangle 130"/>
             <p:cNvSpPr/>
             <p:nvPr/>
           </p:nvSpPr>
@@ -5238,13 +5391,13 @@
       </p:grpSp>
       <p:cxnSp>
         <p:nvCxnSpPr>
-          <p:cNvPr id="62" name="Straight Arrow Connector 61"/>
+          <p:cNvPr id="132" name="Straight Arrow Connector 131"/>
           <p:cNvCxnSpPr/>
           <p:nvPr/>
         </p:nvCxnSpPr>
         <p:spPr>
           <a:xfrm>
-            <a:off x="4876800" y="5410200"/>
+            <a:off x="4625181" y="4876800"/>
             <a:ext cx="0" cy="609600"/>
           </a:xfrm>
           <a:prstGeom prst="straightConnector1">
@@ -5255,7 +5408,7 @@
               <a:srgbClr val="7030A0"/>
             </a:solidFill>
             <a:prstDash val="sysDot"/>
-            <a:headEnd type="arrow" w="med" len="med"/>
+            <a:headEnd type="triangle" w="med" len="med"/>
             <a:tailEnd type="none" w="med" len="med"/>
           </a:ln>
         </p:spPr>
@@ -5276,15 +5429,15 @@
       </p:cxnSp>
       <p:cxnSp>
         <p:nvCxnSpPr>
-          <p:cNvPr id="41" name="Elbow Connector 40"/>
+          <p:cNvPr id="133" name="Elbow Connector 132"/>
           <p:cNvCxnSpPr>
-            <a:endCxn id="16" idx="3"/>
+            <a:endCxn id="98" idx="3"/>
           </p:cNvCxnSpPr>
           <p:nvPr/>
         </p:nvCxnSpPr>
         <p:spPr>
           <a:xfrm rot="5400000" flipH="1" flipV="1">
-            <a:off x="4419600" y="3276600"/>
+            <a:off x="4167981" y="2743200"/>
             <a:ext cx="1676400" cy="762000"/>
           </a:xfrm>
           <a:prstGeom prst="bentConnector4">
@@ -5299,7 +5452,7 @@
             </a:solidFill>
             <a:prstDash val="sysDot"/>
             <a:headEnd type="none" w="med" len="med"/>
-            <a:tailEnd type="arrow" w="med" len="med"/>
+            <a:tailEnd type="triangle" w="med" len="med"/>
           </a:ln>
         </p:spPr>
         <p:style>
@@ -5319,15 +5472,15 @@
       </p:cxnSp>
       <p:cxnSp>
         <p:nvCxnSpPr>
-          <p:cNvPr id="64" name="Straight Arrow Connector 63"/>
+          <p:cNvPr id="134" name="Straight Arrow Connector 133"/>
           <p:cNvCxnSpPr>
-            <a:stCxn id="13" idx="1"/>
+            <a:stCxn id="127" idx="1"/>
           </p:cNvCxnSpPr>
           <p:nvPr/>
         </p:nvCxnSpPr>
         <p:spPr>
           <a:xfrm flipH="1">
-            <a:off x="2819400" y="3886200"/>
+            <a:off x="2567781" y="3352800"/>
             <a:ext cx="1447800" cy="0"/>
           </a:xfrm>
           <a:prstGeom prst="straightConnector1">
@@ -5338,7 +5491,7 @@
               <a:schemeClr val="accent1"/>
             </a:solidFill>
             <a:prstDash val="sysDot"/>
-            <a:headEnd type="arrow" w="med" len="med"/>
+            <a:headEnd type="triangle" w="med" len="med"/>
             <a:tailEnd type="none" w="med" len="med"/>
           </a:ln>
         </p:spPr>
@@ -5359,16 +5512,16 @@
       </p:cxnSp>
       <p:grpSp>
         <p:nvGrpSpPr>
-          <p:cNvPr id="73" name="Group 72"/>
+          <p:cNvPr id="135" name="Group 134"/>
           <p:cNvGrpSpPr/>
           <p:nvPr/>
         </p:nvGrpSpPr>
         <p:grpSpPr>
           <a:xfrm>
-            <a:off x="4343400" y="380999"/>
-            <a:ext cx="1371600" cy="762000"/>
-            <a:chOff x="-228600" y="1371600"/>
-            <a:chExt cx="1371600" cy="762000"/>
+            <a:off x="3786981" y="254950"/>
+            <a:ext cx="1676400" cy="507050"/>
+            <a:chOff x="-533400" y="1371600"/>
+            <a:chExt cx="1676400" cy="507050"/>
           </a:xfrm>
           <a:solidFill>
             <a:schemeClr val="bg1"/>
@@ -5376,14 +5529,14 @@
         </p:grpSpPr>
         <p:sp>
           <p:nvSpPr>
-            <p:cNvPr id="74" name="Rectangle 73"/>
+            <p:cNvPr id="136" name="Rectangle 135"/>
             <p:cNvSpPr/>
             <p:nvPr/>
           </p:nvSpPr>
           <p:spPr>
             <a:xfrm>
-              <a:off x="-228600" y="1524000"/>
-              <a:ext cx="1371600" cy="609600"/>
+              <a:off x="-533400" y="1524000"/>
+              <a:ext cx="1676400" cy="354650"/>
             </a:xfrm>
             <a:prstGeom prst="rect">
               <a:avLst/>
@@ -5421,22 +5574,15 @@
                     <a:schemeClr val="accent5"/>
                   </a:solidFill>
                 </a:rPr>
-                <a:t>common</a:t>
+                <a:t>common::</a:t>
               </a:r>
-              <a:br>
-                <a:rPr lang="en-US" sz="1400" b="1" dirty="0" smtClean="0">
-                  <a:solidFill>
-                    <a:schemeClr val="accent5"/>
-                  </a:solidFill>
-                </a:rPr>
-              </a:br>
               <a:r>
                 <a:rPr lang="en-US" sz="1400" b="1" dirty="0" smtClean="0">
                   <a:solidFill>
                     <a:schemeClr val="accent5"/>
                   </a:solidFill>
                 </a:rPr>
-                <a:t>    ::exception</a:t>
+                <a:t>exception</a:t>
               </a:r>
               <a:endParaRPr lang="en-SG" sz="1400" b="1" dirty="0">
                 <a:solidFill>
@@ -5448,7 +5594,7 @@
         </p:sp>
         <p:sp>
           <p:nvSpPr>
-            <p:cNvPr id="76" name="Rectangle 75"/>
+            <p:cNvPr id="137" name="Rectangle 136"/>
             <p:cNvSpPr/>
             <p:nvPr/>
           </p:nvSpPr>
@@ -5498,13 +5644,13 @@
       </p:grpSp>
       <p:grpSp>
         <p:nvGrpSpPr>
-          <p:cNvPr id="77" name="Group 76"/>
+          <p:cNvPr id="138" name="Group 137"/>
           <p:cNvGrpSpPr/>
           <p:nvPr/>
         </p:nvGrpSpPr>
         <p:grpSpPr>
           <a:xfrm>
-            <a:off x="6781800" y="5422306"/>
+            <a:off x="6530181" y="4888906"/>
             <a:ext cx="1676400" cy="762000"/>
             <a:chOff x="-533400" y="1371600"/>
             <a:chExt cx="1676400" cy="762000"/>
@@ -5515,7 +5661,7 @@
         </p:grpSpPr>
         <p:sp>
           <p:nvSpPr>
-            <p:cNvPr id="78" name="Rectangle 77"/>
+            <p:cNvPr id="139" name="Rectangle 138"/>
             <p:cNvSpPr/>
             <p:nvPr/>
           </p:nvSpPr>
@@ -5589,7 +5735,7 @@
         </p:sp>
         <p:sp>
           <p:nvSpPr>
-            <p:cNvPr id="79" name="Rectangle 78"/>
+            <p:cNvPr id="140" name="Rectangle 139"/>
             <p:cNvSpPr/>
             <p:nvPr/>
           </p:nvSpPr>
@@ -5640,13 +5786,13 @@
       </p:grpSp>
       <p:cxnSp>
         <p:nvCxnSpPr>
-          <p:cNvPr id="80" name="Straight Arrow Connector 79"/>
+          <p:cNvPr id="141" name="Straight Arrow Connector 140"/>
           <p:cNvCxnSpPr/>
           <p:nvPr/>
         </p:nvCxnSpPr>
         <p:spPr>
           <a:xfrm>
-            <a:off x="7620000" y="4724400"/>
+            <a:off x="7368381" y="4191000"/>
             <a:ext cx="0" cy="841403"/>
           </a:xfrm>
           <a:prstGeom prst="straightConnector1">
@@ -5658,7 +5804,7 @@
             </a:solidFill>
             <a:prstDash val="sysDot"/>
             <a:headEnd type="none" w="med" len="med"/>
-            <a:tailEnd type="arrow" w="med" len="med"/>
+            <a:tailEnd type="triangle" w="med" len="med"/>
           </a:ln>
         </p:spPr>
         <p:style>
@@ -5678,13 +5824,13 @@
       </p:cxnSp>
       <p:grpSp>
         <p:nvGrpSpPr>
-          <p:cNvPr id="84" name="Group 83"/>
+          <p:cNvPr id="142" name="Group 141"/>
           <p:cNvGrpSpPr/>
           <p:nvPr/>
         </p:nvGrpSpPr>
         <p:grpSpPr>
           <a:xfrm>
-            <a:off x="1447800" y="2286000"/>
+            <a:off x="1196181" y="2362200"/>
             <a:ext cx="1371600" cy="609600"/>
             <a:chOff x="-228600" y="1371600"/>
             <a:chExt cx="1371600" cy="609600"/>
@@ -5695,7 +5841,7 @@
         </p:grpSpPr>
         <p:sp>
           <p:nvSpPr>
-            <p:cNvPr id="85" name="Rectangle 84"/>
+            <p:cNvPr id="143" name="Rectangle 142"/>
             <p:cNvSpPr/>
             <p:nvPr/>
           </p:nvSpPr>
@@ -5756,7 +5902,7 @@
         </p:sp>
         <p:sp>
           <p:nvSpPr>
-            <p:cNvPr id="86" name="Rectangle 85"/>
+            <p:cNvPr id="144" name="Rectangle 143"/>
             <p:cNvSpPr/>
             <p:nvPr/>
           </p:nvSpPr>
@@ -5802,14 +5948,14 @@
       </p:grpSp>
       <p:cxnSp>
         <p:nvCxnSpPr>
-          <p:cNvPr id="87" name="Straight Arrow Connector 86"/>
+          <p:cNvPr id="145" name="Straight Arrow Connector 144"/>
           <p:cNvCxnSpPr/>
           <p:nvPr/>
         </p:nvCxnSpPr>
         <p:spPr>
           <a:xfrm flipV="1">
-            <a:off x="2057400" y="2895600"/>
-            <a:ext cx="0" cy="762000"/>
+            <a:off x="1805781" y="2971800"/>
+            <a:ext cx="0" cy="304800"/>
           </a:xfrm>
           <a:prstGeom prst="straightConnector1">
             <a:avLst/>
@@ -5819,7 +5965,7 @@
               <a:schemeClr val="accent1"/>
             </a:solidFill>
             <a:prstDash val="sysDot"/>
-            <a:headEnd type="arrow" w="med" len="med"/>
+            <a:headEnd type="triangle" w="med" len="med"/>
             <a:tailEnd type="none" w="med" len="med"/>
           </a:ln>
         </p:spPr>
@@ -5838,6 +5984,592 @@
           </a:fontRef>
         </p:style>
       </p:cxnSp>
+      <p:grpSp>
+        <p:nvGrpSpPr>
+          <p:cNvPr id="146" name="Group 145"/>
+          <p:cNvGrpSpPr/>
+          <p:nvPr/>
+        </p:nvGrpSpPr>
+        <p:grpSpPr>
+          <a:xfrm>
+            <a:off x="1196181" y="1600200"/>
+            <a:ext cx="1371600" cy="609600"/>
+            <a:chOff x="-228600" y="1371600"/>
+            <a:chExt cx="1371600" cy="609600"/>
+          </a:xfrm>
+          <a:solidFill>
+            <a:schemeClr val="bg1"/>
+          </a:solidFill>
+        </p:grpSpPr>
+        <p:sp>
+          <p:nvSpPr>
+            <p:cNvPr id="147" name="Rectangle 146"/>
+            <p:cNvSpPr/>
+            <p:nvPr/>
+          </p:nvSpPr>
+          <p:spPr>
+            <a:xfrm>
+              <a:off x="-228600" y="1524000"/>
+              <a:ext cx="1371600" cy="457200"/>
+            </a:xfrm>
+            <a:prstGeom prst="rect">
+              <a:avLst/>
+            </a:prstGeom>
+            <a:grpFill/>
+          </p:spPr>
+          <p:style>
+            <a:lnRef idx="2">
+              <a:schemeClr val="accent1">
+                <a:shade val="50000"/>
+              </a:schemeClr>
+            </a:lnRef>
+            <a:fillRef idx="1">
+              <a:schemeClr val="accent1"/>
+            </a:fillRef>
+            <a:effectRef idx="0">
+              <a:schemeClr val="accent1"/>
+            </a:effectRef>
+            <a:fontRef idx="minor">
+              <a:schemeClr val="lt1"/>
+            </a:fontRef>
+          </p:style>
+          <p:txBody>
+            <a:bodyPr rtlCol="0" anchor="ctr"/>
+            <a:lstStyle/>
+            <a:p>
+              <a:pPr algn="ctr"/>
+              <a:r>
+                <a:rPr lang="en-US" sz="1400" b="1" dirty="0" err="1" smtClean="0">
+                  <a:solidFill>
+                    <a:schemeClr val="tx2"/>
+                  </a:solidFill>
+                </a:rPr>
+                <a:t>ui</a:t>
+              </a:r>
+              <a:r>
+                <a:rPr lang="en-US" sz="1400" b="1" dirty="0" smtClean="0">
+                  <a:solidFill>
+                    <a:schemeClr val="tx2"/>
+                  </a:solidFill>
+                </a:rPr>
+                <a:t>::</a:t>
+              </a:r>
+              <a:r>
+                <a:rPr lang="en-US" sz="1400" b="1" dirty="0" smtClean="0">
+                  <a:solidFill>
+                    <a:schemeClr val="tx2"/>
+                  </a:solidFill>
+                </a:rPr>
+                <a:t>website</a:t>
+              </a:r>
+              <a:endParaRPr lang="en-SG" sz="1400" b="1" dirty="0">
+                <a:solidFill>
+                  <a:schemeClr val="tx2"/>
+                </a:solidFill>
+              </a:endParaRPr>
+            </a:p>
+          </p:txBody>
+        </p:sp>
+        <p:sp>
+          <p:nvSpPr>
+            <p:cNvPr id="148" name="Rectangle 147"/>
+            <p:cNvSpPr/>
+            <p:nvPr/>
+          </p:nvSpPr>
+          <p:spPr>
+            <a:xfrm>
+              <a:off x="647700" y="1371600"/>
+              <a:ext cx="495300" cy="152400"/>
+            </a:xfrm>
+            <a:prstGeom prst="rect">
+              <a:avLst/>
+            </a:prstGeom>
+            <a:grpFill/>
+          </p:spPr>
+          <p:style>
+            <a:lnRef idx="2">
+              <a:schemeClr val="accent1">
+                <a:shade val="50000"/>
+              </a:schemeClr>
+            </a:lnRef>
+            <a:fillRef idx="1">
+              <a:schemeClr val="accent1"/>
+            </a:fillRef>
+            <a:effectRef idx="0">
+              <a:schemeClr val="accent1"/>
+            </a:effectRef>
+            <a:fontRef idx="minor">
+              <a:schemeClr val="lt1"/>
+            </a:fontRef>
+          </p:style>
+          <p:txBody>
+            <a:bodyPr rtlCol="0" anchor="ctr"/>
+            <a:lstStyle/>
+            <a:p>
+              <a:pPr algn="ctr"/>
+              <a:endParaRPr lang="en-SG" sz="1400" b="1">
+                <a:solidFill>
+                  <a:schemeClr val="tx2"/>
+                </a:solidFill>
+              </a:endParaRPr>
+            </a:p>
+          </p:txBody>
+        </p:sp>
+      </p:grpSp>
+      <p:grpSp>
+        <p:nvGrpSpPr>
+          <p:cNvPr id="149" name="Group 148"/>
+          <p:cNvGrpSpPr/>
+          <p:nvPr/>
+        </p:nvGrpSpPr>
+        <p:grpSpPr>
+          <a:xfrm>
+            <a:off x="510381" y="4343400"/>
+            <a:ext cx="1371600" cy="499929"/>
+            <a:chOff x="-228600" y="1371600"/>
+            <a:chExt cx="1371600" cy="499929"/>
+          </a:xfrm>
+          <a:solidFill>
+            <a:schemeClr val="bg1"/>
+          </a:solidFill>
+        </p:grpSpPr>
+        <p:sp>
+          <p:nvSpPr>
+            <p:cNvPr id="150" name="Rectangle 149"/>
+            <p:cNvSpPr/>
+            <p:nvPr/>
+          </p:nvSpPr>
+          <p:spPr>
+            <a:xfrm>
+              <a:off x="-228600" y="1524001"/>
+              <a:ext cx="1371600" cy="347528"/>
+            </a:xfrm>
+            <a:prstGeom prst="rect">
+              <a:avLst/>
+            </a:prstGeom>
+            <a:grpFill/>
+            <a:ln>
+              <a:solidFill>
+                <a:schemeClr val="accent2">
+                  <a:lumMod val="75000"/>
+                </a:schemeClr>
+              </a:solidFill>
+            </a:ln>
+          </p:spPr>
+          <p:style>
+            <a:lnRef idx="2">
+              <a:schemeClr val="accent1">
+                <a:shade val="50000"/>
+              </a:schemeClr>
+            </a:lnRef>
+            <a:fillRef idx="1">
+              <a:schemeClr val="accent1"/>
+            </a:fillRef>
+            <a:effectRef idx="0">
+              <a:schemeClr val="accent1"/>
+            </a:effectRef>
+            <a:fontRef idx="minor">
+              <a:schemeClr val="lt1"/>
+            </a:fontRef>
+          </p:style>
+          <p:txBody>
+            <a:bodyPr rtlCol="0" anchor="ctr"/>
+            <a:lstStyle/>
+            <a:p>
+              <a:pPr algn="ctr"/>
+              <a:r>
+                <a:rPr lang="en-US" sz="1400" b="1" dirty="0" smtClean="0">
+                  <a:solidFill>
+                    <a:schemeClr val="accent2">
+                      <a:lumMod val="75000"/>
+                    </a:schemeClr>
+                  </a:solidFill>
+                </a:rPr>
+                <a:t>test::cases</a:t>
+              </a:r>
+              <a:endParaRPr lang="en-SG" sz="1400" b="1" dirty="0">
+                <a:solidFill>
+                  <a:schemeClr val="accent2">
+                    <a:lumMod val="75000"/>
+                  </a:schemeClr>
+                </a:solidFill>
+              </a:endParaRPr>
+            </a:p>
+          </p:txBody>
+        </p:sp>
+        <p:sp>
+          <p:nvSpPr>
+            <p:cNvPr id="151" name="Rectangle 150"/>
+            <p:cNvSpPr/>
+            <p:nvPr/>
+          </p:nvSpPr>
+          <p:spPr>
+            <a:xfrm>
+              <a:off x="647700" y="1371600"/>
+              <a:ext cx="495300" cy="152400"/>
+            </a:xfrm>
+            <a:prstGeom prst="rect">
+              <a:avLst/>
+            </a:prstGeom>
+            <a:grpFill/>
+            <a:ln>
+              <a:solidFill>
+                <a:schemeClr val="accent2">
+                  <a:lumMod val="75000"/>
+                </a:schemeClr>
+              </a:solidFill>
+            </a:ln>
+          </p:spPr>
+          <p:style>
+            <a:lnRef idx="2">
+              <a:schemeClr val="accent1">
+                <a:shade val="50000"/>
+              </a:schemeClr>
+            </a:lnRef>
+            <a:fillRef idx="1">
+              <a:schemeClr val="accent1"/>
+            </a:fillRef>
+            <a:effectRef idx="0">
+              <a:schemeClr val="accent1"/>
+            </a:effectRef>
+            <a:fontRef idx="minor">
+              <a:schemeClr val="lt1"/>
+            </a:fontRef>
+          </p:style>
+          <p:txBody>
+            <a:bodyPr rtlCol="0" anchor="ctr"/>
+            <a:lstStyle/>
+            <a:p>
+              <a:pPr algn="ctr"/>
+              <a:endParaRPr lang="en-SG" sz="1400" b="1">
+                <a:solidFill>
+                  <a:schemeClr val="accent2">
+                    <a:lumMod val="75000"/>
+                  </a:schemeClr>
+                </a:solidFill>
+              </a:endParaRPr>
+            </a:p>
+          </p:txBody>
+        </p:sp>
+      </p:grpSp>
+      <p:grpSp>
+        <p:nvGrpSpPr>
+          <p:cNvPr id="152" name="Group 151"/>
+          <p:cNvGrpSpPr/>
+          <p:nvPr/>
+        </p:nvGrpSpPr>
+        <p:grpSpPr>
+          <a:xfrm>
+            <a:off x="510381" y="5589661"/>
+            <a:ext cx="1371600" cy="506339"/>
+            <a:chOff x="-228600" y="1371600"/>
+            <a:chExt cx="1371600" cy="506339"/>
+          </a:xfrm>
+          <a:solidFill>
+            <a:schemeClr val="bg1"/>
+          </a:solidFill>
+        </p:grpSpPr>
+        <p:sp>
+          <p:nvSpPr>
+            <p:cNvPr id="153" name="Rectangle 152"/>
+            <p:cNvSpPr/>
+            <p:nvPr/>
+          </p:nvSpPr>
+          <p:spPr>
+            <a:xfrm>
+              <a:off x="-228600" y="1524000"/>
+              <a:ext cx="1371600" cy="353939"/>
+            </a:xfrm>
+            <a:prstGeom prst="rect">
+              <a:avLst/>
+            </a:prstGeom>
+            <a:grpFill/>
+            <a:ln>
+              <a:solidFill>
+                <a:schemeClr val="accent2">
+                  <a:lumMod val="75000"/>
+                </a:schemeClr>
+              </a:solidFill>
+            </a:ln>
+          </p:spPr>
+          <p:style>
+            <a:lnRef idx="2">
+              <a:schemeClr val="accent1">
+                <a:shade val="50000"/>
+              </a:schemeClr>
+            </a:lnRef>
+            <a:fillRef idx="1">
+              <a:schemeClr val="accent1"/>
+            </a:fillRef>
+            <a:effectRef idx="0">
+              <a:schemeClr val="accent1"/>
+            </a:effectRef>
+            <a:fontRef idx="minor">
+              <a:schemeClr val="lt1"/>
+            </a:fontRef>
+          </p:style>
+          <p:txBody>
+            <a:bodyPr rtlCol="0" anchor="ctr"/>
+            <a:lstStyle/>
+            <a:p>
+              <a:pPr algn="ctr"/>
+              <a:r>
+                <a:rPr lang="en-US" sz="1400" b="1" dirty="0" smtClean="0">
+                  <a:solidFill>
+                    <a:schemeClr val="accent2">
+                      <a:lumMod val="75000"/>
+                    </a:schemeClr>
+                  </a:solidFill>
+                </a:rPr>
+                <a:t>test</a:t>
+              </a:r>
+              <a:r>
+                <a:rPr lang="en-US" sz="1400" b="1" dirty="0" smtClean="0">
+                  <a:solidFill>
+                    <a:schemeClr val="accent2">
+                      <a:lumMod val="75000"/>
+                    </a:schemeClr>
+                  </a:solidFill>
+                </a:rPr>
+                <a:t>::scripts</a:t>
+              </a:r>
+              <a:endParaRPr lang="en-SG" sz="1400" b="1" dirty="0">
+                <a:solidFill>
+                  <a:schemeClr val="accent2">
+                    <a:lumMod val="75000"/>
+                  </a:schemeClr>
+                </a:solidFill>
+              </a:endParaRPr>
+            </a:p>
+          </p:txBody>
+        </p:sp>
+        <p:sp>
+          <p:nvSpPr>
+            <p:cNvPr id="154" name="Rectangle 153"/>
+            <p:cNvSpPr/>
+            <p:nvPr/>
+          </p:nvSpPr>
+          <p:spPr>
+            <a:xfrm>
+              <a:off x="647700" y="1371600"/>
+              <a:ext cx="495300" cy="152400"/>
+            </a:xfrm>
+            <a:prstGeom prst="rect">
+              <a:avLst/>
+            </a:prstGeom>
+            <a:grpFill/>
+            <a:ln>
+              <a:solidFill>
+                <a:schemeClr val="accent2">
+                  <a:lumMod val="75000"/>
+                </a:schemeClr>
+              </a:solidFill>
+            </a:ln>
+          </p:spPr>
+          <p:style>
+            <a:lnRef idx="2">
+              <a:schemeClr val="accent1">
+                <a:shade val="50000"/>
+              </a:schemeClr>
+            </a:lnRef>
+            <a:fillRef idx="1">
+              <a:schemeClr val="accent1"/>
+            </a:fillRef>
+            <a:effectRef idx="0">
+              <a:schemeClr val="accent1"/>
+            </a:effectRef>
+            <a:fontRef idx="minor">
+              <a:schemeClr val="lt1"/>
+            </a:fontRef>
+          </p:style>
+          <p:txBody>
+            <a:bodyPr rtlCol="0" anchor="ctr"/>
+            <a:lstStyle/>
+            <a:p>
+              <a:pPr algn="ctr"/>
+              <a:endParaRPr lang="en-SG" sz="1400" b="1">
+                <a:solidFill>
+                  <a:schemeClr val="accent2">
+                    <a:lumMod val="75000"/>
+                  </a:schemeClr>
+                </a:solidFill>
+              </a:endParaRPr>
+            </a:p>
+          </p:txBody>
+        </p:sp>
+      </p:grpSp>
+      <p:cxnSp>
+        <p:nvCxnSpPr>
+          <p:cNvPr id="155" name="Straight Arrow Connector 154"/>
+          <p:cNvCxnSpPr/>
+          <p:nvPr/>
+        </p:nvCxnSpPr>
+        <p:spPr>
+          <a:xfrm flipV="1">
+            <a:off x="967581" y="5511682"/>
+            <a:ext cx="0" cy="230379"/>
+          </a:xfrm>
+          <a:prstGeom prst="straightConnector1">
+            <a:avLst/>
+          </a:prstGeom>
+          <a:ln w="38100">
+            <a:solidFill>
+              <a:schemeClr val="accent2">
+                <a:lumMod val="75000"/>
+              </a:schemeClr>
+            </a:solidFill>
+            <a:prstDash val="sysDot"/>
+            <a:headEnd type="none" w="med" len="med"/>
+            <a:tailEnd type="triangle" w="med" len="med"/>
+          </a:ln>
+        </p:spPr>
+        <p:style>
+          <a:lnRef idx="1">
+            <a:schemeClr val="accent1"/>
+          </a:lnRef>
+          <a:fillRef idx="0">
+            <a:schemeClr val="accent1"/>
+          </a:fillRef>
+          <a:effectRef idx="0">
+            <a:schemeClr val="accent1"/>
+          </a:effectRef>
+          <a:fontRef idx="minor">
+            <a:schemeClr val="tx1"/>
+          </a:fontRef>
+        </p:style>
+      </p:cxnSp>
+      <p:grpSp>
+        <p:nvGrpSpPr>
+          <p:cNvPr id="156" name="Group 155"/>
+          <p:cNvGrpSpPr/>
+          <p:nvPr/>
+        </p:nvGrpSpPr>
+        <p:grpSpPr>
+          <a:xfrm>
+            <a:off x="6225381" y="256308"/>
+            <a:ext cx="1905000" cy="505692"/>
+            <a:chOff x="-762000" y="1371600"/>
+            <a:chExt cx="1905000" cy="505692"/>
+          </a:xfrm>
+          <a:solidFill>
+            <a:schemeClr val="bg1"/>
+          </a:solidFill>
+        </p:grpSpPr>
+        <p:sp>
+          <p:nvSpPr>
+            <p:cNvPr id="157" name="Rectangle 156"/>
+            <p:cNvSpPr/>
+            <p:nvPr/>
+          </p:nvSpPr>
+          <p:spPr>
+            <a:xfrm>
+              <a:off x="-762000" y="1524000"/>
+              <a:ext cx="1905000" cy="353292"/>
+            </a:xfrm>
+            <a:prstGeom prst="rect">
+              <a:avLst/>
+            </a:prstGeom>
+            <a:grpFill/>
+            <a:ln>
+              <a:solidFill>
+                <a:schemeClr val="accent5"/>
+              </a:solidFill>
+            </a:ln>
+          </p:spPr>
+          <p:style>
+            <a:lnRef idx="2">
+              <a:schemeClr val="accent1">
+                <a:shade val="50000"/>
+              </a:schemeClr>
+            </a:lnRef>
+            <a:fillRef idx="1">
+              <a:schemeClr val="accent1"/>
+            </a:fillRef>
+            <a:effectRef idx="0">
+              <a:schemeClr val="accent1"/>
+            </a:effectRef>
+            <a:fontRef idx="minor">
+              <a:schemeClr val="lt1"/>
+            </a:fontRef>
+          </p:style>
+          <p:txBody>
+            <a:bodyPr rtlCol="0" anchor="ctr"/>
+            <a:lstStyle/>
+            <a:p>
+              <a:r>
+                <a:rPr lang="en-US" sz="1400" b="1" dirty="0" smtClean="0">
+                  <a:solidFill>
+                    <a:schemeClr val="accent5"/>
+                  </a:solidFill>
+                </a:rPr>
+                <a:t>common::</a:t>
+              </a:r>
+              <a:r>
+                <a:rPr lang="en-US" sz="1400" b="1" dirty="0" err="1" smtClean="0">
+                  <a:solidFill>
+                    <a:schemeClr val="accent5"/>
+                  </a:solidFill>
+                </a:rPr>
+                <a:t>datatransfer</a:t>
+              </a:r>
+              <a:endParaRPr lang="en-SG" sz="1400" b="1" dirty="0">
+                <a:solidFill>
+                  <a:schemeClr val="accent5"/>
+                </a:solidFill>
+              </a:endParaRPr>
+            </a:p>
+          </p:txBody>
+        </p:sp>
+        <p:sp>
+          <p:nvSpPr>
+            <p:cNvPr id="158" name="Rectangle 157"/>
+            <p:cNvSpPr/>
+            <p:nvPr/>
+          </p:nvSpPr>
+          <p:spPr>
+            <a:xfrm>
+              <a:off x="647700" y="1371600"/>
+              <a:ext cx="495300" cy="152400"/>
+            </a:xfrm>
+            <a:prstGeom prst="rect">
+              <a:avLst/>
+            </a:prstGeom>
+            <a:grpFill/>
+            <a:ln>
+              <a:solidFill>
+                <a:schemeClr val="accent5"/>
+              </a:solidFill>
+            </a:ln>
+          </p:spPr>
+          <p:style>
+            <a:lnRef idx="2">
+              <a:schemeClr val="accent1">
+                <a:shade val="50000"/>
+              </a:schemeClr>
+            </a:lnRef>
+            <a:fillRef idx="1">
+              <a:schemeClr val="accent1"/>
+            </a:fillRef>
+            <a:effectRef idx="0">
+              <a:schemeClr val="accent1"/>
+            </a:effectRef>
+            <a:fontRef idx="minor">
+              <a:schemeClr val="lt1"/>
+            </a:fontRef>
+          </p:style>
+          <p:txBody>
+            <a:bodyPr rtlCol="0" anchor="ctr"/>
+            <a:lstStyle/>
+            <a:p>
+              <a:endParaRPr lang="en-SG" sz="1400" b="1">
+                <a:solidFill>
+                  <a:schemeClr val="accent5"/>
+                </a:solidFill>
+              </a:endParaRPr>
+            </a:p>
+          </p:txBody>
+        </p:sp>
+      </p:grpSp>
     </p:spTree>
     <p:extLst>
       <p:ext uri="{BB962C8B-B14F-4D97-AF65-F5344CB8AC3E}">
@@ -6139,4 +6871,289 @@
   <a:objectDefaults/>
   <a:extraClrSchemeLst/>
 </a:theme>
+</file>
+
+<file path=ppt/theme/theme2.xml><?xml version="1.0" encoding="utf-8"?>
+<a:theme xmlns:a="http://schemas.openxmlformats.org/drawingml/2006/main" name="Office Theme">
+  <a:themeElements>
+    <a:clrScheme name="Office">
+      <a:dk1>
+        <a:sysClr val="windowText" lastClr="000000"/>
+      </a:dk1>
+      <a:lt1>
+        <a:sysClr val="window" lastClr="FFFFFF"/>
+      </a:lt1>
+      <a:dk2>
+        <a:srgbClr val="1F497D"/>
+      </a:dk2>
+      <a:lt2>
+        <a:srgbClr val="EEECE1"/>
+      </a:lt2>
+      <a:accent1>
+        <a:srgbClr val="4F81BD"/>
+      </a:accent1>
+      <a:accent2>
+        <a:srgbClr val="C0504D"/>
+      </a:accent2>
+      <a:accent3>
+        <a:srgbClr val="9BBB59"/>
+      </a:accent3>
+      <a:accent4>
+        <a:srgbClr val="8064A2"/>
+      </a:accent4>
+      <a:accent5>
+        <a:srgbClr val="4BACC6"/>
+      </a:accent5>
+      <a:accent6>
+        <a:srgbClr val="F79646"/>
+      </a:accent6>
+      <a:hlink>
+        <a:srgbClr val="0000FF"/>
+      </a:hlink>
+      <a:folHlink>
+        <a:srgbClr val="800080"/>
+      </a:folHlink>
+    </a:clrScheme>
+    <a:fontScheme name="Office">
+      <a:majorFont>
+        <a:latin typeface="Calibri"/>
+        <a:ea typeface=""/>
+        <a:cs typeface=""/>
+        <a:font script="Jpan" typeface="ＭＳ Ｐゴシック"/>
+        <a:font script="Hang" typeface="맑은 고딕"/>
+        <a:font script="Hans" typeface="宋体"/>
+        <a:font script="Hant" typeface="新細明體"/>
+        <a:font script="Arab" typeface="Times New Roman"/>
+        <a:font script="Hebr" typeface="Times New Roman"/>
+        <a:font script="Thai" typeface="Angsana New"/>
+        <a:font script="Ethi" typeface="Nyala"/>
+        <a:font script="Beng" typeface="Vrinda"/>
+        <a:font script="Gujr" typeface="Shruti"/>
+        <a:font script="Khmr" typeface="MoolBoran"/>
+        <a:font script="Knda" typeface="Tunga"/>
+        <a:font script="Guru" typeface="Raavi"/>
+        <a:font script="Cans" typeface="Euphemia"/>
+        <a:font script="Cher" typeface="Plantagenet Cherokee"/>
+        <a:font script="Yiii" typeface="Microsoft Yi Baiti"/>
+        <a:font script="Tibt" typeface="Microsoft Himalaya"/>
+        <a:font script="Thaa" typeface="MV Boli"/>
+        <a:font script="Deva" typeface="Mangal"/>
+        <a:font script="Telu" typeface="Gautami"/>
+        <a:font script="Taml" typeface="Latha"/>
+        <a:font script="Syrc" typeface="Estrangelo Edessa"/>
+        <a:font script="Orya" typeface="Kalinga"/>
+        <a:font script="Mlym" typeface="Kartika"/>
+        <a:font script="Laoo" typeface="DokChampa"/>
+        <a:font script="Sinh" typeface="Iskoola Pota"/>
+        <a:font script="Mong" typeface="Mongolian Baiti"/>
+        <a:font script="Viet" typeface="Times New Roman"/>
+        <a:font script="Uigh" typeface="Microsoft Uighur"/>
+        <a:font script="Geor" typeface="Sylfaen"/>
+      </a:majorFont>
+      <a:minorFont>
+        <a:latin typeface="Calibri"/>
+        <a:ea typeface=""/>
+        <a:cs typeface=""/>
+        <a:font script="Jpan" typeface="ＭＳ Ｐゴシック"/>
+        <a:font script="Hang" typeface="맑은 고딕"/>
+        <a:font script="Hans" typeface="宋体"/>
+        <a:font script="Hant" typeface="新細明體"/>
+        <a:font script="Arab" typeface="Arial"/>
+        <a:font script="Hebr" typeface="Arial"/>
+        <a:font script="Thai" typeface="Cordia New"/>
+        <a:font script="Ethi" typeface="Nyala"/>
+        <a:font script="Beng" typeface="Vrinda"/>
+        <a:font script="Gujr" typeface="Shruti"/>
+        <a:font script="Khmr" typeface="DaunPenh"/>
+        <a:font script="Knda" typeface="Tunga"/>
+        <a:font script="Guru" typeface="Raavi"/>
+        <a:font script="Cans" typeface="Euphemia"/>
+        <a:font script="Cher" typeface="Plantagenet Cherokee"/>
+        <a:font script="Yiii" typeface="Microsoft Yi Baiti"/>
+        <a:font script="Tibt" typeface="Microsoft Himalaya"/>
+        <a:font script="Thaa" typeface="MV Boli"/>
+        <a:font script="Deva" typeface="Mangal"/>
+        <a:font script="Telu" typeface="Gautami"/>
+        <a:font script="Taml" typeface="Latha"/>
+        <a:font script="Syrc" typeface="Estrangelo Edessa"/>
+        <a:font script="Orya" typeface="Kalinga"/>
+        <a:font script="Mlym" typeface="Kartika"/>
+        <a:font script="Laoo" typeface="DokChampa"/>
+        <a:font script="Sinh" typeface="Iskoola Pota"/>
+        <a:font script="Mong" typeface="Mongolian Baiti"/>
+        <a:font script="Viet" typeface="Arial"/>
+        <a:font script="Uigh" typeface="Microsoft Uighur"/>
+        <a:font script="Geor" typeface="Sylfaen"/>
+      </a:minorFont>
+    </a:fontScheme>
+    <a:fmtScheme name="Office">
+      <a:fillStyleLst>
+        <a:solidFill>
+          <a:schemeClr val="phClr"/>
+        </a:solidFill>
+        <a:gradFill rotWithShape="1">
+          <a:gsLst>
+            <a:gs pos="0">
+              <a:schemeClr val="phClr">
+                <a:tint val="50000"/>
+                <a:satMod val="300000"/>
+              </a:schemeClr>
+            </a:gs>
+            <a:gs pos="35000">
+              <a:schemeClr val="phClr">
+                <a:tint val="37000"/>
+                <a:satMod val="300000"/>
+              </a:schemeClr>
+            </a:gs>
+            <a:gs pos="100000">
+              <a:schemeClr val="phClr">
+                <a:tint val="15000"/>
+                <a:satMod val="350000"/>
+              </a:schemeClr>
+            </a:gs>
+          </a:gsLst>
+          <a:lin ang="16200000" scaled="1"/>
+        </a:gradFill>
+        <a:gradFill rotWithShape="1">
+          <a:gsLst>
+            <a:gs pos="0">
+              <a:schemeClr val="phClr">
+                <a:shade val="51000"/>
+                <a:satMod val="130000"/>
+              </a:schemeClr>
+            </a:gs>
+            <a:gs pos="80000">
+              <a:schemeClr val="phClr">
+                <a:shade val="93000"/>
+                <a:satMod val="130000"/>
+              </a:schemeClr>
+            </a:gs>
+            <a:gs pos="100000">
+              <a:schemeClr val="phClr">
+                <a:shade val="94000"/>
+                <a:satMod val="135000"/>
+              </a:schemeClr>
+            </a:gs>
+          </a:gsLst>
+          <a:lin ang="16200000" scaled="0"/>
+        </a:gradFill>
+      </a:fillStyleLst>
+      <a:lnStyleLst>
+        <a:ln w="9525" cap="flat" cmpd="sng" algn="ctr">
+          <a:solidFill>
+            <a:schemeClr val="phClr">
+              <a:shade val="95000"/>
+              <a:satMod val="105000"/>
+            </a:schemeClr>
+          </a:solidFill>
+          <a:prstDash val="solid"/>
+        </a:ln>
+        <a:ln w="25400" cap="flat" cmpd="sng" algn="ctr">
+          <a:solidFill>
+            <a:schemeClr val="phClr"/>
+          </a:solidFill>
+          <a:prstDash val="solid"/>
+        </a:ln>
+        <a:ln w="38100" cap="flat" cmpd="sng" algn="ctr">
+          <a:solidFill>
+            <a:schemeClr val="phClr"/>
+          </a:solidFill>
+          <a:prstDash val="solid"/>
+        </a:ln>
+      </a:lnStyleLst>
+      <a:effectStyleLst>
+        <a:effectStyle>
+          <a:effectLst>
+            <a:outerShdw blurRad="40000" dist="20000" dir="5400000" rotWithShape="0">
+              <a:srgbClr val="000000">
+                <a:alpha val="38000"/>
+              </a:srgbClr>
+            </a:outerShdw>
+          </a:effectLst>
+        </a:effectStyle>
+        <a:effectStyle>
+          <a:effectLst>
+            <a:outerShdw blurRad="40000" dist="23000" dir="5400000" rotWithShape="0">
+              <a:srgbClr val="000000">
+                <a:alpha val="35000"/>
+              </a:srgbClr>
+            </a:outerShdw>
+          </a:effectLst>
+        </a:effectStyle>
+        <a:effectStyle>
+          <a:effectLst>
+            <a:outerShdw blurRad="40000" dist="23000" dir="5400000" rotWithShape="0">
+              <a:srgbClr val="000000">
+                <a:alpha val="35000"/>
+              </a:srgbClr>
+            </a:outerShdw>
+          </a:effectLst>
+          <a:scene3d>
+            <a:camera prst="orthographicFront">
+              <a:rot lat="0" lon="0" rev="0"/>
+            </a:camera>
+            <a:lightRig rig="threePt" dir="t">
+              <a:rot lat="0" lon="0" rev="1200000"/>
+            </a:lightRig>
+          </a:scene3d>
+          <a:sp3d>
+            <a:bevelT w="63500" h="25400"/>
+          </a:sp3d>
+        </a:effectStyle>
+      </a:effectStyleLst>
+      <a:bgFillStyleLst>
+        <a:solidFill>
+          <a:schemeClr val="phClr"/>
+        </a:solidFill>
+        <a:gradFill rotWithShape="1">
+          <a:gsLst>
+            <a:gs pos="0">
+              <a:schemeClr val="phClr">
+                <a:tint val="40000"/>
+                <a:satMod val="350000"/>
+              </a:schemeClr>
+            </a:gs>
+            <a:gs pos="40000">
+              <a:schemeClr val="phClr">
+                <a:tint val="45000"/>
+                <a:shade val="99000"/>
+                <a:satMod val="350000"/>
+              </a:schemeClr>
+            </a:gs>
+            <a:gs pos="100000">
+              <a:schemeClr val="phClr">
+                <a:shade val="20000"/>
+                <a:satMod val="255000"/>
+              </a:schemeClr>
+            </a:gs>
+          </a:gsLst>
+          <a:path path="circle">
+            <a:fillToRect l="50000" t="-80000" r="50000" b="180000"/>
+          </a:path>
+        </a:gradFill>
+        <a:gradFill rotWithShape="1">
+          <a:gsLst>
+            <a:gs pos="0">
+              <a:schemeClr val="phClr">
+                <a:tint val="80000"/>
+                <a:satMod val="300000"/>
+              </a:schemeClr>
+            </a:gs>
+            <a:gs pos="100000">
+              <a:schemeClr val="phClr">
+                <a:shade val="30000"/>
+                <a:satMod val="200000"/>
+              </a:schemeClr>
+            </a:gs>
+          </a:gsLst>
+          <a:path path="circle">
+            <a:fillToRect l="50000" t="50000" r="50000" b="50000"/>
+          </a:path>
+        </a:gradFill>
+      </a:bgFillStyleLst>
+    </a:fmtScheme>
+  </a:themeElements>
+  <a:objectDefaults/>
+  <a:extraClrSchemeLst/>
+</a:theme>
 </file>
--- a/doc/diagrams/packageDiagram.pptx
+++ b/doc/diagrams/packageDiagram.pptx
@@ -192,7 +192,8 @@
           <a:p>
             <a:fld id="{5D8FA8FF-20DC-44E5-8C35-13EAF0A5698C}" type="datetimeFigureOut">
               <a:rPr lang="en-SG" smtClean="0"/>
-              <a:t>18/12/2012</a:t>
+              <a:pPr/>
+              <a:t>24/3/2013</a:t>
             </a:fld>
             <a:endParaRPr lang="en-SG"/>
           </a:p>
@@ -351,6 +352,7 @@
           <a:p>
             <a:fld id="{533A5AA4-18D7-48CB-8D4B-C9F7395BD002}" type="slidenum">
               <a:rPr lang="en-SG" smtClean="0"/>
+              <a:pPr/>
               <a:t>‹#›</a:t>
             </a:fld>
             <a:endParaRPr lang="en-SG"/>
@@ -360,7 +362,7 @@
     </p:spTree>
     <p:extLst>
       <p:ext uri="{BB962C8B-B14F-4D97-AF65-F5344CB8AC3E}">
-        <p14:creationId xmlns:p14="http://schemas.microsoft.com/office/powerpoint/2010/main" val="2591710806"/>
+        <p14:creationId xmlns:p14="http://schemas.microsoft.com/office/powerpoint/2010/main" xmlns="" val="2591710806"/>
       </p:ext>
     </p:extLst>
   </p:cSld>
@@ -530,6 +532,7 @@
           <a:p>
             <a:fld id="{533A5AA4-18D7-48CB-8D4B-C9F7395BD002}" type="slidenum">
               <a:rPr lang="en-SG" smtClean="0"/>
+              <a:pPr/>
               <a:t>1</a:t>
             </a:fld>
             <a:endParaRPr lang="en-SG"/>
@@ -539,7 +542,7 @@
     </p:spTree>
     <p:extLst>
       <p:ext uri="{BB962C8B-B14F-4D97-AF65-F5344CB8AC3E}">
-        <p14:creationId xmlns:p14="http://schemas.microsoft.com/office/powerpoint/2010/main" val="3432613659"/>
+        <p14:creationId xmlns:p14="http://schemas.microsoft.com/office/powerpoint/2010/main" xmlns="" val="3432613659"/>
       </p:ext>
     </p:extLst>
   </p:cSld>
@@ -731,7 +734,7 @@
             <a:fld id="{1D8BD707-D9CF-40AE-B4C6-C98DA3205C09}" type="datetimeFigureOut">
               <a:rPr lang="en-US" smtClean="0"/>
               <a:pPr/>
-              <a:t>12/18/2012</a:t>
+              <a:t>3/24/2013</a:t>
             </a:fld>
             <a:endParaRPr lang="en-US"/>
           </a:p>
@@ -898,7 +901,7 @@
             <a:fld id="{1D8BD707-D9CF-40AE-B4C6-C98DA3205C09}" type="datetimeFigureOut">
               <a:rPr lang="en-US" smtClean="0"/>
               <a:pPr/>
-              <a:t>12/18/2012</a:t>
+              <a:t>3/24/2013</a:t>
             </a:fld>
             <a:endParaRPr lang="en-US"/>
           </a:p>
@@ -1075,7 +1078,7 @@
             <a:fld id="{1D8BD707-D9CF-40AE-B4C6-C98DA3205C09}" type="datetimeFigureOut">
               <a:rPr lang="en-US" smtClean="0"/>
               <a:pPr/>
-              <a:t>12/18/2012</a:t>
+              <a:t>3/24/2013</a:t>
             </a:fld>
             <a:endParaRPr lang="en-US"/>
           </a:p>
@@ -1242,7 +1245,7 @@
             <a:fld id="{1D8BD707-D9CF-40AE-B4C6-C98DA3205C09}" type="datetimeFigureOut">
               <a:rPr lang="en-US" smtClean="0"/>
               <a:pPr/>
-              <a:t>12/18/2012</a:t>
+              <a:t>3/24/2013</a:t>
             </a:fld>
             <a:endParaRPr lang="en-US"/>
           </a:p>
@@ -1485,7 +1488,7 @@
             <a:fld id="{1D8BD707-D9CF-40AE-B4C6-C98DA3205C09}" type="datetimeFigureOut">
               <a:rPr lang="en-US" smtClean="0"/>
               <a:pPr/>
-              <a:t>12/18/2012</a:t>
+              <a:t>3/24/2013</a:t>
             </a:fld>
             <a:endParaRPr lang="en-US"/>
           </a:p>
@@ -1770,7 +1773,7 @@
             <a:fld id="{1D8BD707-D9CF-40AE-B4C6-C98DA3205C09}" type="datetimeFigureOut">
               <a:rPr lang="en-US" smtClean="0"/>
               <a:pPr/>
-              <a:t>12/18/2012</a:t>
+              <a:t>3/24/2013</a:t>
             </a:fld>
             <a:endParaRPr lang="en-US"/>
           </a:p>
@@ -2189,7 +2192,7 @@
             <a:fld id="{1D8BD707-D9CF-40AE-B4C6-C98DA3205C09}" type="datetimeFigureOut">
               <a:rPr lang="en-US" smtClean="0"/>
               <a:pPr/>
-              <a:t>12/18/2012</a:t>
+              <a:t>3/24/2013</a:t>
             </a:fld>
             <a:endParaRPr lang="en-US"/>
           </a:p>
@@ -2304,7 +2307,7 @@
             <a:fld id="{1D8BD707-D9CF-40AE-B4C6-C98DA3205C09}" type="datetimeFigureOut">
               <a:rPr lang="en-US" smtClean="0"/>
               <a:pPr/>
-              <a:t>12/18/2012</a:t>
+              <a:t>3/24/2013</a:t>
             </a:fld>
             <a:endParaRPr lang="en-US"/>
           </a:p>
@@ -2396,7 +2399,7 @@
             <a:fld id="{1D8BD707-D9CF-40AE-B4C6-C98DA3205C09}" type="datetimeFigureOut">
               <a:rPr lang="en-US" smtClean="0"/>
               <a:pPr/>
-              <a:t>12/18/2012</a:t>
+              <a:t>3/24/2013</a:t>
             </a:fld>
             <a:endParaRPr lang="en-US"/>
           </a:p>
@@ -2670,7 +2673,7 @@
             <a:fld id="{1D8BD707-D9CF-40AE-B4C6-C98DA3205C09}" type="datetimeFigureOut">
               <a:rPr lang="en-US" smtClean="0"/>
               <a:pPr/>
-              <a:t>12/18/2012</a:t>
+              <a:t>3/24/2013</a:t>
             </a:fld>
             <a:endParaRPr lang="en-US"/>
           </a:p>
@@ -2920,7 +2923,7 @@
             <a:fld id="{1D8BD707-D9CF-40AE-B4C6-C98DA3205C09}" type="datetimeFigureOut">
               <a:rPr lang="en-US" smtClean="0"/>
               <a:pPr/>
-              <a:t>12/18/2012</a:t>
+              <a:t>3/24/2013</a:t>
             </a:fld>
             <a:endParaRPr lang="en-US"/>
           </a:p>
@@ -3130,7 +3133,7 @@
             <a:fld id="{1D8BD707-D9CF-40AE-B4C6-C98DA3205C09}" type="datetimeFigureOut">
               <a:rPr lang="en-US" smtClean="0"/>
               <a:pPr/>
-              <a:t>12/18/2012</a:t>
+              <a:t>3/24/2013</a:t>
             </a:fld>
             <a:endParaRPr lang="en-US"/>
           </a:p>
@@ -3509,8 +3512,8 @@
         </p:nvSpPr>
         <p:spPr>
           <a:xfrm>
-            <a:off x="129381" y="4111239"/>
-            <a:ext cx="2133600" cy="2060961"/>
+            <a:off x="357981" y="3531394"/>
+            <a:ext cx="2057400" cy="1371600"/>
           </a:xfrm>
           <a:prstGeom prst="roundRect">
             <a:avLst>
@@ -3569,7 +3572,7 @@
         <p:spPr>
           <a:xfrm>
             <a:off x="3558381" y="1372313"/>
-            <a:ext cx="2286000" cy="4799888"/>
+            <a:ext cx="2286000" cy="4445081"/>
           </a:xfrm>
           <a:prstGeom prst="roundRect">
             <a:avLst>
@@ -3688,8 +3691,8 @@
         </p:nvSpPr>
         <p:spPr>
           <a:xfrm>
-            <a:off x="967581" y="1371600"/>
-            <a:ext cx="1752600" cy="2514600"/>
+            <a:off x="891381" y="1371600"/>
+            <a:ext cx="1524000" cy="2077278"/>
           </a:xfrm>
           <a:prstGeom prst="roundRect">
             <a:avLst>
@@ -3807,8 +3810,8 @@
         </p:nvGrpSpPr>
         <p:grpSpPr>
           <a:xfrm>
-            <a:off x="1196181" y="3124200"/>
-            <a:ext cx="1371600" cy="609600"/>
+            <a:off x="967581" y="2769394"/>
+            <a:ext cx="1361661" cy="503583"/>
             <a:chOff x="-228600" y="1371600"/>
             <a:chExt cx="1371600" cy="609600"/>
           </a:xfrm>
@@ -4325,7 +4328,7 @@
         </p:nvGrpSpPr>
         <p:grpSpPr>
           <a:xfrm>
-            <a:off x="510381" y="4980061"/>
+            <a:off x="662781" y="4293394"/>
             <a:ext cx="1371600" cy="506339"/>
             <a:chOff x="-228600" y="1371600"/>
             <a:chExt cx="1371600" cy="506339"/>
@@ -4625,8 +4628,8 @@
         </p:nvCxnSpPr>
         <p:spPr>
           <a:xfrm>
-            <a:off x="2262981" y="4572000"/>
-            <a:ext cx="1752600" cy="0"/>
+            <a:off x="2415381" y="4369594"/>
+            <a:ext cx="1600200" cy="0"/>
           </a:xfrm>
           <a:prstGeom prst="straightConnector1">
             <a:avLst/>
@@ -4704,7 +4707,7 @@
         <p:spPr>
           <a:xfrm>
             <a:off x="1805781" y="907991"/>
-            <a:ext cx="0" cy="457198"/>
+            <a:ext cx="1" cy="364979"/>
           </a:xfrm>
           <a:prstGeom prst="straightConnector1">
             <a:avLst/>
@@ -4817,8 +4820,8 @@
         </p:nvCxnSpPr>
         <p:spPr>
           <a:xfrm>
-            <a:off x="499343" y="914402"/>
-            <a:ext cx="11038" cy="3200398"/>
+            <a:off x="586581" y="914402"/>
+            <a:ext cx="0" cy="2616992"/>
           </a:xfrm>
           <a:prstGeom prst="straightConnector1">
             <a:avLst/>
@@ -4895,8 +4898,8 @@
         </p:nvCxnSpPr>
         <p:spPr>
           <a:xfrm>
-            <a:off x="967581" y="4755022"/>
-            <a:ext cx="0" cy="379221"/>
+            <a:off x="967581" y="4217194"/>
+            <a:ext cx="0" cy="224172"/>
           </a:xfrm>
           <a:prstGeom prst="straightConnector1">
             <a:avLst/>
@@ -5271,10 +5274,10 @@
         </p:nvGrpSpPr>
         <p:grpSpPr>
           <a:xfrm>
-            <a:off x="3939381" y="5334000"/>
-            <a:ext cx="1447800" cy="762000"/>
+            <a:off x="3939381" y="5055394"/>
+            <a:ext cx="1447800" cy="533400"/>
             <a:chOff x="-304800" y="1371600"/>
-            <a:chExt cx="1447800" cy="762000"/>
+            <a:chExt cx="1447800" cy="533400"/>
           </a:xfrm>
           <a:solidFill>
             <a:schemeClr val="bg1"/>
@@ -5289,7 +5292,7 @@
           <p:spPr>
             <a:xfrm>
               <a:off x="-304800" y="1524000"/>
-              <a:ext cx="1447800" cy="609600"/>
+              <a:ext cx="1447800" cy="381000"/>
             </a:xfrm>
             <a:prstGeom prst="rect">
               <a:avLst/>
@@ -5398,7 +5401,7 @@
         <p:spPr>
           <a:xfrm>
             <a:off x="4625181" y="4876800"/>
-            <a:ext cx="0" cy="609600"/>
+            <a:ext cx="0" cy="330994"/>
           </a:xfrm>
           <a:prstGeom prst="straightConnector1">
             <a:avLst/>
@@ -5473,15 +5476,13 @@
       <p:cxnSp>
         <p:nvCxnSpPr>
           <p:cNvPr id="134" name="Straight Arrow Connector 133"/>
-          <p:cNvCxnSpPr>
-            <a:stCxn id="127" idx="1"/>
-          </p:cNvCxnSpPr>
+          <p:cNvCxnSpPr/>
           <p:nvPr/>
         </p:nvCxnSpPr>
         <p:spPr>
           <a:xfrm flipH="1">
-            <a:off x="2567781" y="3352800"/>
-            <a:ext cx="1447800" cy="0"/>
+            <a:off x="2339181" y="3150394"/>
+            <a:ext cx="1676400" cy="0"/>
           </a:xfrm>
           <a:prstGeom prst="straightConnector1">
             <a:avLst/>
@@ -5574,15 +5575,7 @@
                     <a:schemeClr val="accent5"/>
                   </a:solidFill>
                 </a:rPr>
-                <a:t>common::</a:t>
-              </a:r>
-              <a:r>
-                <a:rPr lang="en-US" sz="1400" b="1" dirty="0" smtClean="0">
-                  <a:solidFill>
-                    <a:schemeClr val="accent5"/>
-                  </a:solidFill>
-                </a:rPr>
-                <a:t>exception</a:t>
+                <a:t>common::exception</a:t>
               </a:r>
               <a:endParaRPr lang="en-SG" sz="1400" b="1" dirty="0">
                 <a:solidFill>
@@ -5830,10 +5823,10 @@
         </p:nvGrpSpPr>
         <p:grpSpPr>
           <a:xfrm>
-            <a:off x="1196181" y="2362200"/>
-            <a:ext cx="1371600" cy="609600"/>
-            <a:chOff x="-228600" y="1371600"/>
-            <a:chExt cx="1371600" cy="609600"/>
+            <a:off x="967581" y="2159794"/>
+            <a:ext cx="1361661" cy="503583"/>
+            <a:chOff x="-505326" y="1371600"/>
+            <a:chExt cx="1648326" cy="609600"/>
           </a:xfrm>
           <a:solidFill>
             <a:schemeClr val="bg1"/>
@@ -5847,8 +5840,8 @@
           </p:nvSpPr>
           <p:spPr>
             <a:xfrm>
-              <a:off x="-228600" y="1524000"/>
-              <a:ext cx="1371600" cy="457200"/>
+              <a:off x="-505326" y="1524000"/>
+              <a:ext cx="1648326" cy="457200"/>
             </a:xfrm>
             <a:prstGeom prst="rect">
               <a:avLst/>
@@ -5949,13 +5942,16 @@
       <p:cxnSp>
         <p:nvCxnSpPr>
           <p:cNvPr id="145" name="Straight Arrow Connector 144"/>
-          <p:cNvCxnSpPr/>
+          <p:cNvCxnSpPr>
+            <a:stCxn id="95" idx="0"/>
+            <a:endCxn id="143" idx="2"/>
+          </p:cNvCxnSpPr>
           <p:nvPr/>
         </p:nvCxnSpPr>
         <p:spPr>
           <a:xfrm flipV="1">
-            <a:off x="1805781" y="2971800"/>
-            <a:ext cx="0" cy="304800"/>
+            <a:off x="1648412" y="2663377"/>
+            <a:ext cx="0" cy="231913"/>
           </a:xfrm>
           <a:prstGeom prst="straightConnector1">
             <a:avLst/>
@@ -5992,10 +5988,10 @@
         </p:nvGrpSpPr>
         <p:grpSpPr>
           <a:xfrm>
-            <a:off x="1196181" y="1600200"/>
-            <a:ext cx="1371600" cy="609600"/>
-            <a:chOff x="-228600" y="1371600"/>
-            <a:chExt cx="1371600" cy="609600"/>
+            <a:off x="967581" y="1600200"/>
+            <a:ext cx="1361661" cy="503583"/>
+            <a:chOff x="-505326" y="1371600"/>
+            <a:chExt cx="1648326" cy="609600"/>
           </a:xfrm>
           <a:solidFill>
             <a:schemeClr val="bg1"/>
@@ -6009,8 +6005,8 @@
           </p:nvSpPr>
           <p:spPr>
             <a:xfrm>
-              <a:off x="-228600" y="1524000"/>
-              <a:ext cx="1371600" cy="457200"/>
+              <a:off x="-505326" y="1524000"/>
+              <a:ext cx="1648326" cy="457200"/>
             </a:xfrm>
             <a:prstGeom prst="rect">
               <a:avLst/>
@@ -6052,15 +6048,7 @@
                     <a:schemeClr val="tx2"/>
                   </a:solidFill>
                 </a:rPr>
-                <a:t>::</a:t>
-              </a:r>
-              <a:r>
-                <a:rPr lang="en-US" sz="1400" b="1" dirty="0" smtClean="0">
-                  <a:solidFill>
-                    <a:schemeClr val="tx2"/>
-                  </a:solidFill>
-                </a:rPr>
-                <a:t>website</a:t>
+                <a:t>::website</a:t>
               </a:r>
               <a:endParaRPr lang="en-SG" sz="1400" b="1" dirty="0">
                 <a:solidFill>
@@ -6124,8 +6112,8 @@
         </p:nvGrpSpPr>
         <p:grpSpPr>
           <a:xfrm>
-            <a:off x="510381" y="4343400"/>
-            <a:ext cx="1371600" cy="499929"/>
+            <a:off x="662781" y="3759994"/>
+            <a:ext cx="1371600" cy="423729"/>
             <a:chOff x="-228600" y="1371600"/>
             <a:chExt cx="1371600" cy="499929"/>
           </a:xfrm>
@@ -6252,192 +6240,6 @@
           </p:txBody>
         </p:sp>
       </p:grpSp>
-      <p:grpSp>
-        <p:nvGrpSpPr>
-          <p:cNvPr id="152" name="Group 151"/>
-          <p:cNvGrpSpPr/>
-          <p:nvPr/>
-        </p:nvGrpSpPr>
-        <p:grpSpPr>
-          <a:xfrm>
-            <a:off x="510381" y="5589661"/>
-            <a:ext cx="1371600" cy="506339"/>
-            <a:chOff x="-228600" y="1371600"/>
-            <a:chExt cx="1371600" cy="506339"/>
-          </a:xfrm>
-          <a:solidFill>
-            <a:schemeClr val="bg1"/>
-          </a:solidFill>
-        </p:grpSpPr>
-        <p:sp>
-          <p:nvSpPr>
-            <p:cNvPr id="153" name="Rectangle 152"/>
-            <p:cNvSpPr/>
-            <p:nvPr/>
-          </p:nvSpPr>
-          <p:spPr>
-            <a:xfrm>
-              <a:off x="-228600" y="1524000"/>
-              <a:ext cx="1371600" cy="353939"/>
-            </a:xfrm>
-            <a:prstGeom prst="rect">
-              <a:avLst/>
-            </a:prstGeom>
-            <a:grpFill/>
-            <a:ln>
-              <a:solidFill>
-                <a:schemeClr val="accent2">
-                  <a:lumMod val="75000"/>
-                </a:schemeClr>
-              </a:solidFill>
-            </a:ln>
-          </p:spPr>
-          <p:style>
-            <a:lnRef idx="2">
-              <a:schemeClr val="accent1">
-                <a:shade val="50000"/>
-              </a:schemeClr>
-            </a:lnRef>
-            <a:fillRef idx="1">
-              <a:schemeClr val="accent1"/>
-            </a:fillRef>
-            <a:effectRef idx="0">
-              <a:schemeClr val="accent1"/>
-            </a:effectRef>
-            <a:fontRef idx="minor">
-              <a:schemeClr val="lt1"/>
-            </a:fontRef>
-          </p:style>
-          <p:txBody>
-            <a:bodyPr rtlCol="0" anchor="ctr"/>
-            <a:lstStyle/>
-            <a:p>
-              <a:pPr algn="ctr"/>
-              <a:r>
-                <a:rPr lang="en-US" sz="1400" b="1" dirty="0" smtClean="0">
-                  <a:solidFill>
-                    <a:schemeClr val="accent2">
-                      <a:lumMod val="75000"/>
-                    </a:schemeClr>
-                  </a:solidFill>
-                </a:rPr>
-                <a:t>test</a:t>
-              </a:r>
-              <a:r>
-                <a:rPr lang="en-US" sz="1400" b="1" dirty="0" smtClean="0">
-                  <a:solidFill>
-                    <a:schemeClr val="accent2">
-                      <a:lumMod val="75000"/>
-                    </a:schemeClr>
-                  </a:solidFill>
-                </a:rPr>
-                <a:t>::scripts</a:t>
-              </a:r>
-              <a:endParaRPr lang="en-SG" sz="1400" b="1" dirty="0">
-                <a:solidFill>
-                  <a:schemeClr val="accent2">
-                    <a:lumMod val="75000"/>
-                  </a:schemeClr>
-                </a:solidFill>
-              </a:endParaRPr>
-            </a:p>
-          </p:txBody>
-        </p:sp>
-        <p:sp>
-          <p:nvSpPr>
-            <p:cNvPr id="154" name="Rectangle 153"/>
-            <p:cNvSpPr/>
-            <p:nvPr/>
-          </p:nvSpPr>
-          <p:spPr>
-            <a:xfrm>
-              <a:off x="647700" y="1371600"/>
-              <a:ext cx="495300" cy="152400"/>
-            </a:xfrm>
-            <a:prstGeom prst="rect">
-              <a:avLst/>
-            </a:prstGeom>
-            <a:grpFill/>
-            <a:ln>
-              <a:solidFill>
-                <a:schemeClr val="accent2">
-                  <a:lumMod val="75000"/>
-                </a:schemeClr>
-              </a:solidFill>
-            </a:ln>
-          </p:spPr>
-          <p:style>
-            <a:lnRef idx="2">
-              <a:schemeClr val="accent1">
-                <a:shade val="50000"/>
-              </a:schemeClr>
-            </a:lnRef>
-            <a:fillRef idx="1">
-              <a:schemeClr val="accent1"/>
-            </a:fillRef>
-            <a:effectRef idx="0">
-              <a:schemeClr val="accent1"/>
-            </a:effectRef>
-            <a:fontRef idx="minor">
-              <a:schemeClr val="lt1"/>
-            </a:fontRef>
-          </p:style>
-          <p:txBody>
-            <a:bodyPr rtlCol="0" anchor="ctr"/>
-            <a:lstStyle/>
-            <a:p>
-              <a:pPr algn="ctr"/>
-              <a:endParaRPr lang="en-SG" sz="1400" b="1">
-                <a:solidFill>
-                  <a:schemeClr val="accent2">
-                    <a:lumMod val="75000"/>
-                  </a:schemeClr>
-                </a:solidFill>
-              </a:endParaRPr>
-            </a:p>
-          </p:txBody>
-        </p:sp>
-      </p:grpSp>
-      <p:cxnSp>
-        <p:nvCxnSpPr>
-          <p:cNvPr id="155" name="Straight Arrow Connector 154"/>
-          <p:cNvCxnSpPr/>
-          <p:nvPr/>
-        </p:nvCxnSpPr>
-        <p:spPr>
-          <a:xfrm flipV="1">
-            <a:off x="967581" y="5511682"/>
-            <a:ext cx="0" cy="230379"/>
-          </a:xfrm>
-          <a:prstGeom prst="straightConnector1">
-            <a:avLst/>
-          </a:prstGeom>
-          <a:ln w="38100">
-            <a:solidFill>
-              <a:schemeClr val="accent2">
-                <a:lumMod val="75000"/>
-              </a:schemeClr>
-            </a:solidFill>
-            <a:prstDash val="sysDot"/>
-            <a:headEnd type="none" w="med" len="med"/>
-            <a:tailEnd type="triangle" w="med" len="med"/>
-          </a:ln>
-        </p:spPr>
-        <p:style>
-          <a:lnRef idx="1">
-            <a:schemeClr val="accent1"/>
-          </a:lnRef>
-          <a:fillRef idx="0">
-            <a:schemeClr val="accent1"/>
-          </a:fillRef>
-          <a:effectRef idx="0">
-            <a:schemeClr val="accent1"/>
-          </a:effectRef>
-          <a:fontRef idx="minor">
-            <a:schemeClr val="tx1"/>
-          </a:fontRef>
-        </p:style>
-      </p:cxnSp>
       <p:grpSp>
         <p:nvGrpSpPr>
           <p:cNvPr id="156" name="Group 155"/>
@@ -6570,10 +6372,450 @@
           </p:txBody>
         </p:sp>
       </p:grpSp>
+      <p:sp>
+        <p:nvSpPr>
+          <p:cNvPr id="85" name="Rounded Rectangle 84"/>
+          <p:cNvSpPr/>
+          <p:nvPr/>
+        </p:nvSpPr>
+        <p:spPr>
+          <a:xfrm>
+            <a:off x="129381" y="4979194"/>
+            <a:ext cx="2286000" cy="1234440"/>
+          </a:xfrm>
+          <a:prstGeom prst="roundRect">
+            <a:avLst>
+              <a:gd name="adj" fmla="val 9190"/>
+            </a:avLst>
+          </a:prstGeom>
+          <a:solidFill>
+            <a:schemeClr val="accent3">
+              <a:lumMod val="40000"/>
+              <a:lumOff val="60000"/>
+            </a:schemeClr>
+          </a:solidFill>
+          <a:ln>
+            <a:solidFill>
+              <a:schemeClr val="accent3">
+                <a:lumMod val="60000"/>
+                <a:lumOff val="40000"/>
+              </a:schemeClr>
+            </a:solidFill>
+          </a:ln>
+        </p:spPr>
+        <p:style>
+          <a:lnRef idx="2">
+            <a:schemeClr val="accent1">
+              <a:shade val="50000"/>
+            </a:schemeClr>
+          </a:lnRef>
+          <a:fillRef idx="1">
+            <a:schemeClr val="accent1"/>
+          </a:fillRef>
+          <a:effectRef idx="0">
+            <a:schemeClr val="accent1"/>
+          </a:effectRef>
+          <a:fontRef idx="minor">
+            <a:schemeClr val="lt1"/>
+          </a:fontRef>
+        </p:style>
+        <p:txBody>
+          <a:bodyPr rtlCol="0" anchor="t" anchorCtr="0"/>
+          <a:lstStyle/>
+          <a:p>
+            <a:r>
+              <a:rPr lang="en-US" sz="1600" b="1" dirty="0" smtClean="0"/>
+              <a:t>Client</a:t>
+            </a:r>
+            <a:endParaRPr lang="en-SG" sz="1600" b="1" dirty="0"/>
+          </a:p>
+        </p:txBody>
+      </p:sp>
+      <p:grpSp>
+        <p:nvGrpSpPr>
+          <p:cNvPr id="86" name="Group 85"/>
+          <p:cNvGrpSpPr/>
+          <p:nvPr/>
+        </p:nvGrpSpPr>
+        <p:grpSpPr>
+          <a:xfrm>
+            <a:off x="281781" y="5283994"/>
+            <a:ext cx="1905000" cy="381000"/>
+            <a:chOff x="-533400" y="1371600"/>
+            <a:chExt cx="1676400" cy="762000"/>
+          </a:xfrm>
+          <a:solidFill>
+            <a:schemeClr val="bg1"/>
+          </a:solidFill>
+        </p:grpSpPr>
+        <p:sp>
+          <p:nvSpPr>
+            <p:cNvPr id="87" name="Rectangle 86"/>
+            <p:cNvSpPr/>
+            <p:nvPr/>
+          </p:nvSpPr>
+          <p:spPr>
+            <a:xfrm>
+              <a:off x="-533400" y="1524000"/>
+              <a:ext cx="1676400" cy="609600"/>
+            </a:xfrm>
+            <a:prstGeom prst="rect">
+              <a:avLst/>
+            </a:prstGeom>
+            <a:grpFill/>
+            <a:ln>
+              <a:solidFill>
+                <a:srgbClr val="00B050"/>
+              </a:solidFill>
+            </a:ln>
+          </p:spPr>
+          <p:style>
+            <a:lnRef idx="2">
+              <a:schemeClr val="accent1">
+                <a:shade val="50000"/>
+              </a:schemeClr>
+            </a:lnRef>
+            <a:fillRef idx="1">
+              <a:schemeClr val="accent1"/>
+            </a:fillRef>
+            <a:effectRef idx="0">
+              <a:schemeClr val="accent1"/>
+            </a:effectRef>
+            <a:fontRef idx="minor">
+              <a:schemeClr val="lt1"/>
+            </a:fontRef>
+          </p:style>
+          <p:txBody>
+            <a:bodyPr rtlCol="0" anchor="ctr"/>
+            <a:lstStyle/>
+            <a:p>
+              <a:pPr algn="ctr"/>
+              <a:r>
+                <a:rPr lang="en-US" sz="1400" b="1" dirty="0" smtClean="0">
+                  <a:solidFill>
+                    <a:srgbClr val="00B050"/>
+                  </a:solidFill>
+                </a:rPr>
+                <a:t>client::scripts</a:t>
+              </a:r>
+              <a:endParaRPr lang="en-US" sz="1400" b="1" dirty="0" smtClean="0">
+                <a:solidFill>
+                  <a:srgbClr val="00B050"/>
+                </a:solidFill>
+              </a:endParaRPr>
+            </a:p>
+          </p:txBody>
+        </p:sp>
+        <p:sp>
+          <p:nvSpPr>
+            <p:cNvPr id="88" name="Rectangle 87"/>
+            <p:cNvSpPr/>
+            <p:nvPr/>
+          </p:nvSpPr>
+          <p:spPr>
+            <a:xfrm>
+              <a:off x="647700" y="1371600"/>
+              <a:ext cx="495300" cy="152400"/>
+            </a:xfrm>
+            <a:prstGeom prst="rect">
+              <a:avLst/>
+            </a:prstGeom>
+            <a:grpFill/>
+            <a:ln>
+              <a:solidFill>
+                <a:srgbClr val="00B050"/>
+              </a:solidFill>
+            </a:ln>
+          </p:spPr>
+          <p:style>
+            <a:lnRef idx="2">
+              <a:schemeClr val="accent1">
+                <a:shade val="50000"/>
+              </a:schemeClr>
+            </a:lnRef>
+            <a:fillRef idx="1">
+              <a:schemeClr val="accent1"/>
+            </a:fillRef>
+            <a:effectRef idx="0">
+              <a:schemeClr val="accent1"/>
+            </a:effectRef>
+            <a:fontRef idx="minor">
+              <a:schemeClr val="lt1"/>
+            </a:fontRef>
+          </p:style>
+          <p:txBody>
+            <a:bodyPr rtlCol="0" anchor="ctr"/>
+            <a:lstStyle/>
+            <a:p>
+              <a:pPr algn="ctr"/>
+              <a:endParaRPr lang="en-SG" sz="1400" b="1">
+                <a:solidFill>
+                  <a:srgbClr val="00B050"/>
+                </a:solidFill>
+              </a:endParaRPr>
+            </a:p>
+          </p:txBody>
+        </p:sp>
+      </p:grpSp>
+      <p:cxnSp>
+        <p:nvCxnSpPr>
+          <p:cNvPr id="162" name="Straight Arrow Connector 161"/>
+          <p:cNvCxnSpPr>
+            <a:stCxn id="87" idx="3"/>
+            <a:endCxn id="122" idx="1"/>
+          </p:cNvCxnSpPr>
+          <p:nvPr/>
+        </p:nvCxnSpPr>
+        <p:spPr>
+          <a:xfrm flipV="1">
+            <a:off x="2186781" y="4572000"/>
+            <a:ext cx="1828800" cy="940594"/>
+          </a:xfrm>
+          <a:prstGeom prst="bentConnector3">
+            <a:avLst>
+              <a:gd name="adj1" fmla="val 50000"/>
+            </a:avLst>
+          </a:prstGeom>
+          <a:ln w="38100">
+            <a:solidFill>
+              <a:srgbClr val="00B050"/>
+            </a:solidFill>
+            <a:prstDash val="sysDot"/>
+            <a:headEnd type="none" w="med" len="med"/>
+            <a:tailEnd type="triangle" w="med" len="med"/>
+          </a:ln>
+        </p:spPr>
+        <p:style>
+          <a:lnRef idx="1">
+            <a:schemeClr val="accent1"/>
+          </a:lnRef>
+          <a:fillRef idx="0">
+            <a:schemeClr val="accent1"/>
+          </a:fillRef>
+          <a:effectRef idx="0">
+            <a:schemeClr val="accent1"/>
+          </a:effectRef>
+          <a:fontRef idx="minor">
+            <a:schemeClr val="tx1"/>
+          </a:fontRef>
+        </p:style>
+      </p:cxnSp>
+      <p:grpSp>
+        <p:nvGrpSpPr>
+          <p:cNvPr id="169" name="Group 168"/>
+          <p:cNvGrpSpPr/>
+          <p:nvPr/>
+        </p:nvGrpSpPr>
+        <p:grpSpPr>
+          <a:xfrm>
+            <a:off x="281781" y="5741194"/>
+            <a:ext cx="1905000" cy="381000"/>
+            <a:chOff x="-533400" y="1371600"/>
+            <a:chExt cx="1676400" cy="762000"/>
+          </a:xfrm>
+          <a:solidFill>
+            <a:schemeClr val="bg1"/>
+          </a:solidFill>
+        </p:grpSpPr>
+        <p:sp>
+          <p:nvSpPr>
+            <p:cNvPr id="170" name="Rectangle 169"/>
+            <p:cNvSpPr/>
+            <p:nvPr/>
+          </p:nvSpPr>
+          <p:spPr>
+            <a:xfrm>
+              <a:off x="-533400" y="1524000"/>
+              <a:ext cx="1676400" cy="609600"/>
+            </a:xfrm>
+            <a:prstGeom prst="rect">
+              <a:avLst/>
+            </a:prstGeom>
+            <a:grpFill/>
+            <a:ln>
+              <a:solidFill>
+                <a:srgbClr val="00B050"/>
+              </a:solidFill>
+            </a:ln>
+          </p:spPr>
+          <p:style>
+            <a:lnRef idx="2">
+              <a:schemeClr val="accent1">
+                <a:shade val="50000"/>
+              </a:schemeClr>
+            </a:lnRef>
+            <a:fillRef idx="1">
+              <a:schemeClr val="accent1"/>
+            </a:fillRef>
+            <a:effectRef idx="0">
+              <a:schemeClr val="accent1"/>
+            </a:effectRef>
+            <a:fontRef idx="minor">
+              <a:schemeClr val="lt1"/>
+            </a:fontRef>
+          </p:style>
+          <p:txBody>
+            <a:bodyPr rtlCol="0" anchor="ctr"/>
+            <a:lstStyle/>
+            <a:p>
+              <a:pPr algn="ctr"/>
+              <a:r>
+                <a:rPr lang="en-US" sz="1400" b="1" dirty="0" smtClean="0">
+                  <a:solidFill>
+                    <a:srgbClr val="00B050"/>
+                  </a:solidFill>
+                </a:rPr>
+                <a:t>client::</a:t>
+              </a:r>
+              <a:r>
+                <a:rPr lang="en-US" sz="1400" b="1" dirty="0" err="1" smtClean="0">
+                  <a:solidFill>
+                    <a:srgbClr val="00B050"/>
+                  </a:solidFill>
+                </a:rPr>
+                <a:t>remoteapi</a:t>
+              </a:r>
+              <a:endParaRPr lang="en-US" sz="1400" b="1" dirty="0" smtClean="0">
+                <a:solidFill>
+                  <a:srgbClr val="00B050"/>
+                </a:solidFill>
+              </a:endParaRPr>
+            </a:p>
+          </p:txBody>
+        </p:sp>
+        <p:sp>
+          <p:nvSpPr>
+            <p:cNvPr id="171" name="Rectangle 170"/>
+            <p:cNvSpPr/>
+            <p:nvPr/>
+          </p:nvSpPr>
+          <p:spPr>
+            <a:xfrm>
+              <a:off x="647700" y="1371600"/>
+              <a:ext cx="495300" cy="152400"/>
+            </a:xfrm>
+            <a:prstGeom prst="rect">
+              <a:avLst/>
+            </a:prstGeom>
+            <a:grpFill/>
+            <a:ln>
+              <a:solidFill>
+                <a:srgbClr val="00B050"/>
+              </a:solidFill>
+            </a:ln>
+          </p:spPr>
+          <p:style>
+            <a:lnRef idx="2">
+              <a:schemeClr val="accent1">
+                <a:shade val="50000"/>
+              </a:schemeClr>
+            </a:lnRef>
+            <a:fillRef idx="1">
+              <a:schemeClr val="accent1"/>
+            </a:fillRef>
+            <a:effectRef idx="0">
+              <a:schemeClr val="accent1"/>
+            </a:effectRef>
+            <a:fontRef idx="minor">
+              <a:schemeClr val="lt1"/>
+            </a:fontRef>
+          </p:style>
+          <p:txBody>
+            <a:bodyPr rtlCol="0" anchor="ctr"/>
+            <a:lstStyle/>
+            <a:p>
+              <a:pPr algn="ctr"/>
+              <a:endParaRPr lang="en-SG" sz="1400" b="1">
+                <a:solidFill>
+                  <a:srgbClr val="00B050"/>
+                </a:solidFill>
+              </a:endParaRPr>
+            </a:p>
+          </p:txBody>
+        </p:sp>
+      </p:grpSp>
+      <p:cxnSp>
+        <p:nvCxnSpPr>
+          <p:cNvPr id="172" name="Straight Arrow Connector 161"/>
+          <p:cNvCxnSpPr/>
+          <p:nvPr/>
+        </p:nvCxnSpPr>
+        <p:spPr>
+          <a:xfrm flipV="1">
+            <a:off x="2186781" y="5664994"/>
+            <a:ext cx="5257800" cy="330994"/>
+          </a:xfrm>
+          <a:prstGeom prst="bentConnector3">
+            <a:avLst>
+              <a:gd name="adj1" fmla="val 100000"/>
+            </a:avLst>
+          </a:prstGeom>
+          <a:ln w="38100">
+            <a:solidFill>
+              <a:srgbClr val="00B050"/>
+            </a:solidFill>
+            <a:prstDash val="sysDot"/>
+            <a:headEnd type="none" w="med" len="med"/>
+            <a:tailEnd type="triangle" w="med" len="med"/>
+          </a:ln>
+        </p:spPr>
+        <p:style>
+          <a:lnRef idx="1">
+            <a:schemeClr val="accent1"/>
+          </a:lnRef>
+          <a:fillRef idx="0">
+            <a:schemeClr val="accent1"/>
+          </a:fillRef>
+          <a:effectRef idx="0">
+            <a:schemeClr val="accent1"/>
+          </a:effectRef>
+          <a:fontRef idx="minor">
+            <a:schemeClr val="tx1"/>
+          </a:fontRef>
+        </p:style>
+      </p:cxnSp>
+      <p:cxnSp>
+        <p:nvCxnSpPr>
+          <p:cNvPr id="176" name="Straight Arrow Connector 161"/>
+          <p:cNvCxnSpPr/>
+          <p:nvPr/>
+        </p:nvCxnSpPr>
+        <p:spPr>
+          <a:xfrm flipV="1">
+            <a:off x="205581" y="864394"/>
+            <a:ext cx="0" cy="4114800"/>
+          </a:xfrm>
+          <a:prstGeom prst="straightConnector1">
+            <a:avLst/>
+          </a:prstGeom>
+          <a:ln w="38100">
+            <a:solidFill>
+              <a:srgbClr val="00B050"/>
+            </a:solidFill>
+            <a:prstDash val="sysDot"/>
+            <a:headEnd type="none" w="med" len="med"/>
+            <a:tailEnd type="triangle" w="med" len="med"/>
+          </a:ln>
+        </p:spPr>
+        <p:style>
+          <a:lnRef idx="1">
+            <a:schemeClr val="accent1"/>
+          </a:lnRef>
+          <a:fillRef idx="0">
+            <a:schemeClr val="accent1"/>
+          </a:fillRef>
+          <a:effectRef idx="0">
+            <a:schemeClr val="accent1"/>
+          </a:effectRef>
+          <a:fontRef idx="minor">
+            <a:schemeClr val="tx1"/>
+          </a:fontRef>
+        </p:style>
+      </p:cxnSp>
     </p:spTree>
     <p:extLst>
       <p:ext uri="{BB962C8B-B14F-4D97-AF65-F5344CB8AC3E}">
-        <p14:creationId xmlns:p14="http://schemas.microsoft.com/office/powerpoint/2010/main" val="2312643091"/>
+        <p14:creationId xmlns:p14="http://schemas.microsoft.com/office/powerpoint/2010/main" xmlns="" val="2312643091"/>
       </p:ext>
     </p:extLst>
   </p:cSld>

--- a/doc/diagrams/packageDiagram.pptx
+++ b/doc/diagrams/packageDiagram.pptx
@@ -12,6 +12,9 @@
   </p:sldIdLst>
   <p:sldSz cx="8640763" cy="6300788"/>
   <p:notesSz cx="6858000" cy="9144000"/>
+  <p:custDataLst>
+    <p:tags r:id="rId4"/>
+  </p:custDataLst>
   <p:defaultTextStyle>
     <a:defPPr>
       <a:defRPr lang="en-US"/>
@@ -362,7 +365,7 @@
     </p:spTree>
     <p:extLst>
       <p:ext uri="{BB962C8B-B14F-4D97-AF65-F5344CB8AC3E}">
-        <p14:creationId xmlns:p14="http://schemas.microsoft.com/office/powerpoint/2010/main" xmlns="" val="2591710806"/>
+        <p14:creationId xmlns:p14="http://schemas.microsoft.com/office/powerpoint/2010/main" val="2591710806"/>
       </p:ext>
     </p:extLst>
   </p:cSld>
@@ -542,7 +545,7 @@
     </p:spTree>
     <p:extLst>
       <p:ext uri="{BB962C8B-B14F-4D97-AF65-F5344CB8AC3E}">
-        <p14:creationId xmlns:p14="http://schemas.microsoft.com/office/powerpoint/2010/main" xmlns="" val="3432613659"/>
+        <p14:creationId xmlns:p14="http://schemas.microsoft.com/office/powerpoint/2010/main" val="3432613659"/>
       </p:ext>
     </p:extLst>
   </p:cSld>
@@ -3512,8 +3515,8 @@
         </p:nvSpPr>
         <p:spPr>
           <a:xfrm>
-            <a:off x="357981" y="3531394"/>
-            <a:ext cx="2057400" cy="1371600"/>
+            <a:off x="434181" y="3531394"/>
+            <a:ext cx="1981200" cy="1371600"/>
           </a:xfrm>
           <a:prstGeom prst="roundRect">
             <a:avLst>
@@ -4706,8 +4709,8 @@
         </p:nvCxnSpPr>
         <p:spPr>
           <a:xfrm>
-            <a:off x="1805781" y="907991"/>
-            <a:ext cx="1" cy="364979"/>
+            <a:off x="1119981" y="914402"/>
+            <a:ext cx="0" cy="475534"/>
           </a:xfrm>
           <a:prstGeom prst="straightConnector1">
             <a:avLst/>
@@ -4820,7 +4823,7 @@
         </p:nvCxnSpPr>
         <p:spPr>
           <a:xfrm>
-            <a:off x="586581" y="914402"/>
+            <a:off x="662781" y="914402"/>
             <a:ext cx="0" cy="2616992"/>
           </a:xfrm>
           <a:prstGeom prst="straightConnector1">
@@ -6439,7 +6442,7 @@
         </p:nvGrpSpPr>
         <p:grpSpPr>
           <a:xfrm>
-            <a:off x="281781" y="5283994"/>
+            <a:off x="281781" y="5220494"/>
             <a:ext cx="1905000" cy="381000"/>
             <a:chOff x="-533400" y="1371600"/>
             <a:chExt cx="1676400" cy="762000"/>
@@ -6498,11 +6501,6 @@
                 </a:rPr>
                 <a:t>client::scripts</a:t>
               </a:r>
-              <a:endParaRPr lang="en-US" sz="1400" b="1" dirty="0" smtClean="0">
-                <a:solidFill>
-                  <a:srgbClr val="00B050"/>
-                </a:solidFill>
-              </a:endParaRPr>
             </a:p>
           </p:txBody>
         </p:sp>
@@ -6569,7 +6567,7 @@
         <p:spPr>
           <a:xfrm flipV="1">
             <a:off x="2186781" y="4572000"/>
-            <a:ext cx="1828800" cy="940594"/>
+            <a:ext cx="1828800" cy="877094"/>
           </a:xfrm>
           <a:prstGeom prst="bentConnector3">
             <a:avLst>
@@ -6608,7 +6606,7 @@
         </p:nvGrpSpPr>
         <p:grpSpPr>
           <a:xfrm>
-            <a:off x="281781" y="5741194"/>
+            <a:off x="281781" y="5779294"/>
             <a:ext cx="1905000" cy="381000"/>
             <a:chOff x="-533400" y="1371600"/>
             <a:chExt cx="1676400" cy="762000"/>
@@ -6782,8 +6780,46 @@
         </p:nvCxnSpPr>
         <p:spPr>
           <a:xfrm flipV="1">
-            <a:off x="205581" y="864394"/>
+            <a:off x="281781" y="864394"/>
             <a:ext cx="0" cy="4114800"/>
+          </a:xfrm>
+          <a:prstGeom prst="straightConnector1">
+            <a:avLst/>
+          </a:prstGeom>
+          <a:ln w="38100">
+            <a:solidFill>
+              <a:srgbClr val="00B050"/>
+            </a:solidFill>
+            <a:prstDash val="sysDot"/>
+            <a:headEnd type="none" w="med" len="med"/>
+            <a:tailEnd type="triangle" w="med" len="med"/>
+          </a:ln>
+        </p:spPr>
+        <p:style>
+          <a:lnRef idx="1">
+            <a:schemeClr val="accent1"/>
+          </a:lnRef>
+          <a:fillRef idx="0">
+            <a:schemeClr val="accent1"/>
+          </a:fillRef>
+          <a:effectRef idx="0">
+            <a:schemeClr val="accent1"/>
+          </a:effectRef>
+          <a:fontRef idx="minor">
+            <a:schemeClr val="tx1"/>
+          </a:fontRef>
+        </p:style>
+      </p:cxnSp>
+      <p:cxnSp>
+        <p:nvCxnSpPr>
+          <p:cNvPr id="78" name="Straight Arrow Connector 77"/>
+          <p:cNvCxnSpPr/>
+          <p:nvPr/>
+        </p:nvCxnSpPr>
+        <p:spPr>
+          <a:xfrm>
+            <a:off x="967581" y="5629108"/>
+            <a:ext cx="0" cy="224172"/>
           </a:xfrm>
           <a:prstGeom prst="straightConnector1">
             <a:avLst/>
@@ -6815,7 +6851,7 @@
     </p:spTree>
     <p:extLst>
       <p:ext uri="{BB962C8B-B14F-4D97-AF65-F5344CB8AC3E}">
-        <p14:creationId xmlns:p14="http://schemas.microsoft.com/office/powerpoint/2010/main" xmlns="" val="2312643091"/>
+        <p14:creationId xmlns:p14="http://schemas.microsoft.com/office/powerpoint/2010/main" val="2312643091"/>
       </p:ext>
     </p:extLst>
   </p:cSld>
@@ -6830,6 +6866,12 @@
     </p:tnLst>
   </p:timing>
 </p:sld>
+</file>
+
+<file path=ppt/tags/tag1.xml><?xml version="1.0" encoding="utf-8"?>
+<p:tagLst xmlns:a="http://schemas.openxmlformats.org/drawingml/2006/main" xmlns:r="http://schemas.openxmlformats.org/officeDocument/2006/relationships" xmlns:p="http://schemas.openxmlformats.org/presentationml/2006/main">
+  <p:tag name="ARTICULATE_PROJECT_OPEN" val="0"/>
+</p:tagLst>
 </file>
 
 <file path=ppt/theme/theme1.xml><?xml version="1.0" encoding="utf-8"?>

--- a/doc/diagrams/packageDiagram.pptx
+++ b/doc/diagrams/packageDiagram.pptx
@@ -12,6 +12,9 @@
   </p:sldIdLst>
   <p:sldSz cx="8640763" cy="6300788"/>
   <p:notesSz cx="6858000" cy="9144000"/>
+  <p:custDataLst>
+    <p:tags r:id="rId4"/>
+  </p:custDataLst>
   <p:defaultTextStyle>
     <a:defPPr>
       <a:defRPr lang="en-US"/>
@@ -192,7 +195,8 @@
           <a:p>
             <a:fld id="{5D8FA8FF-20DC-44E5-8C35-13EAF0A5698C}" type="datetimeFigureOut">
               <a:rPr lang="en-SG" smtClean="0"/>
-              <a:t>18/12/2012</a:t>
+              <a:pPr/>
+              <a:t>24/3/2013</a:t>
             </a:fld>
             <a:endParaRPr lang="en-SG"/>
           </a:p>
@@ -351,6 +355,7 @@
           <a:p>
             <a:fld id="{533A5AA4-18D7-48CB-8D4B-C9F7395BD002}" type="slidenum">
               <a:rPr lang="en-SG" smtClean="0"/>
+              <a:pPr/>
               <a:t>‹#›</a:t>
             </a:fld>
             <a:endParaRPr lang="en-SG"/>
@@ -530,6 +535,7 @@
           <a:p>
             <a:fld id="{533A5AA4-18D7-48CB-8D4B-C9F7395BD002}" type="slidenum">
               <a:rPr lang="en-SG" smtClean="0"/>
+              <a:pPr/>
               <a:t>1</a:t>
             </a:fld>
             <a:endParaRPr lang="en-SG"/>
@@ -731,7 +737,7 @@
             <a:fld id="{1D8BD707-D9CF-40AE-B4C6-C98DA3205C09}" type="datetimeFigureOut">
               <a:rPr lang="en-US" smtClean="0"/>
               <a:pPr/>
-              <a:t>12/18/2012</a:t>
+              <a:t>3/24/2013</a:t>
             </a:fld>
             <a:endParaRPr lang="en-US"/>
           </a:p>
@@ -898,7 +904,7 @@
             <a:fld id="{1D8BD707-D9CF-40AE-B4C6-C98DA3205C09}" type="datetimeFigureOut">
               <a:rPr lang="en-US" smtClean="0"/>
               <a:pPr/>
-              <a:t>12/18/2012</a:t>
+              <a:t>3/24/2013</a:t>
             </a:fld>
             <a:endParaRPr lang="en-US"/>
           </a:p>
@@ -1075,7 +1081,7 @@
             <a:fld id="{1D8BD707-D9CF-40AE-B4C6-C98DA3205C09}" type="datetimeFigureOut">
               <a:rPr lang="en-US" smtClean="0"/>
               <a:pPr/>
-              <a:t>12/18/2012</a:t>
+              <a:t>3/24/2013</a:t>
             </a:fld>
             <a:endParaRPr lang="en-US"/>
           </a:p>
@@ -1242,7 +1248,7 @@
             <a:fld id="{1D8BD707-D9CF-40AE-B4C6-C98DA3205C09}" type="datetimeFigureOut">
               <a:rPr lang="en-US" smtClean="0"/>
               <a:pPr/>
-              <a:t>12/18/2012</a:t>
+              <a:t>3/24/2013</a:t>
             </a:fld>
             <a:endParaRPr lang="en-US"/>
           </a:p>
@@ -1485,7 +1491,7 @@
             <a:fld id="{1D8BD707-D9CF-40AE-B4C6-C98DA3205C09}" type="datetimeFigureOut">
               <a:rPr lang="en-US" smtClean="0"/>
               <a:pPr/>
-              <a:t>12/18/2012</a:t>
+              <a:t>3/24/2013</a:t>
             </a:fld>
             <a:endParaRPr lang="en-US"/>
           </a:p>
@@ -1770,7 +1776,7 @@
             <a:fld id="{1D8BD707-D9CF-40AE-B4C6-C98DA3205C09}" type="datetimeFigureOut">
               <a:rPr lang="en-US" smtClean="0"/>
               <a:pPr/>
-              <a:t>12/18/2012</a:t>
+              <a:t>3/24/2013</a:t>
             </a:fld>
             <a:endParaRPr lang="en-US"/>
           </a:p>
@@ -2189,7 +2195,7 @@
             <a:fld id="{1D8BD707-D9CF-40AE-B4C6-C98DA3205C09}" type="datetimeFigureOut">
               <a:rPr lang="en-US" smtClean="0"/>
               <a:pPr/>
-              <a:t>12/18/2012</a:t>
+              <a:t>3/24/2013</a:t>
             </a:fld>
             <a:endParaRPr lang="en-US"/>
           </a:p>
@@ -2304,7 +2310,7 @@
             <a:fld id="{1D8BD707-D9CF-40AE-B4C6-C98DA3205C09}" type="datetimeFigureOut">
               <a:rPr lang="en-US" smtClean="0"/>
               <a:pPr/>
-              <a:t>12/18/2012</a:t>
+              <a:t>3/24/2013</a:t>
             </a:fld>
             <a:endParaRPr lang="en-US"/>
           </a:p>
@@ -2396,7 +2402,7 @@
             <a:fld id="{1D8BD707-D9CF-40AE-B4C6-C98DA3205C09}" type="datetimeFigureOut">
               <a:rPr lang="en-US" smtClean="0"/>
               <a:pPr/>
-              <a:t>12/18/2012</a:t>
+              <a:t>3/24/2013</a:t>
             </a:fld>
             <a:endParaRPr lang="en-US"/>
           </a:p>
@@ -2670,7 +2676,7 @@
             <a:fld id="{1D8BD707-D9CF-40AE-B4C6-C98DA3205C09}" type="datetimeFigureOut">
               <a:rPr lang="en-US" smtClean="0"/>
               <a:pPr/>
-              <a:t>12/18/2012</a:t>
+              <a:t>3/24/2013</a:t>
             </a:fld>
             <a:endParaRPr lang="en-US"/>
           </a:p>
@@ -2920,7 +2926,7 @@
             <a:fld id="{1D8BD707-D9CF-40AE-B4C6-C98DA3205C09}" type="datetimeFigureOut">
               <a:rPr lang="en-US" smtClean="0"/>
               <a:pPr/>
-              <a:t>12/18/2012</a:t>
+              <a:t>3/24/2013</a:t>
             </a:fld>
             <a:endParaRPr lang="en-US"/>
           </a:p>
@@ -3130,7 +3136,7 @@
             <a:fld id="{1D8BD707-D9CF-40AE-B4C6-C98DA3205C09}" type="datetimeFigureOut">
               <a:rPr lang="en-US" smtClean="0"/>
               <a:pPr/>
-              <a:t>12/18/2012</a:t>
+              <a:t>3/24/2013</a:t>
             </a:fld>
             <a:endParaRPr lang="en-US"/>
           </a:p>
@@ -3509,8 +3515,8 @@
         </p:nvSpPr>
         <p:spPr>
           <a:xfrm>
-            <a:off x="129381" y="4111239"/>
-            <a:ext cx="2133600" cy="2060961"/>
+            <a:off x="434181" y="3531394"/>
+            <a:ext cx="1981200" cy="1371600"/>
           </a:xfrm>
           <a:prstGeom prst="roundRect">
             <a:avLst>
@@ -3569,7 +3575,7 @@
         <p:spPr>
           <a:xfrm>
             <a:off x="3558381" y="1372313"/>
-            <a:ext cx="2286000" cy="4799888"/>
+            <a:ext cx="2286000" cy="4445081"/>
           </a:xfrm>
           <a:prstGeom prst="roundRect">
             <a:avLst>
@@ -3688,8 +3694,8 @@
         </p:nvSpPr>
         <p:spPr>
           <a:xfrm>
-            <a:off x="967581" y="1371600"/>
-            <a:ext cx="1752600" cy="2514600"/>
+            <a:off x="891381" y="1371600"/>
+            <a:ext cx="1524000" cy="2077278"/>
           </a:xfrm>
           <a:prstGeom prst="roundRect">
             <a:avLst>
@@ -3807,8 +3813,8 @@
         </p:nvGrpSpPr>
         <p:grpSpPr>
           <a:xfrm>
-            <a:off x="1196181" y="3124200"/>
-            <a:ext cx="1371600" cy="609600"/>
+            <a:off x="967581" y="2769394"/>
+            <a:ext cx="1361661" cy="503583"/>
             <a:chOff x="-228600" y="1371600"/>
             <a:chExt cx="1371600" cy="609600"/>
           </a:xfrm>
@@ -4325,7 +4331,7 @@
         </p:nvGrpSpPr>
         <p:grpSpPr>
           <a:xfrm>
-            <a:off x="510381" y="4980061"/>
+            <a:off x="662781" y="4293394"/>
             <a:ext cx="1371600" cy="506339"/>
             <a:chOff x="-228600" y="1371600"/>
             <a:chExt cx="1371600" cy="506339"/>
@@ -4625,8 +4631,8 @@
         </p:nvCxnSpPr>
         <p:spPr>
           <a:xfrm>
-            <a:off x="2262981" y="4572000"/>
-            <a:ext cx="1752600" cy="0"/>
+            <a:off x="2415381" y="4369594"/>
+            <a:ext cx="1600200" cy="0"/>
           </a:xfrm>
           <a:prstGeom prst="straightConnector1">
             <a:avLst/>
@@ -4703,8 +4709,8 @@
         </p:nvCxnSpPr>
         <p:spPr>
           <a:xfrm>
-            <a:off x="1805781" y="907991"/>
-            <a:ext cx="0" cy="457198"/>
+            <a:off x="1119981" y="914402"/>
+            <a:ext cx="0" cy="475534"/>
           </a:xfrm>
           <a:prstGeom prst="straightConnector1">
             <a:avLst/>
@@ -4817,8 +4823,8 @@
         </p:nvCxnSpPr>
         <p:spPr>
           <a:xfrm>
-            <a:off x="499343" y="914402"/>
-            <a:ext cx="11038" cy="3200398"/>
+            <a:off x="662781" y="914402"/>
+            <a:ext cx="0" cy="2616992"/>
           </a:xfrm>
           <a:prstGeom prst="straightConnector1">
             <a:avLst/>
@@ -4895,8 +4901,8 @@
         </p:nvCxnSpPr>
         <p:spPr>
           <a:xfrm>
-            <a:off x="967581" y="4755022"/>
-            <a:ext cx="0" cy="379221"/>
+            <a:off x="967581" y="4217194"/>
+            <a:ext cx="0" cy="224172"/>
           </a:xfrm>
           <a:prstGeom prst="straightConnector1">
             <a:avLst/>
@@ -5271,10 +5277,10 @@
         </p:nvGrpSpPr>
         <p:grpSpPr>
           <a:xfrm>
-            <a:off x="3939381" y="5334000"/>
-            <a:ext cx="1447800" cy="762000"/>
+            <a:off x="3939381" y="5055394"/>
+            <a:ext cx="1447800" cy="533400"/>
             <a:chOff x="-304800" y="1371600"/>
-            <a:chExt cx="1447800" cy="762000"/>
+            <a:chExt cx="1447800" cy="533400"/>
           </a:xfrm>
           <a:solidFill>
             <a:schemeClr val="bg1"/>
@@ -5289,7 +5295,7 @@
           <p:spPr>
             <a:xfrm>
               <a:off x="-304800" y="1524000"/>
-              <a:ext cx="1447800" cy="609600"/>
+              <a:ext cx="1447800" cy="381000"/>
             </a:xfrm>
             <a:prstGeom prst="rect">
               <a:avLst/>
@@ -5398,7 +5404,7 @@
         <p:spPr>
           <a:xfrm>
             <a:off x="4625181" y="4876800"/>
-            <a:ext cx="0" cy="609600"/>
+            <a:ext cx="0" cy="330994"/>
           </a:xfrm>
           <a:prstGeom prst="straightConnector1">
             <a:avLst/>
@@ -5473,15 +5479,13 @@
       <p:cxnSp>
         <p:nvCxnSpPr>
           <p:cNvPr id="134" name="Straight Arrow Connector 133"/>
-          <p:cNvCxnSpPr>
-            <a:stCxn id="127" idx="1"/>
-          </p:cNvCxnSpPr>
+          <p:cNvCxnSpPr/>
           <p:nvPr/>
         </p:nvCxnSpPr>
         <p:spPr>
           <a:xfrm flipH="1">
-            <a:off x="2567781" y="3352800"/>
-            <a:ext cx="1447800" cy="0"/>
+            <a:off x="2339181" y="3150394"/>
+            <a:ext cx="1676400" cy="0"/>
           </a:xfrm>
           <a:prstGeom prst="straightConnector1">
             <a:avLst/>
@@ -5574,15 +5578,7 @@
                     <a:schemeClr val="accent5"/>
                   </a:solidFill>
                 </a:rPr>
-                <a:t>common::</a:t>
-              </a:r>
-              <a:r>
-                <a:rPr lang="en-US" sz="1400" b="1" dirty="0" smtClean="0">
-                  <a:solidFill>
-                    <a:schemeClr val="accent5"/>
-                  </a:solidFill>
-                </a:rPr>
-                <a:t>exception</a:t>
+                <a:t>common::exception</a:t>
               </a:r>
               <a:endParaRPr lang="en-SG" sz="1400" b="1" dirty="0">
                 <a:solidFill>
@@ -5830,10 +5826,10 @@
         </p:nvGrpSpPr>
         <p:grpSpPr>
           <a:xfrm>
-            <a:off x="1196181" y="2362200"/>
-            <a:ext cx="1371600" cy="609600"/>
-            <a:chOff x="-228600" y="1371600"/>
-            <a:chExt cx="1371600" cy="609600"/>
+            <a:off x="967581" y="2159794"/>
+            <a:ext cx="1361661" cy="503583"/>
+            <a:chOff x="-505326" y="1371600"/>
+            <a:chExt cx="1648326" cy="609600"/>
           </a:xfrm>
           <a:solidFill>
             <a:schemeClr val="bg1"/>
@@ -5847,8 +5843,8 @@
           </p:nvSpPr>
           <p:spPr>
             <a:xfrm>
-              <a:off x="-228600" y="1524000"/>
-              <a:ext cx="1371600" cy="457200"/>
+              <a:off x="-505326" y="1524000"/>
+              <a:ext cx="1648326" cy="457200"/>
             </a:xfrm>
             <a:prstGeom prst="rect">
               <a:avLst/>
@@ -5949,13 +5945,16 @@
       <p:cxnSp>
         <p:nvCxnSpPr>
           <p:cNvPr id="145" name="Straight Arrow Connector 144"/>
-          <p:cNvCxnSpPr/>
+          <p:cNvCxnSpPr>
+            <a:stCxn id="95" idx="0"/>
+            <a:endCxn id="143" idx="2"/>
+          </p:cNvCxnSpPr>
           <p:nvPr/>
         </p:nvCxnSpPr>
         <p:spPr>
           <a:xfrm flipV="1">
-            <a:off x="1805781" y="2971800"/>
-            <a:ext cx="0" cy="304800"/>
+            <a:off x="1648412" y="2663377"/>
+            <a:ext cx="0" cy="231913"/>
           </a:xfrm>
           <a:prstGeom prst="straightConnector1">
             <a:avLst/>
@@ -5992,10 +5991,10 @@
         </p:nvGrpSpPr>
         <p:grpSpPr>
           <a:xfrm>
-            <a:off x="1196181" y="1600200"/>
-            <a:ext cx="1371600" cy="609600"/>
-            <a:chOff x="-228600" y="1371600"/>
-            <a:chExt cx="1371600" cy="609600"/>
+            <a:off x="967581" y="1600200"/>
+            <a:ext cx="1361661" cy="503583"/>
+            <a:chOff x="-505326" y="1371600"/>
+            <a:chExt cx="1648326" cy="609600"/>
           </a:xfrm>
           <a:solidFill>
             <a:schemeClr val="bg1"/>
@@ -6009,8 +6008,8 @@
           </p:nvSpPr>
           <p:spPr>
             <a:xfrm>
-              <a:off x="-228600" y="1524000"/>
-              <a:ext cx="1371600" cy="457200"/>
+              <a:off x="-505326" y="1524000"/>
+              <a:ext cx="1648326" cy="457200"/>
             </a:xfrm>
             <a:prstGeom prst="rect">
               <a:avLst/>
@@ -6052,15 +6051,7 @@
                     <a:schemeClr val="tx2"/>
                   </a:solidFill>
                 </a:rPr>
-                <a:t>::</a:t>
-              </a:r>
-              <a:r>
-                <a:rPr lang="en-US" sz="1400" b="1" dirty="0" smtClean="0">
-                  <a:solidFill>
-                    <a:schemeClr val="tx2"/>
-                  </a:solidFill>
-                </a:rPr>
-                <a:t>website</a:t>
+                <a:t>::website</a:t>
               </a:r>
               <a:endParaRPr lang="en-SG" sz="1400" b="1" dirty="0">
                 <a:solidFill>
@@ -6124,8 +6115,8 @@
         </p:nvGrpSpPr>
         <p:grpSpPr>
           <a:xfrm>
-            <a:off x="510381" y="4343400"/>
-            <a:ext cx="1371600" cy="499929"/>
+            <a:off x="662781" y="3759994"/>
+            <a:ext cx="1371600" cy="423729"/>
             <a:chOff x="-228600" y="1371600"/>
             <a:chExt cx="1371600" cy="499929"/>
           </a:xfrm>
@@ -6252,192 +6243,6 @@
           </p:txBody>
         </p:sp>
       </p:grpSp>
-      <p:grpSp>
-        <p:nvGrpSpPr>
-          <p:cNvPr id="152" name="Group 151"/>
-          <p:cNvGrpSpPr/>
-          <p:nvPr/>
-        </p:nvGrpSpPr>
-        <p:grpSpPr>
-          <a:xfrm>
-            <a:off x="510381" y="5589661"/>
-            <a:ext cx="1371600" cy="506339"/>
-            <a:chOff x="-228600" y="1371600"/>
-            <a:chExt cx="1371600" cy="506339"/>
-          </a:xfrm>
-          <a:solidFill>
-            <a:schemeClr val="bg1"/>
-          </a:solidFill>
-        </p:grpSpPr>
-        <p:sp>
-          <p:nvSpPr>
-            <p:cNvPr id="153" name="Rectangle 152"/>
-            <p:cNvSpPr/>
-            <p:nvPr/>
-          </p:nvSpPr>
-          <p:spPr>
-            <a:xfrm>
-              <a:off x="-228600" y="1524000"/>
-              <a:ext cx="1371600" cy="353939"/>
-            </a:xfrm>
-            <a:prstGeom prst="rect">
-              <a:avLst/>
-            </a:prstGeom>
-            <a:grpFill/>
-            <a:ln>
-              <a:solidFill>
-                <a:schemeClr val="accent2">
-                  <a:lumMod val="75000"/>
-                </a:schemeClr>
-              </a:solidFill>
-            </a:ln>
-          </p:spPr>
-          <p:style>
-            <a:lnRef idx="2">
-              <a:schemeClr val="accent1">
-                <a:shade val="50000"/>
-              </a:schemeClr>
-            </a:lnRef>
-            <a:fillRef idx="1">
-              <a:schemeClr val="accent1"/>
-            </a:fillRef>
-            <a:effectRef idx="0">
-              <a:schemeClr val="accent1"/>
-            </a:effectRef>
-            <a:fontRef idx="minor">
-              <a:schemeClr val="lt1"/>
-            </a:fontRef>
-          </p:style>
-          <p:txBody>
-            <a:bodyPr rtlCol="0" anchor="ctr"/>
-            <a:lstStyle/>
-            <a:p>
-              <a:pPr algn="ctr"/>
-              <a:r>
-                <a:rPr lang="en-US" sz="1400" b="1" dirty="0" smtClean="0">
-                  <a:solidFill>
-                    <a:schemeClr val="accent2">
-                      <a:lumMod val="75000"/>
-                    </a:schemeClr>
-                  </a:solidFill>
-                </a:rPr>
-                <a:t>test</a:t>
-              </a:r>
-              <a:r>
-                <a:rPr lang="en-US" sz="1400" b="1" dirty="0" smtClean="0">
-                  <a:solidFill>
-                    <a:schemeClr val="accent2">
-                      <a:lumMod val="75000"/>
-                    </a:schemeClr>
-                  </a:solidFill>
-                </a:rPr>
-                <a:t>::scripts</a:t>
-              </a:r>
-              <a:endParaRPr lang="en-SG" sz="1400" b="1" dirty="0">
-                <a:solidFill>
-                  <a:schemeClr val="accent2">
-                    <a:lumMod val="75000"/>
-                  </a:schemeClr>
-                </a:solidFill>
-              </a:endParaRPr>
-            </a:p>
-          </p:txBody>
-        </p:sp>
-        <p:sp>
-          <p:nvSpPr>
-            <p:cNvPr id="154" name="Rectangle 153"/>
-            <p:cNvSpPr/>
-            <p:nvPr/>
-          </p:nvSpPr>
-          <p:spPr>
-            <a:xfrm>
-              <a:off x="647700" y="1371600"/>
-              <a:ext cx="495300" cy="152400"/>
-            </a:xfrm>
-            <a:prstGeom prst="rect">
-              <a:avLst/>
-            </a:prstGeom>
-            <a:grpFill/>
-            <a:ln>
-              <a:solidFill>
-                <a:schemeClr val="accent2">
-                  <a:lumMod val="75000"/>
-                </a:schemeClr>
-              </a:solidFill>
-            </a:ln>
-          </p:spPr>
-          <p:style>
-            <a:lnRef idx="2">
-              <a:schemeClr val="accent1">
-                <a:shade val="50000"/>
-              </a:schemeClr>
-            </a:lnRef>
-            <a:fillRef idx="1">
-              <a:schemeClr val="accent1"/>
-            </a:fillRef>
-            <a:effectRef idx="0">
-              <a:schemeClr val="accent1"/>
-            </a:effectRef>
-            <a:fontRef idx="minor">
-              <a:schemeClr val="lt1"/>
-            </a:fontRef>
-          </p:style>
-          <p:txBody>
-            <a:bodyPr rtlCol="0" anchor="ctr"/>
-            <a:lstStyle/>
-            <a:p>
-              <a:pPr algn="ctr"/>
-              <a:endParaRPr lang="en-SG" sz="1400" b="1">
-                <a:solidFill>
-                  <a:schemeClr val="accent2">
-                    <a:lumMod val="75000"/>
-                  </a:schemeClr>
-                </a:solidFill>
-              </a:endParaRPr>
-            </a:p>
-          </p:txBody>
-        </p:sp>
-      </p:grpSp>
-      <p:cxnSp>
-        <p:nvCxnSpPr>
-          <p:cNvPr id="155" name="Straight Arrow Connector 154"/>
-          <p:cNvCxnSpPr/>
-          <p:nvPr/>
-        </p:nvCxnSpPr>
-        <p:spPr>
-          <a:xfrm flipV="1">
-            <a:off x="967581" y="5511682"/>
-            <a:ext cx="0" cy="230379"/>
-          </a:xfrm>
-          <a:prstGeom prst="straightConnector1">
-            <a:avLst/>
-          </a:prstGeom>
-          <a:ln w="38100">
-            <a:solidFill>
-              <a:schemeClr val="accent2">
-                <a:lumMod val="75000"/>
-              </a:schemeClr>
-            </a:solidFill>
-            <a:prstDash val="sysDot"/>
-            <a:headEnd type="none" w="med" len="med"/>
-            <a:tailEnd type="triangle" w="med" len="med"/>
-          </a:ln>
-        </p:spPr>
-        <p:style>
-          <a:lnRef idx="1">
-            <a:schemeClr val="accent1"/>
-          </a:lnRef>
-          <a:fillRef idx="0">
-            <a:schemeClr val="accent1"/>
-          </a:fillRef>
-          <a:effectRef idx="0">
-            <a:schemeClr val="accent1"/>
-          </a:effectRef>
-          <a:fontRef idx="minor">
-            <a:schemeClr val="tx1"/>
-          </a:fontRef>
-        </p:style>
-      </p:cxnSp>
       <p:grpSp>
         <p:nvGrpSpPr>
           <p:cNvPr id="156" name="Group 155"/>
@@ -6570,6 +6375,479 @@
           </p:txBody>
         </p:sp>
       </p:grpSp>
+      <p:sp>
+        <p:nvSpPr>
+          <p:cNvPr id="85" name="Rounded Rectangle 84"/>
+          <p:cNvSpPr/>
+          <p:nvPr/>
+        </p:nvSpPr>
+        <p:spPr>
+          <a:xfrm>
+            <a:off x="129381" y="4979194"/>
+            <a:ext cx="2286000" cy="1234440"/>
+          </a:xfrm>
+          <a:prstGeom prst="roundRect">
+            <a:avLst>
+              <a:gd name="adj" fmla="val 9190"/>
+            </a:avLst>
+          </a:prstGeom>
+          <a:solidFill>
+            <a:schemeClr val="accent3">
+              <a:lumMod val="40000"/>
+              <a:lumOff val="60000"/>
+            </a:schemeClr>
+          </a:solidFill>
+          <a:ln>
+            <a:solidFill>
+              <a:schemeClr val="accent3">
+                <a:lumMod val="60000"/>
+                <a:lumOff val="40000"/>
+              </a:schemeClr>
+            </a:solidFill>
+          </a:ln>
+        </p:spPr>
+        <p:style>
+          <a:lnRef idx="2">
+            <a:schemeClr val="accent1">
+              <a:shade val="50000"/>
+            </a:schemeClr>
+          </a:lnRef>
+          <a:fillRef idx="1">
+            <a:schemeClr val="accent1"/>
+          </a:fillRef>
+          <a:effectRef idx="0">
+            <a:schemeClr val="accent1"/>
+          </a:effectRef>
+          <a:fontRef idx="minor">
+            <a:schemeClr val="lt1"/>
+          </a:fontRef>
+        </p:style>
+        <p:txBody>
+          <a:bodyPr rtlCol="0" anchor="t" anchorCtr="0"/>
+          <a:lstStyle/>
+          <a:p>
+            <a:r>
+              <a:rPr lang="en-US" sz="1600" b="1" dirty="0" smtClean="0"/>
+              <a:t>Client</a:t>
+            </a:r>
+            <a:endParaRPr lang="en-SG" sz="1600" b="1" dirty="0"/>
+          </a:p>
+        </p:txBody>
+      </p:sp>
+      <p:grpSp>
+        <p:nvGrpSpPr>
+          <p:cNvPr id="86" name="Group 85"/>
+          <p:cNvGrpSpPr/>
+          <p:nvPr/>
+        </p:nvGrpSpPr>
+        <p:grpSpPr>
+          <a:xfrm>
+            <a:off x="281781" y="5220494"/>
+            <a:ext cx="1905000" cy="381000"/>
+            <a:chOff x="-533400" y="1371600"/>
+            <a:chExt cx="1676400" cy="762000"/>
+          </a:xfrm>
+          <a:solidFill>
+            <a:schemeClr val="bg1"/>
+          </a:solidFill>
+        </p:grpSpPr>
+        <p:sp>
+          <p:nvSpPr>
+            <p:cNvPr id="87" name="Rectangle 86"/>
+            <p:cNvSpPr/>
+            <p:nvPr/>
+          </p:nvSpPr>
+          <p:spPr>
+            <a:xfrm>
+              <a:off x="-533400" y="1524000"/>
+              <a:ext cx="1676400" cy="609600"/>
+            </a:xfrm>
+            <a:prstGeom prst="rect">
+              <a:avLst/>
+            </a:prstGeom>
+            <a:grpFill/>
+            <a:ln>
+              <a:solidFill>
+                <a:srgbClr val="00B050"/>
+              </a:solidFill>
+            </a:ln>
+          </p:spPr>
+          <p:style>
+            <a:lnRef idx="2">
+              <a:schemeClr val="accent1">
+                <a:shade val="50000"/>
+              </a:schemeClr>
+            </a:lnRef>
+            <a:fillRef idx="1">
+              <a:schemeClr val="accent1"/>
+            </a:fillRef>
+            <a:effectRef idx="0">
+              <a:schemeClr val="accent1"/>
+            </a:effectRef>
+            <a:fontRef idx="minor">
+              <a:schemeClr val="lt1"/>
+            </a:fontRef>
+          </p:style>
+          <p:txBody>
+            <a:bodyPr rtlCol="0" anchor="ctr"/>
+            <a:lstStyle/>
+            <a:p>
+              <a:pPr algn="ctr"/>
+              <a:r>
+                <a:rPr lang="en-US" sz="1400" b="1" dirty="0" smtClean="0">
+                  <a:solidFill>
+                    <a:srgbClr val="00B050"/>
+                  </a:solidFill>
+                </a:rPr>
+                <a:t>client::scripts</a:t>
+              </a:r>
+            </a:p>
+          </p:txBody>
+        </p:sp>
+        <p:sp>
+          <p:nvSpPr>
+            <p:cNvPr id="88" name="Rectangle 87"/>
+            <p:cNvSpPr/>
+            <p:nvPr/>
+          </p:nvSpPr>
+          <p:spPr>
+            <a:xfrm>
+              <a:off x="647700" y="1371600"/>
+              <a:ext cx="495300" cy="152400"/>
+            </a:xfrm>
+            <a:prstGeom prst="rect">
+              <a:avLst/>
+            </a:prstGeom>
+            <a:grpFill/>
+            <a:ln>
+              <a:solidFill>
+                <a:srgbClr val="00B050"/>
+              </a:solidFill>
+            </a:ln>
+          </p:spPr>
+          <p:style>
+            <a:lnRef idx="2">
+              <a:schemeClr val="accent1">
+                <a:shade val="50000"/>
+              </a:schemeClr>
+            </a:lnRef>
+            <a:fillRef idx="1">
+              <a:schemeClr val="accent1"/>
+            </a:fillRef>
+            <a:effectRef idx="0">
+              <a:schemeClr val="accent1"/>
+            </a:effectRef>
+            <a:fontRef idx="minor">
+              <a:schemeClr val="lt1"/>
+            </a:fontRef>
+          </p:style>
+          <p:txBody>
+            <a:bodyPr rtlCol="0" anchor="ctr"/>
+            <a:lstStyle/>
+            <a:p>
+              <a:pPr algn="ctr"/>
+              <a:endParaRPr lang="en-SG" sz="1400" b="1">
+                <a:solidFill>
+                  <a:srgbClr val="00B050"/>
+                </a:solidFill>
+              </a:endParaRPr>
+            </a:p>
+          </p:txBody>
+        </p:sp>
+      </p:grpSp>
+      <p:cxnSp>
+        <p:nvCxnSpPr>
+          <p:cNvPr id="162" name="Straight Arrow Connector 161"/>
+          <p:cNvCxnSpPr>
+            <a:stCxn id="87" idx="3"/>
+            <a:endCxn id="122" idx="1"/>
+          </p:cNvCxnSpPr>
+          <p:nvPr/>
+        </p:nvCxnSpPr>
+        <p:spPr>
+          <a:xfrm flipV="1">
+            <a:off x="2186781" y="4572000"/>
+            <a:ext cx="1828800" cy="877094"/>
+          </a:xfrm>
+          <a:prstGeom prst="bentConnector3">
+            <a:avLst>
+              <a:gd name="adj1" fmla="val 50000"/>
+            </a:avLst>
+          </a:prstGeom>
+          <a:ln w="38100">
+            <a:solidFill>
+              <a:srgbClr val="00B050"/>
+            </a:solidFill>
+            <a:prstDash val="sysDot"/>
+            <a:headEnd type="none" w="med" len="med"/>
+            <a:tailEnd type="triangle" w="med" len="med"/>
+          </a:ln>
+        </p:spPr>
+        <p:style>
+          <a:lnRef idx="1">
+            <a:schemeClr val="accent1"/>
+          </a:lnRef>
+          <a:fillRef idx="0">
+            <a:schemeClr val="accent1"/>
+          </a:fillRef>
+          <a:effectRef idx="0">
+            <a:schemeClr val="accent1"/>
+          </a:effectRef>
+          <a:fontRef idx="minor">
+            <a:schemeClr val="tx1"/>
+          </a:fontRef>
+        </p:style>
+      </p:cxnSp>
+      <p:grpSp>
+        <p:nvGrpSpPr>
+          <p:cNvPr id="169" name="Group 168"/>
+          <p:cNvGrpSpPr/>
+          <p:nvPr/>
+        </p:nvGrpSpPr>
+        <p:grpSpPr>
+          <a:xfrm>
+            <a:off x="281781" y="5779294"/>
+            <a:ext cx="1905000" cy="381000"/>
+            <a:chOff x="-533400" y="1371600"/>
+            <a:chExt cx="1676400" cy="762000"/>
+          </a:xfrm>
+          <a:solidFill>
+            <a:schemeClr val="bg1"/>
+          </a:solidFill>
+        </p:grpSpPr>
+        <p:sp>
+          <p:nvSpPr>
+            <p:cNvPr id="170" name="Rectangle 169"/>
+            <p:cNvSpPr/>
+            <p:nvPr/>
+          </p:nvSpPr>
+          <p:spPr>
+            <a:xfrm>
+              <a:off x="-533400" y="1524000"/>
+              <a:ext cx="1676400" cy="609600"/>
+            </a:xfrm>
+            <a:prstGeom prst="rect">
+              <a:avLst/>
+            </a:prstGeom>
+            <a:grpFill/>
+            <a:ln>
+              <a:solidFill>
+                <a:srgbClr val="00B050"/>
+              </a:solidFill>
+            </a:ln>
+          </p:spPr>
+          <p:style>
+            <a:lnRef idx="2">
+              <a:schemeClr val="accent1">
+                <a:shade val="50000"/>
+              </a:schemeClr>
+            </a:lnRef>
+            <a:fillRef idx="1">
+              <a:schemeClr val="accent1"/>
+            </a:fillRef>
+            <a:effectRef idx="0">
+              <a:schemeClr val="accent1"/>
+            </a:effectRef>
+            <a:fontRef idx="minor">
+              <a:schemeClr val="lt1"/>
+            </a:fontRef>
+          </p:style>
+          <p:txBody>
+            <a:bodyPr rtlCol="0" anchor="ctr"/>
+            <a:lstStyle/>
+            <a:p>
+              <a:pPr algn="ctr"/>
+              <a:r>
+                <a:rPr lang="en-US" sz="1400" b="1" dirty="0" smtClean="0">
+                  <a:solidFill>
+                    <a:srgbClr val="00B050"/>
+                  </a:solidFill>
+                </a:rPr>
+                <a:t>client::</a:t>
+              </a:r>
+              <a:r>
+                <a:rPr lang="en-US" sz="1400" b="1" dirty="0" err="1" smtClean="0">
+                  <a:solidFill>
+                    <a:srgbClr val="00B050"/>
+                  </a:solidFill>
+                </a:rPr>
+                <a:t>remoteapi</a:t>
+              </a:r>
+              <a:endParaRPr lang="en-US" sz="1400" b="1" dirty="0" smtClean="0">
+                <a:solidFill>
+                  <a:srgbClr val="00B050"/>
+                </a:solidFill>
+              </a:endParaRPr>
+            </a:p>
+          </p:txBody>
+        </p:sp>
+        <p:sp>
+          <p:nvSpPr>
+            <p:cNvPr id="171" name="Rectangle 170"/>
+            <p:cNvSpPr/>
+            <p:nvPr/>
+          </p:nvSpPr>
+          <p:spPr>
+            <a:xfrm>
+              <a:off x="647700" y="1371600"/>
+              <a:ext cx="495300" cy="152400"/>
+            </a:xfrm>
+            <a:prstGeom prst="rect">
+              <a:avLst/>
+            </a:prstGeom>
+            <a:grpFill/>
+            <a:ln>
+              <a:solidFill>
+                <a:srgbClr val="00B050"/>
+              </a:solidFill>
+            </a:ln>
+          </p:spPr>
+          <p:style>
+            <a:lnRef idx="2">
+              <a:schemeClr val="accent1">
+                <a:shade val="50000"/>
+              </a:schemeClr>
+            </a:lnRef>
+            <a:fillRef idx="1">
+              <a:schemeClr val="accent1"/>
+            </a:fillRef>
+            <a:effectRef idx="0">
+              <a:schemeClr val="accent1"/>
+            </a:effectRef>
+            <a:fontRef idx="minor">
+              <a:schemeClr val="lt1"/>
+            </a:fontRef>
+          </p:style>
+          <p:txBody>
+            <a:bodyPr rtlCol="0" anchor="ctr"/>
+            <a:lstStyle/>
+            <a:p>
+              <a:pPr algn="ctr"/>
+              <a:endParaRPr lang="en-SG" sz="1400" b="1">
+                <a:solidFill>
+                  <a:srgbClr val="00B050"/>
+                </a:solidFill>
+              </a:endParaRPr>
+            </a:p>
+          </p:txBody>
+        </p:sp>
+      </p:grpSp>
+      <p:cxnSp>
+        <p:nvCxnSpPr>
+          <p:cNvPr id="172" name="Straight Arrow Connector 161"/>
+          <p:cNvCxnSpPr/>
+          <p:nvPr/>
+        </p:nvCxnSpPr>
+        <p:spPr>
+          <a:xfrm flipV="1">
+            <a:off x="2186781" y="5664994"/>
+            <a:ext cx="5257800" cy="330994"/>
+          </a:xfrm>
+          <a:prstGeom prst="bentConnector3">
+            <a:avLst>
+              <a:gd name="adj1" fmla="val 100000"/>
+            </a:avLst>
+          </a:prstGeom>
+          <a:ln w="38100">
+            <a:solidFill>
+              <a:srgbClr val="00B050"/>
+            </a:solidFill>
+            <a:prstDash val="sysDot"/>
+            <a:headEnd type="none" w="med" len="med"/>
+            <a:tailEnd type="triangle" w="med" len="med"/>
+          </a:ln>
+        </p:spPr>
+        <p:style>
+          <a:lnRef idx="1">
+            <a:schemeClr val="accent1"/>
+          </a:lnRef>
+          <a:fillRef idx="0">
+            <a:schemeClr val="accent1"/>
+          </a:fillRef>
+          <a:effectRef idx="0">
+            <a:schemeClr val="accent1"/>
+          </a:effectRef>
+          <a:fontRef idx="minor">
+            <a:schemeClr val="tx1"/>
+          </a:fontRef>
+        </p:style>
+      </p:cxnSp>
+      <p:cxnSp>
+        <p:nvCxnSpPr>
+          <p:cNvPr id="176" name="Straight Arrow Connector 161"/>
+          <p:cNvCxnSpPr/>
+          <p:nvPr/>
+        </p:nvCxnSpPr>
+        <p:spPr>
+          <a:xfrm flipV="1">
+            <a:off x="281781" y="864394"/>
+            <a:ext cx="0" cy="4114800"/>
+          </a:xfrm>
+          <a:prstGeom prst="straightConnector1">
+            <a:avLst/>
+          </a:prstGeom>
+          <a:ln w="38100">
+            <a:solidFill>
+              <a:srgbClr val="00B050"/>
+            </a:solidFill>
+            <a:prstDash val="sysDot"/>
+            <a:headEnd type="none" w="med" len="med"/>
+            <a:tailEnd type="triangle" w="med" len="med"/>
+          </a:ln>
+        </p:spPr>
+        <p:style>
+          <a:lnRef idx="1">
+            <a:schemeClr val="accent1"/>
+          </a:lnRef>
+          <a:fillRef idx="0">
+            <a:schemeClr val="accent1"/>
+          </a:fillRef>
+          <a:effectRef idx="0">
+            <a:schemeClr val="accent1"/>
+          </a:effectRef>
+          <a:fontRef idx="minor">
+            <a:schemeClr val="tx1"/>
+          </a:fontRef>
+        </p:style>
+      </p:cxnSp>
+      <p:cxnSp>
+        <p:nvCxnSpPr>
+          <p:cNvPr id="78" name="Straight Arrow Connector 77"/>
+          <p:cNvCxnSpPr/>
+          <p:nvPr/>
+        </p:nvCxnSpPr>
+        <p:spPr>
+          <a:xfrm>
+            <a:off x="967581" y="5629108"/>
+            <a:ext cx="0" cy="224172"/>
+          </a:xfrm>
+          <a:prstGeom prst="straightConnector1">
+            <a:avLst/>
+          </a:prstGeom>
+          <a:ln w="38100">
+            <a:solidFill>
+              <a:srgbClr val="00B050"/>
+            </a:solidFill>
+            <a:prstDash val="sysDot"/>
+            <a:headEnd type="none" w="med" len="med"/>
+            <a:tailEnd type="triangle" w="med" len="med"/>
+          </a:ln>
+        </p:spPr>
+        <p:style>
+          <a:lnRef idx="1">
+            <a:schemeClr val="accent1"/>
+          </a:lnRef>
+          <a:fillRef idx="0">
+            <a:schemeClr val="accent1"/>
+          </a:fillRef>
+          <a:effectRef idx="0">
+            <a:schemeClr val="accent1"/>
+          </a:effectRef>
+          <a:fontRef idx="minor">
+            <a:schemeClr val="tx1"/>
+          </a:fontRef>
+        </p:style>
+      </p:cxnSp>
     </p:spTree>
     <p:extLst>
       <p:ext uri="{BB962C8B-B14F-4D97-AF65-F5344CB8AC3E}">
@@ -6588,6 +6866,12 @@
     </p:tnLst>
   </p:timing>
 </p:sld>
+</file>
+
+<file path=ppt/tags/tag1.xml><?xml version="1.0" encoding="utf-8"?>
+<p:tagLst xmlns:a="http://schemas.openxmlformats.org/drawingml/2006/main" xmlns:r="http://schemas.openxmlformats.org/officeDocument/2006/relationships" xmlns:p="http://schemas.openxmlformats.org/presentationml/2006/main">
+  <p:tag name="ARTICULATE_PROJECT_OPEN" val="0"/>
+</p:tagLst>
 </file>
 
 <file path=ppt/theme/theme1.xml><?xml version="1.0" encoding="utf-8"?>

--- a/doc/diagrams/packageDiagram.pptx
+++ b/doc/diagrams/packageDiagram.pptx
@@ -11,7 +11,7 @@
     <p:sldId id="256" r:id="rId2"/>
   </p:sldIdLst>
   <p:sldSz cx="8640763" cy="6300788"/>
-  <p:notesSz cx="6858000" cy="9144000"/>
+  <p:notesSz cx="6797675" cy="9872663"/>
   <p:custDataLst>
     <p:tags r:id="rId4"/>
   </p:custDataLst>
@@ -148,7 +148,7 @@
         <p:spPr>
           <a:xfrm>
             <a:off x="0" y="0"/>
-            <a:ext cx="2971800" cy="457200"/>
+            <a:ext cx="2945659" cy="493633"/>
           </a:xfrm>
           <a:prstGeom prst="rect">
             <a:avLst/>
@@ -178,8 +178,8 @@
         </p:nvSpPr>
         <p:spPr>
           <a:xfrm>
-            <a:off x="3884613" y="0"/>
-            <a:ext cx="2971800" cy="457200"/>
+            <a:off x="3850443" y="0"/>
+            <a:ext cx="2945659" cy="493633"/>
           </a:xfrm>
           <a:prstGeom prst="rect">
             <a:avLst/>
@@ -196,7 +196,7 @@
             <a:fld id="{5D8FA8FF-20DC-44E5-8C35-13EAF0A5698C}" type="datetimeFigureOut">
               <a:rPr lang="en-SG" smtClean="0"/>
               <a:pPr/>
-              <a:t>24/3/2013</a:t>
+              <a:t>5/7/2013</a:t>
             </a:fld>
             <a:endParaRPr lang="en-SG"/>
           </a:p>
@@ -214,8 +214,8 @@
         </p:nvSpPr>
         <p:spPr>
           <a:xfrm>
-            <a:off x="1077913" y="685800"/>
-            <a:ext cx="4702175" cy="3429000"/>
+            <a:off x="860425" y="739775"/>
+            <a:ext cx="5076825" cy="3703638"/>
           </a:xfrm>
           <a:prstGeom prst="rect">
             <a:avLst/>
@@ -247,8 +247,8 @@
         </p:nvSpPr>
         <p:spPr>
           <a:xfrm>
-            <a:off x="685800" y="4343400"/>
-            <a:ext cx="5486400" cy="4114800"/>
+            <a:off x="679768" y="4689515"/>
+            <a:ext cx="5438140" cy="4442698"/>
           </a:xfrm>
           <a:prstGeom prst="rect">
             <a:avLst/>
@@ -307,8 +307,8 @@
         </p:nvSpPr>
         <p:spPr>
           <a:xfrm>
-            <a:off x="0" y="8685213"/>
-            <a:ext cx="2971800" cy="457200"/>
+            <a:off x="0" y="9377316"/>
+            <a:ext cx="2945659" cy="493633"/>
           </a:xfrm>
           <a:prstGeom prst="rect">
             <a:avLst/>
@@ -338,8 +338,8 @@
         </p:nvSpPr>
         <p:spPr>
           <a:xfrm>
-            <a:off x="3884613" y="8685213"/>
-            <a:ext cx="2971800" cy="457200"/>
+            <a:off x="3850443" y="9377316"/>
+            <a:ext cx="2945659" cy="493633"/>
           </a:xfrm>
           <a:prstGeom prst="rect">
             <a:avLst/>
@@ -494,8 +494,8 @@
         </p:nvSpPr>
         <p:spPr>
           <a:xfrm>
-            <a:off x="1077913" y="685800"/>
-            <a:ext cx="4702175" cy="3429000"/>
+            <a:off x="860425" y="739775"/>
+            <a:ext cx="5076825" cy="3703638"/>
           </a:xfrm>
         </p:spPr>
       </p:sp>
@@ -737,7 +737,7 @@
             <a:fld id="{1D8BD707-D9CF-40AE-B4C6-C98DA3205C09}" type="datetimeFigureOut">
               <a:rPr lang="en-US" smtClean="0"/>
               <a:pPr/>
-              <a:t>3/24/2013</a:t>
+              <a:t>7/5/2013</a:t>
             </a:fld>
             <a:endParaRPr lang="en-US"/>
           </a:p>
@@ -904,7 +904,7 @@
             <a:fld id="{1D8BD707-D9CF-40AE-B4C6-C98DA3205C09}" type="datetimeFigureOut">
               <a:rPr lang="en-US" smtClean="0"/>
               <a:pPr/>
-              <a:t>3/24/2013</a:t>
+              <a:t>7/5/2013</a:t>
             </a:fld>
             <a:endParaRPr lang="en-US"/>
           </a:p>
@@ -1081,7 +1081,7 @@
             <a:fld id="{1D8BD707-D9CF-40AE-B4C6-C98DA3205C09}" type="datetimeFigureOut">
               <a:rPr lang="en-US" smtClean="0"/>
               <a:pPr/>
-              <a:t>3/24/2013</a:t>
+              <a:t>7/5/2013</a:t>
             </a:fld>
             <a:endParaRPr lang="en-US"/>
           </a:p>
@@ -1248,7 +1248,7 @@
             <a:fld id="{1D8BD707-D9CF-40AE-B4C6-C98DA3205C09}" type="datetimeFigureOut">
               <a:rPr lang="en-US" smtClean="0"/>
               <a:pPr/>
-              <a:t>3/24/2013</a:t>
+              <a:t>7/5/2013</a:t>
             </a:fld>
             <a:endParaRPr lang="en-US"/>
           </a:p>
@@ -1491,7 +1491,7 @@
             <a:fld id="{1D8BD707-D9CF-40AE-B4C6-C98DA3205C09}" type="datetimeFigureOut">
               <a:rPr lang="en-US" smtClean="0"/>
               <a:pPr/>
-              <a:t>3/24/2013</a:t>
+              <a:t>7/5/2013</a:t>
             </a:fld>
             <a:endParaRPr lang="en-US"/>
           </a:p>
@@ -1776,7 +1776,7 @@
             <a:fld id="{1D8BD707-D9CF-40AE-B4C6-C98DA3205C09}" type="datetimeFigureOut">
               <a:rPr lang="en-US" smtClean="0"/>
               <a:pPr/>
-              <a:t>3/24/2013</a:t>
+              <a:t>7/5/2013</a:t>
             </a:fld>
             <a:endParaRPr lang="en-US"/>
           </a:p>
@@ -2195,7 +2195,7 @@
             <a:fld id="{1D8BD707-D9CF-40AE-B4C6-C98DA3205C09}" type="datetimeFigureOut">
               <a:rPr lang="en-US" smtClean="0"/>
               <a:pPr/>
-              <a:t>3/24/2013</a:t>
+              <a:t>7/5/2013</a:t>
             </a:fld>
             <a:endParaRPr lang="en-US"/>
           </a:p>
@@ -2310,7 +2310,7 @@
             <a:fld id="{1D8BD707-D9CF-40AE-B4C6-C98DA3205C09}" type="datetimeFigureOut">
               <a:rPr lang="en-US" smtClean="0"/>
               <a:pPr/>
-              <a:t>3/24/2013</a:t>
+              <a:t>7/5/2013</a:t>
             </a:fld>
             <a:endParaRPr lang="en-US"/>
           </a:p>
@@ -2402,7 +2402,7 @@
             <a:fld id="{1D8BD707-D9CF-40AE-B4C6-C98DA3205C09}" type="datetimeFigureOut">
               <a:rPr lang="en-US" smtClean="0"/>
               <a:pPr/>
-              <a:t>3/24/2013</a:t>
+              <a:t>7/5/2013</a:t>
             </a:fld>
             <a:endParaRPr lang="en-US"/>
           </a:p>
@@ -2676,7 +2676,7 @@
             <a:fld id="{1D8BD707-D9CF-40AE-B4C6-C98DA3205C09}" type="datetimeFigureOut">
               <a:rPr lang="en-US" smtClean="0"/>
               <a:pPr/>
-              <a:t>3/24/2013</a:t>
+              <a:t>7/5/2013</a:t>
             </a:fld>
             <a:endParaRPr lang="en-US"/>
           </a:p>
@@ -2926,7 +2926,7 @@
             <a:fld id="{1D8BD707-D9CF-40AE-B4C6-C98DA3205C09}" type="datetimeFigureOut">
               <a:rPr lang="en-US" smtClean="0"/>
               <a:pPr/>
-              <a:t>3/24/2013</a:t>
+              <a:t>7/5/2013</a:t>
             </a:fld>
             <a:endParaRPr lang="en-US"/>
           </a:p>
@@ -3136,7 +3136,7 @@
             <a:fld id="{1D8BD707-D9CF-40AE-B4C6-C98DA3205C09}" type="datetimeFigureOut">
               <a:rPr lang="en-US" smtClean="0"/>
               <a:pPr/>
-              <a:t>3/24/2013</a:t>
+              <a:t>7/5/2013</a:t>
             </a:fld>
             <a:endParaRPr lang="en-US"/>
           </a:p>
@@ -3515,8 +3515,8 @@
         </p:nvSpPr>
         <p:spPr>
           <a:xfrm>
-            <a:off x="434181" y="3531394"/>
-            <a:ext cx="1981200" cy="1371600"/>
+            <a:off x="434181" y="1416128"/>
+            <a:ext cx="1828800" cy="3206635"/>
           </a:xfrm>
           <a:prstGeom prst="roundRect">
             <a:avLst>
@@ -3574,8 +3574,8 @@
         </p:nvSpPr>
         <p:spPr>
           <a:xfrm>
-            <a:off x="3558381" y="1372313"/>
-            <a:ext cx="2286000" cy="4445081"/>
+            <a:off x="4320381" y="1372313"/>
+            <a:ext cx="1981200" cy="4445081"/>
           </a:xfrm>
           <a:prstGeom prst="roundRect">
             <a:avLst>
@@ -3634,8 +3634,8 @@
         </p:nvSpPr>
         <p:spPr>
           <a:xfrm>
-            <a:off x="6225381" y="1372312"/>
-            <a:ext cx="2286000" cy="4799889"/>
+            <a:off x="6682581" y="1372312"/>
+            <a:ext cx="1828800" cy="4799889"/>
           </a:xfrm>
           <a:prstGeom prst="roundRect">
             <a:avLst>
@@ -3694,7 +3694,7 @@
         </p:nvSpPr>
         <p:spPr>
           <a:xfrm>
-            <a:off x="891381" y="1371600"/>
+            <a:off x="2491581" y="1397792"/>
             <a:ext cx="1524000" cy="2077278"/>
           </a:xfrm>
           <a:prstGeom prst="roundRect">
@@ -3813,7 +3813,7 @@
         </p:nvGrpSpPr>
         <p:grpSpPr>
           <a:xfrm>
-            <a:off x="967581" y="2769394"/>
+            <a:off x="2567781" y="2795586"/>
             <a:ext cx="1361661" cy="503583"/>
             <a:chOff x="-228600" y="1371600"/>
             <a:chExt cx="1371600" cy="609600"/>
@@ -3937,7 +3937,7 @@
         </p:nvGrpSpPr>
         <p:grpSpPr>
           <a:xfrm>
-            <a:off x="4015581" y="1828800"/>
+            <a:off x="4548981" y="1828800"/>
             <a:ext cx="1371600" cy="762000"/>
             <a:chOff x="-228600" y="1371600"/>
             <a:chExt cx="1371600" cy="762000"/>
@@ -3995,6 +3995,14 @@
                   </a:solidFill>
                 </a:rPr>
                 <a:t>logic</a:t>
+              </a:r>
+              <a:r>
+                <a:rPr lang="en-US" sz="1400" b="1" smtClean="0">
+                  <a:solidFill>
+                    <a:srgbClr val="7030A0"/>
+                  </a:solidFill>
+                </a:rPr>
+                <a:t>::core</a:t>
               </a:r>
               <a:endParaRPr lang="en-SG" sz="1400" b="1" dirty="0">
                 <a:solidFill>
@@ -4063,7 +4071,7 @@
         </p:nvGrpSpPr>
         <p:grpSpPr>
           <a:xfrm>
-            <a:off x="6606381" y="1981200"/>
+            <a:off x="6834981" y="1981200"/>
             <a:ext cx="1600200" cy="762000"/>
             <a:chOff x="-457200" y="1371600"/>
             <a:chExt cx="1600200" cy="762000"/>
@@ -4189,7 +4197,7 @@
         </p:nvGrpSpPr>
         <p:grpSpPr>
           <a:xfrm>
-            <a:off x="6606381" y="3425439"/>
+            <a:off x="6834981" y="3425439"/>
             <a:ext cx="1600200" cy="762000"/>
             <a:chOff x="-457200" y="1371600"/>
             <a:chExt cx="1600200" cy="762000"/>
@@ -4331,10 +4339,10 @@
         </p:nvGrpSpPr>
         <p:grpSpPr>
           <a:xfrm>
-            <a:off x="662781" y="4293394"/>
-            <a:ext cx="1371600" cy="506339"/>
-            <a:chOff x="-228600" y="1371600"/>
-            <a:chExt cx="1371600" cy="506339"/>
+            <a:off x="662780" y="4064794"/>
+            <a:ext cx="1523999" cy="430139"/>
+            <a:chOff x="-228600" y="1447800"/>
+            <a:chExt cx="1371600" cy="430139"/>
           </a:xfrm>
           <a:solidFill>
             <a:schemeClr val="bg1"/>
@@ -4412,8 +4420,8 @@
           </p:nvSpPr>
           <p:spPr>
             <a:xfrm>
-              <a:off x="647700" y="1371600"/>
-              <a:ext cx="495300" cy="152400"/>
+              <a:off x="647700" y="1447800"/>
+              <a:ext cx="495300" cy="76200"/>
             </a:xfrm>
             <a:prstGeom prst="rect">
               <a:avLst/>
@@ -4524,7 +4532,15 @@
                     <a:schemeClr val="accent5"/>
                   </a:solidFill>
                 </a:rPr>
-                <a:t>common</a:t>
+                <a:t>common::</a:t>
+              </a:r>
+              <a:r>
+                <a:rPr lang="en-US" sz="1400" b="1" dirty="0" err="1" smtClean="0">
+                  <a:solidFill>
+                    <a:schemeClr val="accent5"/>
+                  </a:solidFill>
+                </a:rPr>
+                <a:t>util</a:t>
               </a:r>
               <a:endParaRPr lang="en-SG" sz="1400" b="1" dirty="0">
                 <a:solidFill>
@@ -4593,8 +4609,8 @@
         </p:nvCxnSpPr>
         <p:spPr>
           <a:xfrm>
-            <a:off x="5844381" y="3962400"/>
-            <a:ext cx="762000" cy="0"/>
+            <a:off x="6301581" y="3962400"/>
+            <a:ext cx="533400" cy="0"/>
           </a:xfrm>
           <a:prstGeom prst="straightConnector1">
             <a:avLst/>
@@ -4631,8 +4647,8 @@
         </p:nvCxnSpPr>
         <p:spPr>
           <a:xfrm>
-            <a:off x="2415381" y="4369594"/>
-            <a:ext cx="1600200" cy="0"/>
+            <a:off x="2262981" y="4369594"/>
+            <a:ext cx="2286000" cy="0"/>
           </a:xfrm>
           <a:prstGeom prst="straightConnector1">
             <a:avLst/>
@@ -4671,7 +4687,7 @@
         </p:nvCxnSpPr>
         <p:spPr>
           <a:xfrm flipV="1">
-            <a:off x="7368381" y="2743200"/>
+            <a:off x="7596981" y="2743200"/>
             <a:ext cx="0" cy="834640"/>
           </a:xfrm>
           <a:prstGeom prst="straightConnector1">
@@ -4709,7 +4725,7 @@
         </p:nvCxnSpPr>
         <p:spPr>
           <a:xfrm>
-            <a:off x="1119981" y="914402"/>
+            <a:off x="3223101" y="940594"/>
             <a:ext cx="0" cy="475534"/>
           </a:xfrm>
           <a:prstGeom prst="straightConnector1">
@@ -4747,7 +4763,7 @@
         </p:nvCxnSpPr>
         <p:spPr>
           <a:xfrm>
-            <a:off x="4625181" y="910128"/>
+            <a:off x="5234781" y="910128"/>
             <a:ext cx="0" cy="457198"/>
           </a:xfrm>
           <a:prstGeom prst="straightConnector1">
@@ -4785,7 +4801,7 @@
         </p:nvCxnSpPr>
         <p:spPr>
           <a:xfrm>
-            <a:off x="7368381" y="659449"/>
+            <a:off x="7596981" y="659449"/>
             <a:ext cx="0" cy="1460975"/>
           </a:xfrm>
           <a:prstGeom prst="straightConnector1">
@@ -4823,8 +4839,8 @@
         </p:nvCxnSpPr>
         <p:spPr>
           <a:xfrm>
-            <a:off x="662781" y="914402"/>
-            <a:ext cx="0" cy="2616992"/>
+            <a:off x="1272381" y="914402"/>
+            <a:ext cx="0" cy="501726"/>
           </a:xfrm>
           <a:prstGeom prst="straightConnector1">
             <a:avLst/>
@@ -4863,7 +4879,7 @@
         </p:nvCxnSpPr>
         <p:spPr>
           <a:xfrm>
-            <a:off x="4625181" y="2590800"/>
+            <a:off x="5158581" y="2590800"/>
             <a:ext cx="0" cy="457200"/>
           </a:xfrm>
           <a:prstGeom prst="straightConnector1">
@@ -4901,7 +4917,7 @@
         </p:nvCxnSpPr>
         <p:spPr>
           <a:xfrm>
-            <a:off x="967581" y="4217194"/>
+            <a:off x="967581" y="3912394"/>
             <a:ext cx="0" cy="224172"/>
           </a:xfrm>
           <a:prstGeom prst="straightConnector1">
@@ -4941,7 +4957,7 @@
         </p:nvGrpSpPr>
         <p:grpSpPr>
           <a:xfrm>
-            <a:off x="4015581" y="4114800"/>
+            <a:off x="4548981" y="4114800"/>
             <a:ext cx="1371600" cy="762000"/>
             <a:chOff x="-228600" y="1371600"/>
             <a:chExt cx="1371600" cy="762000"/>
@@ -5067,7 +5083,7 @@
         </p:nvCxnSpPr>
         <p:spPr>
           <a:xfrm>
-            <a:off x="4625181" y="3657600"/>
+            <a:off x="5158581" y="3657600"/>
             <a:ext cx="0" cy="609600"/>
           </a:xfrm>
           <a:prstGeom prst="straightConnector1">
@@ -5105,7 +5121,7 @@
         </p:nvCxnSpPr>
         <p:spPr>
           <a:xfrm flipV="1">
-            <a:off x="6758781" y="910128"/>
+            <a:off x="7139781" y="910128"/>
             <a:ext cx="0" cy="462186"/>
           </a:xfrm>
           <a:prstGeom prst="straightConnector1">
@@ -5143,7 +5159,7 @@
         </p:nvGrpSpPr>
         <p:grpSpPr>
           <a:xfrm>
-            <a:off x="4015581" y="2895600"/>
+            <a:off x="4548981" y="2895600"/>
             <a:ext cx="1371600" cy="762000"/>
             <a:chOff x="-228600" y="1371600"/>
             <a:chExt cx="1371600" cy="762000"/>
@@ -5277,7 +5293,7 @@
         </p:nvGrpSpPr>
         <p:grpSpPr>
           <a:xfrm>
-            <a:off x="3939381" y="5055394"/>
+            <a:off x="4472781" y="5055394"/>
             <a:ext cx="1447800" cy="533400"/>
             <a:chOff x="-304800" y="1371600"/>
             <a:chExt cx="1447800" cy="533400"/>
@@ -5403,7 +5419,7 @@
         </p:nvCxnSpPr>
         <p:spPr>
           <a:xfrm>
-            <a:off x="4625181" y="4876800"/>
+            <a:off x="5158581" y="4876800"/>
             <a:ext cx="0" cy="330994"/>
           </a:xfrm>
           <a:prstGeom prst="straightConnector1">
@@ -5443,7 +5459,7 @@
         </p:nvCxnSpPr>
         <p:spPr>
           <a:xfrm rot="5400000" flipH="1" flipV="1">
-            <a:off x="4167981" y="2743200"/>
+            <a:off x="4701381" y="2743200"/>
             <a:ext cx="1676400" cy="762000"/>
           </a:xfrm>
           <a:prstGeom prst="bentConnector4">
@@ -5484,8 +5500,8 @@
         </p:nvCxnSpPr>
         <p:spPr>
           <a:xfrm flipH="1">
-            <a:off x="2339181" y="3150394"/>
-            <a:ext cx="1676400" cy="0"/>
+            <a:off x="3929442" y="3176586"/>
+            <a:ext cx="390940" cy="10126"/>
           </a:xfrm>
           <a:prstGeom prst="straightConnector1">
             <a:avLst/>
@@ -5646,7 +5662,7 @@
         </p:nvGrpSpPr>
         <p:grpSpPr>
           <a:xfrm>
-            <a:off x="6530181" y="4888906"/>
+            <a:off x="6758781" y="4888906"/>
             <a:ext cx="1676400" cy="762000"/>
             <a:chOff x="-533400" y="1371600"/>
             <a:chExt cx="1676400" cy="762000"/>
@@ -5788,7 +5804,7 @@
         </p:nvCxnSpPr>
         <p:spPr>
           <a:xfrm>
-            <a:off x="7368381" y="4191000"/>
+            <a:off x="7596981" y="4191000"/>
             <a:ext cx="0" cy="841403"/>
           </a:xfrm>
           <a:prstGeom prst="straightConnector1">
@@ -5826,7 +5842,7 @@
         </p:nvGrpSpPr>
         <p:grpSpPr>
           <a:xfrm>
-            <a:off x="967581" y="2159794"/>
+            <a:off x="2567781" y="2185986"/>
             <a:ext cx="1361661" cy="503583"/>
             <a:chOff x="-505326" y="1371600"/>
             <a:chExt cx="1648326" cy="609600"/>
@@ -5953,7 +5969,7 @@
         </p:nvCxnSpPr>
         <p:spPr>
           <a:xfrm flipV="1">
-            <a:off x="1648412" y="2663377"/>
+            <a:off x="3248612" y="2689569"/>
             <a:ext cx="0" cy="231913"/>
           </a:xfrm>
           <a:prstGeom prst="straightConnector1">
@@ -5991,7 +6007,7 @@
         </p:nvGrpSpPr>
         <p:grpSpPr>
           <a:xfrm>
-            <a:off x="967581" y="1600200"/>
+            <a:off x="2567781" y="1626392"/>
             <a:ext cx="1361661" cy="503583"/>
             <a:chOff x="-505326" y="1371600"/>
             <a:chExt cx="1648326" cy="609600"/>
@@ -6115,10 +6131,10 @@
         </p:nvGrpSpPr>
         <p:grpSpPr>
           <a:xfrm>
-            <a:off x="662781" y="3759994"/>
-            <a:ext cx="1371600" cy="423729"/>
-            <a:chOff x="-228600" y="1371600"/>
-            <a:chExt cx="1371600" cy="499929"/>
+            <a:off x="662781" y="3501638"/>
+            <a:ext cx="1524000" cy="377284"/>
+            <a:chOff x="-228600" y="1426397"/>
+            <a:chExt cx="1371600" cy="445132"/>
           </a:xfrm>
           <a:solidFill>
             <a:schemeClr val="bg1"/>
@@ -6196,8 +6212,8 @@
           </p:nvSpPr>
           <p:spPr>
             <a:xfrm>
-              <a:off x="647700" y="1371600"/>
-              <a:ext cx="495300" cy="152400"/>
+              <a:off x="647700" y="1426397"/>
+              <a:ext cx="495300" cy="97603"/>
             </a:xfrm>
             <a:prstGeom prst="rect">
               <a:avLst/>
@@ -6559,7 +6575,6 @@
         <p:nvCxnSpPr>
           <p:cNvPr id="162" name="Straight Arrow Connector 161"/>
           <p:cNvCxnSpPr>
-            <a:stCxn id="87" idx="3"/>
             <a:endCxn id="122" idx="1"/>
           </p:cNvCxnSpPr>
           <p:nvPr/>
@@ -6567,7 +6582,7 @@
         <p:spPr>
           <a:xfrm flipV="1">
             <a:off x="2186781" y="4572000"/>
-            <a:ext cx="1828800" cy="877094"/>
+            <a:ext cx="2362200" cy="877094"/>
           </a:xfrm>
           <a:prstGeom prst="bentConnector3">
             <a:avLst>
@@ -6735,17 +6750,19 @@
       <p:cxnSp>
         <p:nvCxnSpPr>
           <p:cNvPr id="172" name="Straight Arrow Connector 161"/>
-          <p:cNvCxnSpPr/>
+          <p:cNvCxnSpPr>
+            <a:stCxn id="170" idx="3"/>
+          </p:cNvCxnSpPr>
           <p:nvPr/>
         </p:nvCxnSpPr>
         <p:spPr>
           <a:xfrm flipV="1">
             <a:off x="2186781" y="5664994"/>
-            <a:ext cx="5257800" cy="330994"/>
+            <a:ext cx="5410200" cy="342900"/>
           </a:xfrm>
           <a:prstGeom prst="bentConnector3">
             <a:avLst>
-              <a:gd name="adj1" fmla="val 100000"/>
+              <a:gd name="adj1" fmla="val 100282"/>
             </a:avLst>
           </a:prstGeom>
           <a:ln w="38100">
@@ -6780,8 +6797,8 @@
         </p:nvCxnSpPr>
         <p:spPr>
           <a:xfrm flipV="1">
-            <a:off x="281781" y="864394"/>
-            <a:ext cx="0" cy="4114800"/>
+            <a:off x="281781" y="940594"/>
+            <a:ext cx="0" cy="4038600"/>
           </a:xfrm>
           <a:prstGeom prst="straightConnector1">
             <a:avLst/>
@@ -6827,6 +6844,613 @@
           <a:ln w="38100">
             <a:solidFill>
               <a:srgbClr val="00B050"/>
+            </a:solidFill>
+            <a:prstDash val="sysDot"/>
+            <a:headEnd type="none" w="med" len="med"/>
+            <a:tailEnd type="triangle" w="med" len="med"/>
+          </a:ln>
+        </p:spPr>
+        <p:style>
+          <a:lnRef idx="1">
+            <a:schemeClr val="accent1"/>
+          </a:lnRef>
+          <a:fillRef idx="0">
+            <a:schemeClr val="accent1"/>
+          </a:fillRef>
+          <a:effectRef idx="0">
+            <a:schemeClr val="accent1"/>
+          </a:effectRef>
+          <a:fontRef idx="minor">
+            <a:schemeClr val="tx1"/>
+          </a:fontRef>
+        </p:style>
+      </p:cxnSp>
+      <p:grpSp>
+        <p:nvGrpSpPr>
+          <p:cNvPr id="152" name="Group 151"/>
+          <p:cNvGrpSpPr/>
+          <p:nvPr/>
+        </p:nvGrpSpPr>
+        <p:grpSpPr>
+          <a:xfrm>
+            <a:off x="662781" y="1778794"/>
+            <a:ext cx="1524000" cy="377284"/>
+            <a:chOff x="-228600" y="1426397"/>
+            <a:chExt cx="1371600" cy="445132"/>
+          </a:xfrm>
+          <a:solidFill>
+            <a:schemeClr val="bg1"/>
+          </a:solidFill>
+        </p:grpSpPr>
+        <p:sp>
+          <p:nvSpPr>
+            <p:cNvPr id="153" name="Rectangle 152"/>
+            <p:cNvSpPr/>
+            <p:nvPr/>
+          </p:nvSpPr>
+          <p:spPr>
+            <a:xfrm>
+              <a:off x="-228600" y="1524001"/>
+              <a:ext cx="1371600" cy="347528"/>
+            </a:xfrm>
+            <a:prstGeom prst="rect">
+              <a:avLst/>
+            </a:prstGeom>
+            <a:grpFill/>
+            <a:ln>
+              <a:solidFill>
+                <a:schemeClr val="accent2">
+                  <a:lumMod val="75000"/>
+                </a:schemeClr>
+              </a:solidFill>
+            </a:ln>
+          </p:spPr>
+          <p:style>
+            <a:lnRef idx="2">
+              <a:schemeClr val="accent1">
+                <a:shade val="50000"/>
+              </a:schemeClr>
+            </a:lnRef>
+            <a:fillRef idx="1">
+              <a:schemeClr val="accent1"/>
+            </a:fillRef>
+            <a:effectRef idx="0">
+              <a:schemeClr val="accent1"/>
+            </a:effectRef>
+            <a:fontRef idx="minor">
+              <a:schemeClr val="lt1"/>
+            </a:fontRef>
+          </p:style>
+          <p:txBody>
+            <a:bodyPr rtlCol="0" anchor="ctr"/>
+            <a:lstStyle/>
+            <a:p>
+              <a:pPr algn="ctr"/>
+              <a:r>
+                <a:rPr lang="en-US" sz="1400" b="1" dirty="0" smtClean="0">
+                  <a:solidFill>
+                    <a:schemeClr val="accent2">
+                      <a:lumMod val="75000"/>
+                    </a:schemeClr>
+                  </a:solidFill>
+                </a:rPr>
+                <a:t>test</a:t>
+              </a:r>
+              <a:r>
+                <a:rPr lang="en-US" sz="1400" b="1" dirty="0" smtClean="0">
+                  <a:solidFill>
+                    <a:schemeClr val="accent2">
+                      <a:lumMod val="75000"/>
+                    </a:schemeClr>
+                  </a:solidFill>
+                </a:rPr>
+                <a:t>::</a:t>
+              </a:r>
+              <a:r>
+                <a:rPr lang="en-US" sz="1400" b="1" dirty="0" err="1" smtClean="0">
+                  <a:solidFill>
+                    <a:schemeClr val="accent2">
+                      <a:lumMod val="75000"/>
+                    </a:schemeClr>
+                  </a:solidFill>
+                </a:rPr>
+                <a:t>pageobjects</a:t>
+              </a:r>
+              <a:endParaRPr lang="en-SG" sz="1400" b="1" dirty="0">
+                <a:solidFill>
+                  <a:schemeClr val="accent2">
+                    <a:lumMod val="75000"/>
+                  </a:schemeClr>
+                </a:solidFill>
+              </a:endParaRPr>
+            </a:p>
+          </p:txBody>
+        </p:sp>
+        <p:sp>
+          <p:nvSpPr>
+            <p:cNvPr id="154" name="Rectangle 153"/>
+            <p:cNvSpPr/>
+            <p:nvPr/>
+          </p:nvSpPr>
+          <p:spPr>
+            <a:xfrm>
+              <a:off x="647700" y="1426397"/>
+              <a:ext cx="495300" cy="97603"/>
+            </a:xfrm>
+            <a:prstGeom prst="rect">
+              <a:avLst/>
+            </a:prstGeom>
+            <a:grpFill/>
+            <a:ln>
+              <a:solidFill>
+                <a:schemeClr val="accent2">
+                  <a:lumMod val="75000"/>
+                </a:schemeClr>
+              </a:solidFill>
+            </a:ln>
+          </p:spPr>
+          <p:style>
+            <a:lnRef idx="2">
+              <a:schemeClr val="accent1">
+                <a:shade val="50000"/>
+              </a:schemeClr>
+            </a:lnRef>
+            <a:fillRef idx="1">
+              <a:schemeClr val="accent1"/>
+            </a:fillRef>
+            <a:effectRef idx="0">
+              <a:schemeClr val="accent1"/>
+            </a:effectRef>
+            <a:fontRef idx="minor">
+              <a:schemeClr val="lt1"/>
+            </a:fontRef>
+          </p:style>
+          <p:txBody>
+            <a:bodyPr rtlCol="0" anchor="ctr"/>
+            <a:lstStyle/>
+            <a:p>
+              <a:pPr algn="ctr"/>
+              <a:endParaRPr lang="en-SG" sz="1400" b="1">
+                <a:solidFill>
+                  <a:schemeClr val="accent2">
+                    <a:lumMod val="75000"/>
+                  </a:schemeClr>
+                </a:solidFill>
+              </a:endParaRPr>
+            </a:p>
+          </p:txBody>
+        </p:sp>
+      </p:grpSp>
+      <p:grpSp>
+        <p:nvGrpSpPr>
+          <p:cNvPr id="155" name="Group 154"/>
+          <p:cNvGrpSpPr/>
+          <p:nvPr/>
+        </p:nvGrpSpPr>
+        <p:grpSpPr>
+          <a:xfrm>
+            <a:off x="662781" y="2311884"/>
+            <a:ext cx="1524000" cy="553388"/>
+            <a:chOff x="-228600" y="1426094"/>
+            <a:chExt cx="1371600" cy="540877"/>
+          </a:xfrm>
+          <a:solidFill>
+            <a:schemeClr val="bg1"/>
+          </a:solidFill>
+        </p:grpSpPr>
+        <p:sp>
+          <p:nvSpPr>
+            <p:cNvPr id="159" name="Rectangle 158"/>
+            <p:cNvSpPr/>
+            <p:nvPr/>
+          </p:nvSpPr>
+          <p:spPr>
+            <a:xfrm>
+              <a:off x="-228600" y="1524000"/>
+              <a:ext cx="1371600" cy="442971"/>
+            </a:xfrm>
+            <a:prstGeom prst="rect">
+              <a:avLst/>
+            </a:prstGeom>
+            <a:grpFill/>
+            <a:ln>
+              <a:solidFill>
+                <a:schemeClr val="accent2">
+                  <a:lumMod val="75000"/>
+                </a:schemeClr>
+              </a:solidFill>
+            </a:ln>
+          </p:spPr>
+          <p:style>
+            <a:lnRef idx="2">
+              <a:schemeClr val="accent1">
+                <a:shade val="50000"/>
+              </a:schemeClr>
+            </a:lnRef>
+            <a:fillRef idx="1">
+              <a:schemeClr val="accent1"/>
+            </a:fillRef>
+            <a:effectRef idx="0">
+              <a:schemeClr val="accent1"/>
+            </a:effectRef>
+            <a:fontRef idx="minor">
+              <a:schemeClr val="lt1"/>
+            </a:fontRef>
+          </p:style>
+          <p:txBody>
+            <a:bodyPr rtlCol="0" anchor="ctr"/>
+            <a:lstStyle/>
+            <a:p>
+              <a:pPr algn="ctr"/>
+              <a:r>
+                <a:rPr lang="en-US" sz="1400" b="1" dirty="0" smtClean="0">
+                  <a:solidFill>
+                    <a:schemeClr val="accent2">
+                      <a:lumMod val="75000"/>
+                    </a:schemeClr>
+                  </a:solidFill>
+                </a:rPr>
+                <a:t>test::</a:t>
+              </a:r>
+              <a:r>
+                <a:rPr lang="en-US" sz="1400" b="1" dirty="0" smtClean="0">
+                  <a:solidFill>
+                    <a:schemeClr val="accent2">
+                      <a:lumMod val="75000"/>
+                    </a:schemeClr>
+                  </a:solidFill>
+                </a:rPr>
+                <a:t>cases::</a:t>
+              </a:r>
+              <a:br>
+                <a:rPr lang="en-US" sz="1400" b="1" dirty="0" smtClean="0">
+                  <a:solidFill>
+                    <a:schemeClr val="accent2">
+                      <a:lumMod val="75000"/>
+                    </a:schemeClr>
+                  </a:solidFill>
+                </a:rPr>
+              </a:br>
+              <a:r>
+                <a:rPr lang="en-US" sz="1400" b="1" dirty="0" err="1" smtClean="0">
+                  <a:solidFill>
+                    <a:schemeClr val="accent2">
+                      <a:lumMod val="75000"/>
+                    </a:schemeClr>
+                  </a:solidFill>
+                </a:rPr>
+                <a:t>ui</a:t>
+              </a:r>
+              <a:r>
+                <a:rPr lang="en-US" sz="1400" b="1" dirty="0" smtClean="0">
+                  <a:solidFill>
+                    <a:schemeClr val="accent2">
+                      <a:lumMod val="75000"/>
+                    </a:schemeClr>
+                  </a:solidFill>
+                </a:rPr>
+                <a:t>::</a:t>
+              </a:r>
+              <a:r>
+                <a:rPr lang="en-US" sz="1400" b="1" dirty="0" err="1" smtClean="0">
+                  <a:solidFill>
+                    <a:schemeClr val="accent2">
+                      <a:lumMod val="75000"/>
+                    </a:schemeClr>
+                  </a:solidFill>
+                </a:rPr>
+                <a:t>browsertests</a:t>
+              </a:r>
+              <a:endParaRPr lang="en-SG" sz="1400" b="1" dirty="0">
+                <a:solidFill>
+                  <a:schemeClr val="accent2">
+                    <a:lumMod val="75000"/>
+                  </a:schemeClr>
+                </a:solidFill>
+              </a:endParaRPr>
+            </a:p>
+          </p:txBody>
+        </p:sp>
+        <p:sp>
+          <p:nvSpPr>
+            <p:cNvPr id="160" name="Rectangle 159"/>
+            <p:cNvSpPr/>
+            <p:nvPr/>
+          </p:nvSpPr>
+          <p:spPr>
+            <a:xfrm>
+              <a:off x="647700" y="1426094"/>
+              <a:ext cx="495300" cy="97907"/>
+            </a:xfrm>
+            <a:prstGeom prst="rect">
+              <a:avLst/>
+            </a:prstGeom>
+            <a:grpFill/>
+            <a:ln>
+              <a:solidFill>
+                <a:schemeClr val="accent2">
+                  <a:lumMod val="75000"/>
+                </a:schemeClr>
+              </a:solidFill>
+            </a:ln>
+          </p:spPr>
+          <p:style>
+            <a:lnRef idx="2">
+              <a:schemeClr val="accent1">
+                <a:shade val="50000"/>
+              </a:schemeClr>
+            </a:lnRef>
+            <a:fillRef idx="1">
+              <a:schemeClr val="accent1"/>
+            </a:fillRef>
+            <a:effectRef idx="0">
+              <a:schemeClr val="accent1"/>
+            </a:effectRef>
+            <a:fontRef idx="minor">
+              <a:schemeClr val="lt1"/>
+            </a:fontRef>
+          </p:style>
+          <p:txBody>
+            <a:bodyPr rtlCol="0" anchor="ctr"/>
+            <a:lstStyle/>
+            <a:p>
+              <a:pPr algn="ctr"/>
+              <a:endParaRPr lang="en-SG" sz="1400" b="1">
+                <a:solidFill>
+                  <a:schemeClr val="accent2">
+                    <a:lumMod val="75000"/>
+                  </a:schemeClr>
+                </a:solidFill>
+              </a:endParaRPr>
+            </a:p>
+          </p:txBody>
+        </p:sp>
+      </p:grpSp>
+      <p:grpSp>
+        <p:nvGrpSpPr>
+          <p:cNvPr id="163" name="Group 162"/>
+          <p:cNvGrpSpPr/>
+          <p:nvPr/>
+        </p:nvGrpSpPr>
+        <p:grpSpPr>
+          <a:xfrm>
+            <a:off x="891381" y="2975134"/>
+            <a:ext cx="1295399" cy="377284"/>
+            <a:chOff x="-228600" y="1426397"/>
+            <a:chExt cx="1371600" cy="445132"/>
+          </a:xfrm>
+          <a:solidFill>
+            <a:schemeClr val="bg1"/>
+          </a:solidFill>
+        </p:grpSpPr>
+        <p:sp>
+          <p:nvSpPr>
+            <p:cNvPr id="164" name="Rectangle 163"/>
+            <p:cNvSpPr/>
+            <p:nvPr/>
+          </p:nvSpPr>
+          <p:spPr>
+            <a:xfrm>
+              <a:off x="-228600" y="1524001"/>
+              <a:ext cx="1371600" cy="347528"/>
+            </a:xfrm>
+            <a:prstGeom prst="rect">
+              <a:avLst/>
+            </a:prstGeom>
+            <a:grpFill/>
+            <a:ln>
+              <a:solidFill>
+                <a:schemeClr val="accent2">
+                  <a:lumMod val="75000"/>
+                </a:schemeClr>
+              </a:solidFill>
+            </a:ln>
+          </p:spPr>
+          <p:style>
+            <a:lnRef idx="2">
+              <a:schemeClr val="accent1">
+                <a:shade val="50000"/>
+              </a:schemeClr>
+            </a:lnRef>
+            <a:fillRef idx="1">
+              <a:schemeClr val="accent1"/>
+            </a:fillRef>
+            <a:effectRef idx="0">
+              <a:schemeClr val="accent1"/>
+            </a:effectRef>
+            <a:fontRef idx="minor">
+              <a:schemeClr val="lt1"/>
+            </a:fontRef>
+          </p:style>
+          <p:txBody>
+            <a:bodyPr rtlCol="0" anchor="ctr"/>
+            <a:lstStyle/>
+            <a:p>
+              <a:pPr algn="ctr"/>
+              <a:r>
+                <a:rPr lang="en-US" sz="1400" b="1" dirty="0" smtClean="0">
+                  <a:solidFill>
+                    <a:schemeClr val="accent2">
+                      <a:lumMod val="75000"/>
+                    </a:schemeClr>
+                  </a:solidFill>
+                </a:rPr>
+                <a:t>test::</a:t>
+              </a:r>
+              <a:r>
+                <a:rPr lang="en-US" sz="1400" b="1" dirty="0" smtClean="0">
+                  <a:solidFill>
+                    <a:schemeClr val="accent2">
+                      <a:lumMod val="75000"/>
+                    </a:schemeClr>
+                  </a:solidFill>
+                </a:rPr>
+                <a:t>cases:: *</a:t>
+              </a:r>
+              <a:endParaRPr lang="en-SG" sz="1400" b="1" dirty="0">
+                <a:solidFill>
+                  <a:schemeClr val="accent2">
+                    <a:lumMod val="75000"/>
+                  </a:schemeClr>
+                </a:solidFill>
+              </a:endParaRPr>
+            </a:p>
+          </p:txBody>
+        </p:sp>
+        <p:sp>
+          <p:nvSpPr>
+            <p:cNvPr id="165" name="Rectangle 164"/>
+            <p:cNvSpPr/>
+            <p:nvPr/>
+          </p:nvSpPr>
+          <p:spPr>
+            <a:xfrm>
+              <a:off x="647700" y="1426397"/>
+              <a:ext cx="495300" cy="97603"/>
+            </a:xfrm>
+            <a:prstGeom prst="rect">
+              <a:avLst/>
+            </a:prstGeom>
+            <a:grpFill/>
+            <a:ln>
+              <a:solidFill>
+                <a:schemeClr val="accent2">
+                  <a:lumMod val="75000"/>
+                </a:schemeClr>
+              </a:solidFill>
+            </a:ln>
+          </p:spPr>
+          <p:style>
+            <a:lnRef idx="2">
+              <a:schemeClr val="accent1">
+                <a:shade val="50000"/>
+              </a:schemeClr>
+            </a:lnRef>
+            <a:fillRef idx="1">
+              <a:schemeClr val="accent1"/>
+            </a:fillRef>
+            <a:effectRef idx="0">
+              <a:schemeClr val="accent1"/>
+            </a:effectRef>
+            <a:fontRef idx="minor">
+              <a:schemeClr val="lt1"/>
+            </a:fontRef>
+          </p:style>
+          <p:txBody>
+            <a:bodyPr rtlCol="0" anchor="ctr"/>
+            <a:lstStyle/>
+            <a:p>
+              <a:pPr algn="ctr"/>
+              <a:endParaRPr lang="en-SG" sz="1400" b="1">
+                <a:solidFill>
+                  <a:schemeClr val="accent2">
+                    <a:lumMod val="75000"/>
+                  </a:schemeClr>
+                </a:solidFill>
+              </a:endParaRPr>
+            </a:p>
+          </p:txBody>
+        </p:sp>
+      </p:grpSp>
+      <p:cxnSp>
+        <p:nvCxnSpPr>
+          <p:cNvPr id="166" name="Straight Arrow Connector 165"/>
+          <p:cNvCxnSpPr/>
+          <p:nvPr/>
+        </p:nvCxnSpPr>
+        <p:spPr>
+          <a:xfrm flipV="1">
+            <a:off x="1272381" y="2156078"/>
+            <a:ext cx="0" cy="255977"/>
+          </a:xfrm>
+          <a:prstGeom prst="straightConnector1">
+            <a:avLst/>
+          </a:prstGeom>
+          <a:ln w="38100">
+            <a:solidFill>
+              <a:schemeClr val="accent2">
+                <a:lumMod val="75000"/>
+              </a:schemeClr>
+            </a:solidFill>
+            <a:prstDash val="sysDot"/>
+            <a:headEnd type="none" w="med" len="med"/>
+            <a:tailEnd type="triangle" w="med" len="med"/>
+          </a:ln>
+        </p:spPr>
+        <p:style>
+          <a:lnRef idx="1">
+            <a:schemeClr val="accent1"/>
+          </a:lnRef>
+          <a:fillRef idx="0">
+            <a:schemeClr val="accent1"/>
+          </a:fillRef>
+          <a:effectRef idx="0">
+            <a:schemeClr val="accent1"/>
+          </a:effectRef>
+          <a:fontRef idx="minor">
+            <a:schemeClr val="tx1"/>
+          </a:fontRef>
+        </p:style>
+      </p:cxnSp>
+      <p:cxnSp>
+        <p:nvCxnSpPr>
+          <p:cNvPr id="167" name="Straight Arrow Connector 166"/>
+          <p:cNvCxnSpPr/>
+          <p:nvPr/>
+        </p:nvCxnSpPr>
+        <p:spPr>
+          <a:xfrm>
+            <a:off x="1196181" y="3362984"/>
+            <a:ext cx="0" cy="224172"/>
+          </a:xfrm>
+          <a:prstGeom prst="straightConnector1">
+            <a:avLst/>
+          </a:prstGeom>
+          <a:ln w="38100">
+            <a:solidFill>
+              <a:schemeClr val="accent2">
+                <a:lumMod val="75000"/>
+              </a:schemeClr>
+            </a:solidFill>
+            <a:prstDash val="sysDot"/>
+            <a:headEnd type="none" w="med" len="med"/>
+            <a:tailEnd type="triangle" w="med" len="med"/>
+          </a:ln>
+        </p:spPr>
+        <p:style>
+          <a:lnRef idx="1">
+            <a:schemeClr val="accent1"/>
+          </a:lnRef>
+          <a:fillRef idx="0">
+            <a:schemeClr val="accent1"/>
+          </a:fillRef>
+          <a:effectRef idx="0">
+            <a:schemeClr val="accent1"/>
+          </a:effectRef>
+          <a:fontRef idx="minor">
+            <a:schemeClr val="tx1"/>
+          </a:fontRef>
+        </p:style>
+      </p:cxnSp>
+      <p:cxnSp>
+        <p:nvCxnSpPr>
+          <p:cNvPr id="168" name="Straight Arrow Connector 167"/>
+          <p:cNvCxnSpPr/>
+          <p:nvPr/>
+        </p:nvCxnSpPr>
+        <p:spPr>
+          <a:xfrm>
+            <a:off x="738981" y="2895600"/>
+            <a:ext cx="0" cy="680990"/>
+          </a:xfrm>
+          <a:prstGeom prst="straightConnector1">
+            <a:avLst/>
+          </a:prstGeom>
+          <a:ln w="38100">
+            <a:solidFill>
+              <a:schemeClr val="accent2">
+                <a:lumMod val="75000"/>
+              </a:schemeClr>
             </a:solidFill>
             <a:prstDash val="sysDot"/>
             <a:headEnd type="none" w="med" len="med"/>
